--- a/0. document/5. PPT/0. 프로젝트 주제.pptx
+++ b/0. document/5. PPT/0. 프로젝트 주제.pptx
@@ -1,27 +1,27 @@
 
 <file path=ppt/presentation.xml><?xml version="1.0" encoding="utf-8"?>
-<p:presentation xmlns:a="http://schemas.openxmlformats.org/drawingml/2006/main" xmlns:r="http://schemas.openxmlformats.org/officeDocument/2006/relationships" xmlns:p="http://schemas.openxmlformats.org/presentationml/2006/main" showSpecialPlsOnTitleSld="0" saveSubsetFonts="1">
+<p:presentation xmlns:r="http://schemas.openxmlformats.org/officeDocument/2006/relationships" xmlns:c="http://schemas.openxmlformats.org/drawingml/2006/chart" xmlns:a="http://schemas.openxmlformats.org/drawingml/2006/main" xmlns:dgm="http://schemas.openxmlformats.org/drawingml/2006/diagram" xmlns:dsp="http://schemas.microsoft.com/office/drawing/2008/diagram" xmlns:p="http://schemas.openxmlformats.org/presentationml/2006/main" showSpecialPlsOnTitleSld="0" saveSubsetFonts="1">
   <p:sldMasterIdLst>
-    <p:sldMasterId id="2147483648" r:id="rId1"/>
+    <p:sldMasterId id="2147483663" r:id="rId1"/>
   </p:sldMasterIdLst>
   <p:notesMasterIdLst>
-    <p:notesMasterId r:id="rId16"/>
+    <p:notesMasterId r:id="rId2"/>
   </p:notesMasterIdLst>
   <p:sldIdLst>
-    <p:sldId id="256" r:id="rId2"/>
-    <p:sldId id="257" r:id="rId3"/>
-    <p:sldId id="258" r:id="rId4"/>
-    <p:sldId id="260" r:id="rId5"/>
-    <p:sldId id="262" r:id="rId6"/>
-    <p:sldId id="263" r:id="rId7"/>
+    <p:sldId id="256" r:id="rId3"/>
+    <p:sldId id="257" r:id="rId4"/>
+    <p:sldId id="258" r:id="rId5"/>
+    <p:sldId id="259" r:id="rId6"/>
+    <p:sldId id="260" r:id="rId7"/>
     <p:sldId id="261" r:id="rId8"/>
-    <p:sldId id="264" r:id="rId9"/>
-    <p:sldId id="265" r:id="rId10"/>
-    <p:sldId id="266" r:id="rId11"/>
-    <p:sldId id="267" r:id="rId12"/>
-    <p:sldId id="268" r:id="rId13"/>
-    <p:sldId id="269" r:id="rId14"/>
-    <p:sldId id="270" r:id="rId15"/>
+    <p:sldId id="262" r:id="rId9"/>
+    <p:sldId id="263" r:id="rId10"/>
+    <p:sldId id="264" r:id="rId11"/>
+    <p:sldId id="265" r:id="rId12"/>
+    <p:sldId id="266" r:id="rId13"/>
+    <p:sldId id="267" r:id="rId14"/>
+    <p:sldId id="268" r:id="rId15"/>
+    <p:sldId id="269" r:id="rId16"/>
   </p:sldIdLst>
   <p:sldSz cx="12192000" cy="6858000"/>
   <p:notesSz cx="6858000" cy="9144000"/>
@@ -124,7 +124,7 @@
 </file>
 
 <file path=ppt/notesMasters/notesMaster1.xml><?xml version="1.0" encoding="utf-8"?>
-<p:notesMaster xmlns:a="http://schemas.openxmlformats.org/drawingml/2006/main" xmlns:r="http://schemas.openxmlformats.org/officeDocument/2006/relationships" xmlns:p="http://schemas.openxmlformats.org/presentationml/2006/main">
+<p:notesMaster xmlns:r="http://schemas.openxmlformats.org/officeDocument/2006/relationships" xmlns:c="http://schemas.openxmlformats.org/drawingml/2006/chart" xmlns:a="http://schemas.openxmlformats.org/drawingml/2006/main" xmlns:dgm="http://schemas.openxmlformats.org/drawingml/2006/diagram" xmlns:dsp="http://schemas.microsoft.com/office/drawing/2008/diagram" xmlns:p="http://schemas.openxmlformats.org/presentationml/2006/main">
   <p:cSld>
     <p:bg>
       <p:bgRef idx="1001">
@@ -152,7 +152,7 @@
             <a:spLocks noGrp="1"/>
           </p:cNvSpPr>
           <p:nvPr>
-            <p:ph type="hdr" sz="quarter"/>
+            <p:ph type="hdr" sz="quarter" idx="0"/>
           </p:nvPr>
         </p:nvSpPr>
         <p:spPr>
@@ -165,13 +165,20 @@
           </a:prstGeom>
         </p:spPr>
         <p:txBody>
-          <a:bodyPr vert="horz" lIns="91440" tIns="45720" rIns="91440" bIns="45720" rtlCol="0"/>
+          <a:bodyPr vert="horz" lIns="91440" tIns="45720" rIns="91440" bIns="45720"/>
           <a:lstStyle>
             <a:lvl1pPr algn="l">
               <a:defRPr sz="1200"/>
             </a:lvl1pPr>
           </a:lstStyle>
           <a:p>
+            <a:pPr lvl="0">
+              <a:defRPr/>
+            </a:pPr>
+            <a:r>
+              <a:rPr lang="ko-KR" altLang="en-US"/>
+              <a:t/>
+            </a:r>
             <a:endParaRPr lang="ko-KR" altLang="en-US"/>
           </a:p>
         </p:txBody>
@@ -196,16 +203,22 @@
           </a:prstGeom>
         </p:spPr>
         <p:txBody>
-          <a:bodyPr vert="horz" lIns="91440" tIns="45720" rIns="91440" bIns="45720" rtlCol="0"/>
+          <a:bodyPr vert="horz" lIns="91440" tIns="45720" rIns="91440" bIns="45720"/>
           <a:lstStyle>
             <a:lvl1pPr algn="r">
               <a:defRPr sz="1200"/>
             </a:lvl1pPr>
           </a:lstStyle>
           <a:p>
-            <a:fld id="{5E4674A7-815B-4E5E-9749-B7680A4EDA42}" type="datetimeFigureOut">
-              <a:rPr lang="ko-KR" altLang="en-US" smtClean="0"/>
-              <a:t>2019-03-14</a:t>
+            <a:pPr lvl="0">
+              <a:defRPr/>
+            </a:pPr>
+            <a:fld id="{5E4674A7-815B-4E5E-9749-B7680A4EDA42}" type="datetime1">
+              <a:rPr lang="ko-KR" altLang="en-US"/>
+              <a:pPr lvl="0">
+                <a:defRPr/>
+              </a:pPr>
+              <a:t>2019-03-18</a:t>
             </a:fld>
             <a:endParaRPr lang="ko-KR" altLang="en-US"/>
           </a:p>
@@ -215,7 +228,7 @@
         <p:nvSpPr>
           <p:cNvPr id="4" name="슬라이드 이미지 개체 틀 3"/>
           <p:cNvSpPr>
-            <a:spLocks noGrp="1" noRot="1" noChangeAspect="1"/>
+            <a:spLocks noGrp="1" noRot="1" noChangeAspect="1" noTextEdit="1"/>
           </p:cNvSpPr>
           <p:nvPr>
             <p:ph type="sldImg" idx="2"/>
@@ -237,9 +250,12 @@
           </a:ln>
         </p:spPr>
         <p:txBody>
-          <a:bodyPr vert="horz" lIns="91440" tIns="45720" rIns="91440" bIns="45720" rtlCol="0" anchor="ctr"/>
+          <a:bodyPr vert="horz" lIns="91440" tIns="45720" rIns="91440" bIns="45720" anchor="ctr"/>
           <a:lstStyle/>
           <a:p>
+            <a:pPr lvl="0">
+              <a:defRPr/>
+            </a:pPr>
             <a:endParaRPr lang="ko-KR" altLang="en-US"/>
           </a:p>
         </p:txBody>
@@ -264,42 +280,57 @@
           </a:prstGeom>
         </p:spPr>
         <p:txBody>
-          <a:bodyPr vert="horz" lIns="91440" tIns="45720" rIns="91440" bIns="45720" rtlCol="0"/>
+          <a:bodyPr vert="horz" lIns="91440" tIns="45720" rIns="91440" bIns="45720"/>
           <a:lstStyle/>
           <a:p>
-            <a:pPr lvl="0"/>
+            <a:pPr lvl="0">
+              <a:defRPr/>
+            </a:pPr>
             <a:r>
               <a:rPr lang="ko-KR" altLang="en-US"/>
               <a:t>마스터 텍스트 스타일을 편집하려면 클릭</a:t>
             </a:r>
-          </a:p>
-          <a:p>
-            <a:pPr lvl="1"/>
+            <a:endParaRPr lang="ko-KR" altLang="en-US"/>
+          </a:p>
+          <a:p>
+            <a:pPr lvl="1">
+              <a:defRPr/>
+            </a:pPr>
             <a:r>
               <a:rPr lang="ko-KR" altLang="en-US"/>
               <a:t>두 번째 수준</a:t>
             </a:r>
-          </a:p>
-          <a:p>
-            <a:pPr lvl="2"/>
+            <a:endParaRPr lang="ko-KR" altLang="en-US"/>
+          </a:p>
+          <a:p>
+            <a:pPr lvl="2">
+              <a:defRPr/>
+            </a:pPr>
             <a:r>
               <a:rPr lang="ko-KR" altLang="en-US"/>
               <a:t>세 번째 수준</a:t>
             </a:r>
-          </a:p>
-          <a:p>
-            <a:pPr lvl="3"/>
+            <a:endParaRPr lang="ko-KR" altLang="en-US"/>
+          </a:p>
+          <a:p>
+            <a:pPr lvl="3">
+              <a:defRPr/>
+            </a:pPr>
             <a:r>
               <a:rPr lang="ko-KR" altLang="en-US"/>
               <a:t>네 번째 수준</a:t>
             </a:r>
-          </a:p>
-          <a:p>
-            <a:pPr lvl="4"/>
+            <a:endParaRPr lang="ko-KR" altLang="en-US"/>
+          </a:p>
+          <a:p>
+            <a:pPr lvl="4">
+              <a:defRPr/>
+            </a:pPr>
             <a:r>
               <a:rPr lang="ko-KR" altLang="en-US"/>
               <a:t>다섯 번째 수준</a:t>
             </a:r>
+            <a:endParaRPr lang="ko-KR" altLang="en-US"/>
           </a:p>
         </p:txBody>
       </p:sp>
@@ -323,13 +354,20 @@
           </a:prstGeom>
         </p:spPr>
         <p:txBody>
-          <a:bodyPr vert="horz" lIns="91440" tIns="45720" rIns="91440" bIns="45720" rtlCol="0" anchor="b"/>
+          <a:bodyPr vert="horz" lIns="91440" tIns="45720" rIns="91440" bIns="45720" anchor="b"/>
           <a:lstStyle>
             <a:lvl1pPr algn="l">
               <a:defRPr sz="1200"/>
             </a:lvl1pPr>
           </a:lstStyle>
           <a:p>
+            <a:pPr lvl="0">
+              <a:defRPr/>
+            </a:pPr>
+            <a:r>
+              <a:rPr lang="ko-KR" altLang="en-US"/>
+              <a:t/>
+            </a:r>
             <a:endParaRPr lang="ko-KR" altLang="en-US"/>
           </a:p>
         </p:txBody>
@@ -354,15 +392,21 @@
           </a:prstGeom>
         </p:spPr>
         <p:txBody>
-          <a:bodyPr vert="horz" lIns="91440" tIns="45720" rIns="91440" bIns="45720" rtlCol="0" anchor="b"/>
+          <a:bodyPr vert="horz" lIns="91440" tIns="45720" rIns="91440" bIns="45720" anchor="b"/>
           <a:lstStyle>
             <a:lvl1pPr algn="r">
               <a:defRPr sz="1200"/>
             </a:lvl1pPr>
           </a:lstStyle>
           <a:p>
+            <a:pPr lvl="0">
+              <a:defRPr/>
+            </a:pPr>
             <a:fld id="{588939B5-3CF3-460F-B676-D95D40C720BF}" type="slidenum">
-              <a:rPr lang="ko-KR" altLang="en-US" smtClean="0"/>
+              <a:rPr lang="ko-KR" altLang="en-US"/>
+              <a:pPr lvl="0">
+                <a:defRPr/>
+              </a:pPr>
               <a:t>‹#›</a:t>
             </a:fld>
             <a:endParaRPr lang="ko-KR" altLang="en-US"/>
@@ -370,13 +414,9 @@
         </p:txBody>
       </p:sp>
     </p:spTree>
-    <p:extLst>
-      <p:ext uri="{BB962C8B-B14F-4D97-AF65-F5344CB8AC3E}">
-        <p14:creationId xmlns:p14="http://schemas.microsoft.com/office/powerpoint/2010/main" val="3151035945"/>
-      </p:ext>
-    </p:extLst>
   </p:cSld>
   <p:clrMap bg1="lt1" tx1="dk1" bg2="lt2" tx2="dk2" accent1="accent1" accent2="accent2" accent3="accent3" accent4="accent4" accent5="accent5" accent6="accent6" hlink="hlink" folHlink="folHlink"/>
+  <p:hf hdr="0" ftr="0" dt="0"/>
   <p:notesStyle>
     <a:lvl1pPr marL="0" algn="l" defTabSz="914400" rtl="0" eaLnBrk="1" latinLnBrk="1" hangingPunct="1">
       <a:defRPr sz="1200" kern="1200">
@@ -473,7 +513,7 @@
 </file>
 
 <file path=ppt/notesSlides/notesSlide1.xml><?xml version="1.0" encoding="utf-8"?>
-<p:notes xmlns:a="http://schemas.openxmlformats.org/drawingml/2006/main" xmlns:r="http://schemas.openxmlformats.org/officeDocument/2006/relationships" xmlns:p="http://schemas.openxmlformats.org/presentationml/2006/main">
+<p:notes xmlns:r="http://schemas.openxmlformats.org/officeDocument/2006/relationships" xmlns:c="http://schemas.openxmlformats.org/drawingml/2006/chart" xmlns:a="http://schemas.openxmlformats.org/drawingml/2006/main" xmlns:dgm="http://schemas.openxmlformats.org/drawingml/2006/diagram" xmlns:dsp="http://schemas.microsoft.com/office/drawing/2008/diagram" xmlns:p="http://schemas.openxmlformats.org/presentationml/2006/main">
   <p:cSld>
     <p:spTree>
       <p:nvGrpSpPr>
@@ -493,10 +533,10 @@
         <p:nvSpPr>
           <p:cNvPr id="2" name="슬라이드 이미지 개체 틀 1"/>
           <p:cNvSpPr>
-            <a:spLocks noGrp="1" noRot="1" noChangeAspect="1"/>
-          </p:cNvSpPr>
-          <p:nvPr>
-            <p:ph type="sldImg"/>
+            <a:spLocks noGrp="1" noRot="1" noChangeAspect="1" noTextEdit="1"/>
+          </p:cNvSpPr>
+          <p:nvPr>
+            <p:ph type="sldImg" idx="0"/>
           </p:nvPr>
         </p:nvSpPr>
         <p:spPr/>
@@ -516,7 +556,14 @@
           <a:bodyPr/>
           <a:lstStyle/>
           <a:p>
-            <a:endParaRPr lang="ko-KR" altLang="en-US" dirty="0"/>
+            <a:pPr lvl="0">
+              <a:defRPr/>
+            </a:pPr>
+            <a:r>
+              <a:rPr lang="ko-KR" altLang="en-US"/>
+              <a:t/>
+            </a:r>
+            <a:endParaRPr lang="ko-KR" altLang="en-US"/>
           </a:p>
         </p:txBody>
       </p:sp>
@@ -535,20 +582,21 @@
           <a:bodyPr/>
           <a:lstStyle/>
           <a:p>
+            <a:pPr lvl="0">
+              <a:defRPr/>
+            </a:pPr>
             <a:fld id="{588939B5-3CF3-460F-B676-D95D40C720BF}" type="slidenum">
-              <a:rPr lang="ko-KR" altLang="en-US" smtClean="0"/>
+              <a:rPr lang="en-US" altLang="en-US"/>
+              <a:pPr lvl="0">
+                <a:defRPr/>
+              </a:pPr>
               <a:t>1</a:t>
             </a:fld>
-            <a:endParaRPr lang="ko-KR" altLang="en-US"/>
+            <a:endParaRPr lang="en-US" altLang="en-US"/>
           </a:p>
         </p:txBody>
       </p:sp>
     </p:spTree>
-    <p:extLst>
-      <p:ext uri="{BB962C8B-B14F-4D97-AF65-F5344CB8AC3E}">
-        <p14:creationId xmlns:p14="http://schemas.microsoft.com/office/powerpoint/2010/main" val="3315266154"/>
-      </p:ext>
-    </p:extLst>
   </p:cSld>
   <p:clrMapOvr>
     <a:masterClrMapping/>
@@ -557,7 +605,7 @@
 </file>
 
 <file path=ppt/notesSlides/notesSlide2.xml><?xml version="1.0" encoding="utf-8"?>
-<p:notes xmlns:a="http://schemas.openxmlformats.org/drawingml/2006/main" xmlns:r="http://schemas.openxmlformats.org/officeDocument/2006/relationships" xmlns:p="http://schemas.openxmlformats.org/presentationml/2006/main">
+<p:notes xmlns:r="http://schemas.openxmlformats.org/officeDocument/2006/relationships" xmlns:c="http://schemas.openxmlformats.org/drawingml/2006/chart" xmlns:a="http://schemas.openxmlformats.org/drawingml/2006/main" xmlns:dgm="http://schemas.openxmlformats.org/drawingml/2006/diagram" xmlns:dsp="http://schemas.microsoft.com/office/drawing/2008/diagram" xmlns:p="http://schemas.openxmlformats.org/presentationml/2006/main">
   <p:cSld>
     <p:spTree>
       <p:nvGrpSpPr>
@@ -577,10 +625,10 @@
         <p:nvSpPr>
           <p:cNvPr id="2" name="슬라이드 이미지 개체 틀 1"/>
           <p:cNvSpPr>
-            <a:spLocks noGrp="1" noRot="1" noChangeAspect="1"/>
-          </p:cNvSpPr>
-          <p:nvPr>
-            <p:ph type="sldImg"/>
+            <a:spLocks noGrp="1" noRot="1" noChangeAspect="1" noTextEdit="1"/>
+          </p:cNvSpPr>
+          <p:nvPr>
+            <p:ph type="sldImg" idx="0"/>
           </p:nvPr>
         </p:nvSpPr>
         <p:spPr/>
@@ -600,7 +648,14 @@
           <a:bodyPr/>
           <a:lstStyle/>
           <a:p>
-            <a:endParaRPr lang="ko-KR" altLang="en-US" dirty="0"/>
+            <a:pPr lvl="0">
+              <a:defRPr/>
+            </a:pPr>
+            <a:r>
+              <a:rPr lang="ko-KR" altLang="en-US"/>
+              <a:t/>
+            </a:r>
+            <a:endParaRPr lang="ko-KR" altLang="en-US"/>
           </a:p>
         </p:txBody>
       </p:sp>
@@ -619,20 +674,21 @@
           <a:bodyPr/>
           <a:lstStyle/>
           <a:p>
+            <a:pPr lvl="0">
+              <a:defRPr/>
+            </a:pPr>
             <a:fld id="{588939B5-3CF3-460F-B676-D95D40C720BF}" type="slidenum">
-              <a:rPr lang="ko-KR" altLang="en-US" smtClean="0"/>
+              <a:rPr lang="en-US" altLang="en-US"/>
+              <a:pPr lvl="0">
+                <a:defRPr/>
+              </a:pPr>
               <a:t>2</a:t>
             </a:fld>
-            <a:endParaRPr lang="ko-KR" altLang="en-US"/>
+            <a:endParaRPr lang="en-US" altLang="en-US"/>
           </a:p>
         </p:txBody>
       </p:sp>
     </p:spTree>
-    <p:extLst>
-      <p:ext uri="{BB962C8B-B14F-4D97-AF65-F5344CB8AC3E}">
-        <p14:creationId xmlns:p14="http://schemas.microsoft.com/office/powerpoint/2010/main" val="1342688957"/>
-      </p:ext>
-    </p:extLst>
   </p:cSld>
   <p:clrMapOvr>
     <a:masterClrMapping/>
@@ -641,7 +697,7 @@
 </file>
 
 <file path=ppt/notesSlides/notesSlide3.xml><?xml version="1.0" encoding="utf-8"?>
-<p:notes xmlns:a="http://schemas.openxmlformats.org/drawingml/2006/main" xmlns:r="http://schemas.openxmlformats.org/officeDocument/2006/relationships" xmlns:p="http://schemas.openxmlformats.org/presentationml/2006/main">
+<p:notes xmlns:r="http://schemas.openxmlformats.org/officeDocument/2006/relationships" xmlns:c="http://schemas.openxmlformats.org/drawingml/2006/chart" xmlns:a="http://schemas.openxmlformats.org/drawingml/2006/main" xmlns:dgm="http://schemas.openxmlformats.org/drawingml/2006/diagram" xmlns:dsp="http://schemas.microsoft.com/office/drawing/2008/diagram" xmlns:p="http://schemas.openxmlformats.org/presentationml/2006/main">
   <p:cSld>
     <p:spTree>
       <p:nvGrpSpPr>
@@ -661,10 +717,10 @@
         <p:nvSpPr>
           <p:cNvPr id="2" name="슬라이드 이미지 개체 틀 1"/>
           <p:cNvSpPr>
-            <a:spLocks noGrp="1" noRot="1" noChangeAspect="1"/>
-          </p:cNvSpPr>
-          <p:nvPr>
-            <p:ph type="sldImg"/>
+            <a:spLocks noGrp="1" noRot="1" noChangeAspect="1" noTextEdit="1"/>
+          </p:cNvSpPr>
+          <p:nvPr>
+            <p:ph type="sldImg" idx="0"/>
           </p:nvPr>
         </p:nvSpPr>
         <p:spPr/>
@@ -684,14 +740,19 @@
           <a:bodyPr/>
           <a:lstStyle/>
           <a:p>
-            <a:endParaRPr lang="ko-KR" altLang="en-US" b="0" dirty="0">
+            <a:pPr lvl="0">
+              <a:defRPr/>
+            </a:pPr>
+            <a:endParaRPr lang="ko-KR" altLang="en-US" b="0">
               <a:effectLst/>
             </a:endParaRPr>
           </a:p>
           <a:p>
-            <a:pPr lvl="1" rtl="0" fontAlgn="base"/>
-            <a:r>
-              <a:rPr lang="ko-KR" altLang="en-US" sz="1200" b="0" i="0" u="none" strike="noStrike" kern="1200" dirty="0">
+            <a:pPr lvl="1" rtl="0">
+              <a:defRPr/>
+            </a:pPr>
+            <a:r>
+              <a:rPr lang="ko-KR" altLang="en-US" sz="1200" b="0" i="0" u="none" strike="noStrike" kern="1200">
                 <a:solidFill>
                   <a:schemeClr val="tx1"/>
                 </a:solidFill>
@@ -702,58 +763,7 @@
               </a:rPr>
               <a:t>배경 및 필요성</a:t>
             </a:r>
-          </a:p>
-          <a:p>
-            <a:pPr lvl="2" rtl="0" fontAlgn="base"/>
-            <a:r>
-              <a:rPr lang="ko-KR" altLang="en-US" sz="1200" b="0" i="0" u="none" strike="noStrike" kern="1200" dirty="0">
-                <a:solidFill>
-                  <a:schemeClr val="tx1"/>
-                </a:solidFill>
-                <a:effectLst/>
-                <a:latin typeface="+mn-lt"/>
-                <a:ea typeface="+mn-ea"/>
-                <a:cs typeface="+mn-cs"/>
-              </a:rPr>
-              <a:t>카카오톡의 채팅</a:t>
-            </a:r>
-            <a:r>
-              <a:rPr lang="en-US" altLang="ko-KR" sz="1200" b="0" i="0" u="none" strike="noStrike" kern="1200" dirty="0">
-                <a:solidFill>
-                  <a:schemeClr val="tx1"/>
-                </a:solidFill>
-                <a:effectLst/>
-                <a:latin typeface="+mn-lt"/>
-                <a:ea typeface="+mn-ea"/>
-                <a:cs typeface="+mn-cs"/>
-              </a:rPr>
-              <a:t>, </a:t>
-            </a:r>
-            <a:r>
-              <a:rPr lang="ko-KR" altLang="en-US" sz="1200" b="0" i="0" u="none" strike="noStrike" kern="1200" dirty="0">
-                <a:solidFill>
-                  <a:schemeClr val="tx1"/>
-                </a:solidFill>
-                <a:effectLst/>
-                <a:latin typeface="+mn-lt"/>
-                <a:ea typeface="+mn-ea"/>
-                <a:cs typeface="+mn-cs"/>
-              </a:rPr>
-              <a:t>메일 등으로 업무를 주고받을 때 느끼는 불편함은 커뮤니티의 카테고리 특성으로 보완할 수 있다</a:t>
-            </a:r>
-            <a:r>
-              <a:rPr lang="en-US" altLang="ko-KR" sz="1200" b="0" i="0" u="none" strike="noStrike" kern="1200" dirty="0">
-                <a:solidFill>
-                  <a:schemeClr val="tx1"/>
-                </a:solidFill>
-                <a:effectLst/>
-                <a:latin typeface="+mn-lt"/>
-                <a:ea typeface="+mn-ea"/>
-                <a:cs typeface="+mn-cs"/>
-              </a:rPr>
-              <a:t>.</a:t>
-            </a:r>
-            <a:endParaRPr lang="ko-KR" altLang="en-US" sz="1200" b="0" i="0" u="none" strike="noStrike" kern="1200" dirty="0">
+            <a:endParaRPr lang="ko-KR" altLang="en-US" sz="1200" b="0" i="0" u="none" strike="noStrike" kern="1200">
               <a:solidFill>
                 <a:schemeClr val="tx1"/>
               </a:solidFill>
@@ -764,9 +774,11 @@
             </a:endParaRPr>
           </a:p>
           <a:p>
-            <a:pPr lvl="3" rtl="0" fontAlgn="base"/>
-            <a:r>
-              <a:rPr lang="ko-KR" altLang="en-US" sz="1200" b="0" i="0" u="none" strike="noStrike" kern="1200" dirty="0">
+            <a:pPr lvl="2" rtl="0">
+              <a:defRPr/>
+            </a:pPr>
+            <a:r>
+              <a:rPr lang="ko-KR" altLang="en-US" sz="1200" b="0" i="0" u="none" strike="noStrike" kern="1200">
                 <a:solidFill>
                   <a:schemeClr val="tx1"/>
                 </a:solidFill>
@@ -775,10 +787,10 @@
                 <a:ea typeface="+mn-ea"/>
                 <a:cs typeface="+mn-cs"/>
               </a:rPr>
-              <a:t>대화식이기 때문에 여러 내용이 섞여 있어 업무에 있어서 내용 분류</a:t>
-            </a:r>
-            <a:r>
-              <a:rPr lang="en-US" altLang="ko-KR" sz="1200" b="0" i="0" u="none" strike="noStrike" kern="1200" dirty="0">
+              <a:t>카카오톡의 채팅</a:t>
+            </a:r>
+            <a:r>
+              <a:rPr lang="en-US" altLang="ko-KR" sz="1200" b="0" i="0" u="none" strike="noStrike" kern="1200">
                 <a:solidFill>
                   <a:schemeClr val="tx1"/>
                 </a:solidFill>
@@ -790,7 +802,7 @@
               <a:t>, </a:t>
             </a:r>
             <a:r>
-              <a:rPr lang="ko-KR" altLang="en-US" sz="1200" b="0" i="0" u="none" strike="noStrike" kern="1200" dirty="0">
+              <a:rPr lang="ko-KR" altLang="en-US" sz="1200" b="0" i="0" u="none" strike="noStrike" kern="1200">
                 <a:solidFill>
                   <a:schemeClr val="tx1"/>
                 </a:solidFill>
@@ -799,103 +811,10 @@
                 <a:ea typeface="+mn-ea"/>
                 <a:cs typeface="+mn-cs"/>
               </a:rPr>
-              <a:t>및 식별을 하여 소통 장애 문제 해결 필요 </a:t>
-            </a:r>
-          </a:p>
-          <a:p>
-            <a:pPr lvl="3" rtl="0" fontAlgn="base"/>
-            <a:r>
-              <a:rPr lang="ko-KR" altLang="en-US" sz="1200" b="0" i="0" u="none" strike="noStrike" kern="1200" dirty="0">
-                <a:solidFill>
-                  <a:schemeClr val="tx1"/>
-                </a:solidFill>
-                <a:effectLst/>
-                <a:latin typeface="+mn-lt"/>
-                <a:ea typeface="+mn-ea"/>
-                <a:cs typeface="+mn-cs"/>
-              </a:rPr>
-              <a:t>이전 내용 쉽게 찾을 수 있게 대화의 기록</a:t>
-            </a:r>
-            <a:r>
-              <a:rPr lang="en-US" altLang="ko-KR" sz="1200" b="0" i="0" u="none" strike="noStrike" kern="1200" dirty="0">
-                <a:solidFill>
-                  <a:schemeClr val="tx1"/>
-                </a:solidFill>
-                <a:effectLst/>
-                <a:latin typeface="+mn-lt"/>
-                <a:ea typeface="+mn-ea"/>
-                <a:cs typeface="+mn-cs"/>
-              </a:rPr>
-              <a:t>. </a:t>
-            </a:r>
-            <a:r>
-              <a:rPr lang="ko-KR" altLang="en-US" sz="1200" b="0" i="0" u="none" strike="noStrike" kern="1200" dirty="0">
-                <a:solidFill>
-                  <a:schemeClr val="tx1"/>
-                </a:solidFill>
-                <a:effectLst/>
-                <a:latin typeface="+mn-lt"/>
-                <a:ea typeface="+mn-ea"/>
-                <a:cs typeface="+mn-cs"/>
-              </a:rPr>
-              <a:t>관리가 필요</a:t>
-            </a:r>
-          </a:p>
-          <a:p>
-            <a:pPr lvl="3" rtl="0" fontAlgn="base"/>
-            <a:r>
-              <a:rPr lang="ko-KR" altLang="en-US" sz="1200" b="0" i="0" u="none" strike="noStrike" kern="1200" dirty="0">
-                <a:solidFill>
-                  <a:schemeClr val="tx1"/>
-                </a:solidFill>
-                <a:effectLst/>
-                <a:latin typeface="+mn-lt"/>
-                <a:ea typeface="+mn-ea"/>
-                <a:cs typeface="+mn-cs"/>
-              </a:rPr>
-              <a:t>사용자가 주제별로 쉽게 대화를 구성할 수 있고 그룹 구성원을 관리 할 수 있는 기능을 제공할 필요성</a:t>
-            </a:r>
-          </a:p>
-          <a:p>
-            <a:pPr lvl="2" rtl="0" fontAlgn="base"/>
-            <a:r>
-              <a:rPr lang="ko-KR" altLang="en-US" sz="1200" b="0" i="0" u="none" strike="noStrike" kern="1200" dirty="0">
-                <a:solidFill>
-                  <a:schemeClr val="tx1"/>
-                </a:solidFill>
-                <a:effectLst/>
-                <a:latin typeface="+mn-lt"/>
-                <a:ea typeface="+mn-ea"/>
-                <a:cs typeface="+mn-cs"/>
-              </a:rPr>
-              <a:t>인터넷상의 커뮤니티들은 매우 분산되어 있고 매우 많아 찾기 어려운 단점을 가지고 있다</a:t>
-            </a:r>
-            <a:r>
-              <a:rPr lang="en-US" altLang="ko-KR" sz="1200" b="0" i="0" u="none" strike="noStrike" kern="1200" dirty="0">
-                <a:solidFill>
-                  <a:schemeClr val="tx1"/>
-                </a:solidFill>
-                <a:effectLst/>
-                <a:latin typeface="+mn-lt"/>
-                <a:ea typeface="+mn-ea"/>
-                <a:cs typeface="+mn-cs"/>
-              </a:rPr>
-              <a:t>. </a:t>
-            </a:r>
-            <a:r>
-              <a:rPr lang="ko-KR" altLang="en-US" sz="1200" b="0" i="0" u="none" strike="noStrike" kern="1200" dirty="0">
-                <a:solidFill>
-                  <a:schemeClr val="tx1"/>
-                </a:solidFill>
-                <a:effectLst/>
-                <a:latin typeface="+mn-lt"/>
-                <a:ea typeface="+mn-ea"/>
-                <a:cs typeface="+mn-cs"/>
-              </a:rPr>
-              <a:t>커뮤니티를 지도에 등록함으로써 시각적인 검색을 가능하게 함으로서 이를 보완할 수 있다</a:t>
-            </a:r>
-            <a:r>
-              <a:rPr lang="en-US" altLang="ko-KR" sz="1200" b="0" i="0" u="none" strike="noStrike" kern="1200" dirty="0">
+              <a:t>메일 등으로 업무를 주고받을 때 느끼는 불편함은 커뮤니티의 카테고리 특성으로 보완할 수 있다</a:t>
+            </a:r>
+            <a:r>
+              <a:rPr lang="en-US" altLang="ko-KR" sz="1200" b="0" i="0" u="none" strike="noStrike" kern="1200">
                 <a:solidFill>
                   <a:schemeClr val="tx1"/>
                 </a:solidFill>
@@ -906,7 +825,7 @@
               </a:rPr>
               <a:t>.</a:t>
             </a:r>
-            <a:endParaRPr lang="ko-KR" altLang="en-US" sz="1200" b="0" i="0" u="none" strike="noStrike" kern="1200" dirty="0">
+            <a:endParaRPr lang="en-US" altLang="ko-KR" sz="1200" b="0" i="0" u="none" strike="noStrike" kern="1200">
               <a:solidFill>
                 <a:schemeClr val="tx1"/>
               </a:solidFill>
@@ -917,9 +836,11 @@
             </a:endParaRPr>
           </a:p>
           <a:p>
-            <a:pPr lvl="2" rtl="0" fontAlgn="base"/>
-            <a:r>
-              <a:rPr lang="ko-KR" altLang="en-US" sz="1200" b="0" i="0" u="none" strike="noStrike" kern="1200" dirty="0">
+            <a:pPr lvl="3" rtl="0">
+              <a:defRPr/>
+            </a:pPr>
+            <a:r>
+              <a:rPr lang="ko-KR" altLang="en-US" sz="1200" b="0" i="0" u="none" strike="noStrike" kern="1200">
                 <a:solidFill>
                   <a:schemeClr val="tx1"/>
                 </a:solidFill>
@@ -928,10 +849,10 @@
                 <a:ea typeface="+mn-ea"/>
                 <a:cs typeface="+mn-cs"/>
               </a:rPr>
-              <a:t>여러 커뮤니티를 사용할 경우 통합적인 알림을 받기 힘들다 반대로 채팅은 알림을 쉽게 받을 수 있는 특징을 가지고 있으므로 이를 융합한다</a:t>
-            </a:r>
-            <a:r>
-              <a:rPr lang="en-US" altLang="ko-KR" sz="1200" b="0" i="0" u="none" strike="noStrike" kern="1200" dirty="0">
+              <a:t>대화식이기 때문에 여러 내용이 섞여 있어 업무에 있어서 내용 분류</a:t>
+            </a:r>
+            <a:r>
+              <a:rPr lang="en-US" altLang="ko-KR" sz="1200" b="0" i="0" u="none" strike="noStrike" kern="1200">
                 <a:solidFill>
                   <a:schemeClr val="tx1"/>
                 </a:solidFill>
@@ -940,9 +861,21 @@
                 <a:ea typeface="+mn-ea"/>
                 <a:cs typeface="+mn-cs"/>
               </a:rPr>
-              <a:t>.</a:t>
-            </a:r>
-            <a:endParaRPr lang="ko-KR" altLang="en-US" sz="1200" b="0" i="0" u="none" strike="noStrike" kern="1200" dirty="0">
+              <a:t>, </a:t>
+            </a:r>
+            <a:r>
+              <a:rPr lang="ko-KR" altLang="en-US" sz="1200" b="0" i="0" u="none" strike="noStrike" kern="1200">
+                <a:solidFill>
+                  <a:schemeClr val="tx1"/>
+                </a:solidFill>
+                <a:effectLst/>
+                <a:latin typeface="+mn-lt"/>
+                <a:ea typeface="+mn-ea"/>
+                <a:cs typeface="+mn-cs"/>
+              </a:rPr>
+              <a:t>및 식별을 하여 소통 장애 문제 해결 필요 </a:t>
+            </a:r>
+            <a:endParaRPr lang="ko-KR" altLang="en-US" sz="1200" b="0" i="0" u="none" strike="noStrike" kern="1200">
               <a:solidFill>
                 <a:schemeClr val="tx1"/>
               </a:solidFill>
@@ -953,9 +886,11 @@
             </a:endParaRPr>
           </a:p>
           <a:p>
-            <a:pPr lvl="1" rtl="0" fontAlgn="base"/>
-            <a:r>
-              <a:rPr lang="ko-KR" altLang="en-US" sz="1200" b="0" i="0" u="none" strike="noStrike" kern="1200" dirty="0">
+            <a:pPr lvl="3" rtl="0">
+              <a:defRPr/>
+            </a:pPr>
+            <a:r>
+              <a:rPr lang="ko-KR" altLang="en-US" sz="1200" b="0" i="0" u="none" strike="noStrike" kern="1200">
                 <a:solidFill>
                   <a:schemeClr val="tx1"/>
                 </a:solidFill>
@@ -964,49 +899,10 @@
                 <a:ea typeface="+mn-ea"/>
                 <a:cs typeface="+mn-cs"/>
               </a:rPr>
-              <a:t>목적</a:t>
-            </a:r>
-          </a:p>
-          <a:p>
-            <a:pPr lvl="2" rtl="0" fontAlgn="base"/>
-            <a:r>
-              <a:rPr lang="ko-KR" altLang="en-US" sz="1200" b="0" i="0" u="none" strike="noStrike" kern="1200" dirty="0">
-                <a:solidFill>
-                  <a:schemeClr val="tx1"/>
-                </a:solidFill>
-                <a:effectLst/>
-                <a:latin typeface="+mn-lt"/>
-                <a:ea typeface="+mn-ea"/>
-                <a:cs typeface="+mn-cs"/>
-              </a:rPr>
-              <a:t>채팅 대화 내용을 체계화</a:t>
-            </a:r>
-            <a:r>
-              <a:rPr lang="en-US" altLang="ko-KR" sz="1200" b="0" i="0" u="none" strike="noStrike" kern="1200" dirty="0">
-                <a:solidFill>
-                  <a:schemeClr val="tx1"/>
-                </a:solidFill>
-                <a:effectLst/>
-                <a:latin typeface="+mn-lt"/>
-                <a:ea typeface="+mn-ea"/>
-                <a:cs typeface="+mn-cs"/>
-              </a:rPr>
-              <a:t>&amp;</a:t>
-            </a:r>
-            <a:r>
-              <a:rPr lang="ko-KR" altLang="en-US" sz="1200" b="0" i="0" u="none" strike="noStrike" kern="1200" dirty="0">
-                <a:solidFill>
-                  <a:schemeClr val="tx1"/>
-                </a:solidFill>
-                <a:effectLst/>
-                <a:latin typeface="+mn-lt"/>
-                <a:ea typeface="+mn-ea"/>
-                <a:cs typeface="+mn-cs"/>
-              </a:rPr>
-              <a:t>구조화하고 공유를 하여 대화내용의 재사용성을 높이는 커뮤니티의 특성으로 채팅 기능만 존재하는 기존 채팅 시스템의 불편함을 개선</a:t>
-            </a:r>
-            <a:r>
-              <a:rPr lang="en-US" altLang="ko-KR" sz="1200" b="0" i="0" u="none" strike="noStrike" kern="1200" dirty="0">
+              <a:t>이전 내용 쉽게 찾을 수 있게 대화의 기록</a:t>
+            </a:r>
+            <a:r>
+              <a:rPr lang="en-US" altLang="ko-KR" sz="1200" b="0" i="0" u="none" strike="noStrike" kern="1200">
                 <a:solidFill>
                   <a:schemeClr val="tx1"/>
                 </a:solidFill>
@@ -1017,7 +913,19 @@
               </a:rPr>
               <a:t>. </a:t>
             </a:r>
-            <a:endParaRPr lang="ko-KR" altLang="en-US" sz="1200" b="0" i="0" u="none" strike="noStrike" kern="1200" dirty="0">
+            <a:r>
+              <a:rPr lang="ko-KR" altLang="en-US" sz="1200" b="0" i="0" u="none" strike="noStrike" kern="1200">
+                <a:solidFill>
+                  <a:schemeClr val="tx1"/>
+                </a:solidFill>
+                <a:effectLst/>
+                <a:latin typeface="+mn-lt"/>
+                <a:ea typeface="+mn-ea"/>
+                <a:cs typeface="+mn-cs"/>
+              </a:rPr>
+              <a:t>관리가 필요</a:t>
+            </a:r>
+            <a:endParaRPr lang="ko-KR" altLang="en-US" sz="1200" b="0" i="0" u="none" strike="noStrike" kern="1200">
               <a:solidFill>
                 <a:schemeClr val="tx1"/>
               </a:solidFill>
@@ -1028,9 +936,11 @@
             </a:endParaRPr>
           </a:p>
           <a:p>
-            <a:pPr lvl="2" rtl="0" fontAlgn="base"/>
-            <a:r>
-              <a:rPr lang="ko-KR" altLang="en-US" sz="1200" b="0" i="0" u="none" strike="noStrike" kern="1200" dirty="0">
+            <a:pPr lvl="3" rtl="0">
+              <a:defRPr/>
+            </a:pPr>
+            <a:r>
+              <a:rPr lang="ko-KR" altLang="en-US" sz="1200" b="0" i="0" u="none" strike="noStrike" kern="1200">
                 <a:solidFill>
                   <a:schemeClr val="tx1"/>
                 </a:solidFill>
@@ -1039,36 +949,9 @@
                 <a:ea typeface="+mn-ea"/>
                 <a:cs typeface="+mn-cs"/>
               </a:rPr>
-              <a:t>채팅에 커뮤니티의 카테고리를 융합하여 대화의 목표에 집중할 수 있는 환경 조성</a:t>
-            </a:r>
-          </a:p>
-          <a:p>
-            <a:pPr lvl="2" rtl="0" fontAlgn="base"/>
-            <a:r>
-              <a:rPr lang="ko-KR" altLang="en-US" sz="1200" b="0" i="0" u="none" strike="noStrike" kern="1200" dirty="0">
-                <a:solidFill>
-                  <a:schemeClr val="tx1"/>
-                </a:solidFill>
-                <a:effectLst/>
-                <a:latin typeface="+mn-lt"/>
-                <a:ea typeface="+mn-ea"/>
-                <a:cs typeface="+mn-cs"/>
-              </a:rPr>
-              <a:t>분산된 커뮤니티를 지도에 등록함으로써 쉽게 커뮤니티를 탐색할 수 있도록 함</a:t>
-            </a:r>
-            <a:r>
-              <a:rPr lang="en-US" altLang="ko-KR" sz="1200" b="0" i="0" u="none" strike="noStrike" kern="1200" dirty="0">
-                <a:solidFill>
-                  <a:schemeClr val="tx1"/>
-                </a:solidFill>
-                <a:effectLst/>
-                <a:latin typeface="+mn-lt"/>
-                <a:ea typeface="+mn-ea"/>
-                <a:cs typeface="+mn-cs"/>
-              </a:rPr>
-              <a:t>.</a:t>
-            </a:r>
-            <a:endParaRPr lang="ko-KR" altLang="en-US" sz="1200" b="0" i="0" u="none" strike="noStrike" kern="1200" dirty="0">
+              <a:t>사용자가 주제별로 쉽게 대화를 구성할 수 있고 그룹 구성원을 관리 할 수 있는 기능을 제공할 필요성</a:t>
+            </a:r>
+            <a:endParaRPr lang="ko-KR" altLang="en-US" sz="1200" b="0" i="0" u="none" strike="noStrike" kern="1200">
               <a:solidFill>
                 <a:schemeClr val="tx1"/>
               </a:solidFill>
@@ -1079,7 +962,262 @@
             </a:endParaRPr>
           </a:p>
           <a:p>
-            <a:endParaRPr lang="ko-KR" altLang="en-US" dirty="0"/>
+            <a:pPr lvl="2" rtl="0">
+              <a:defRPr/>
+            </a:pPr>
+            <a:r>
+              <a:rPr lang="ko-KR" altLang="en-US" sz="1200" b="0" i="0" u="none" strike="noStrike" kern="1200">
+                <a:solidFill>
+                  <a:schemeClr val="tx1"/>
+                </a:solidFill>
+                <a:effectLst/>
+                <a:latin typeface="+mn-lt"/>
+                <a:ea typeface="+mn-ea"/>
+                <a:cs typeface="+mn-cs"/>
+              </a:rPr>
+              <a:t>인터넷상의 커뮤니티들은 매우 분산되어 있고 매우 많아 찾기 어려운 단점을 가지고 있다</a:t>
+            </a:r>
+            <a:r>
+              <a:rPr lang="en-US" altLang="ko-KR" sz="1200" b="0" i="0" u="none" strike="noStrike" kern="1200">
+                <a:solidFill>
+                  <a:schemeClr val="tx1"/>
+                </a:solidFill>
+                <a:effectLst/>
+                <a:latin typeface="+mn-lt"/>
+                <a:ea typeface="+mn-ea"/>
+                <a:cs typeface="+mn-cs"/>
+              </a:rPr>
+              <a:t>. </a:t>
+            </a:r>
+            <a:r>
+              <a:rPr lang="ko-KR" altLang="en-US" sz="1200" b="0" i="0" u="none" strike="noStrike" kern="1200">
+                <a:solidFill>
+                  <a:schemeClr val="tx1"/>
+                </a:solidFill>
+                <a:effectLst/>
+                <a:latin typeface="+mn-lt"/>
+                <a:ea typeface="+mn-ea"/>
+                <a:cs typeface="+mn-cs"/>
+              </a:rPr>
+              <a:t>커뮤니티를 지도에 등록함으로써 시각적인 검색을 가능하게 함으로서 이를 보완할 수 있다</a:t>
+            </a:r>
+            <a:r>
+              <a:rPr lang="en-US" altLang="ko-KR" sz="1200" b="0" i="0" u="none" strike="noStrike" kern="1200">
+                <a:solidFill>
+                  <a:schemeClr val="tx1"/>
+                </a:solidFill>
+                <a:effectLst/>
+                <a:latin typeface="+mn-lt"/>
+                <a:ea typeface="+mn-ea"/>
+                <a:cs typeface="+mn-cs"/>
+              </a:rPr>
+              <a:t>.</a:t>
+            </a:r>
+            <a:endParaRPr lang="en-US" altLang="ko-KR" sz="1200" b="0" i="0" u="none" strike="noStrike" kern="1200">
+              <a:solidFill>
+                <a:schemeClr val="tx1"/>
+              </a:solidFill>
+              <a:effectLst/>
+              <a:latin typeface="+mn-lt"/>
+              <a:ea typeface="+mn-ea"/>
+              <a:cs typeface="+mn-cs"/>
+            </a:endParaRPr>
+          </a:p>
+          <a:p>
+            <a:pPr lvl="2" rtl="0">
+              <a:defRPr/>
+            </a:pPr>
+            <a:r>
+              <a:rPr lang="ko-KR" altLang="en-US" sz="1200" b="0" i="0" u="none" strike="noStrike" kern="1200">
+                <a:solidFill>
+                  <a:schemeClr val="tx1"/>
+                </a:solidFill>
+                <a:effectLst/>
+                <a:latin typeface="+mn-lt"/>
+                <a:ea typeface="+mn-ea"/>
+                <a:cs typeface="+mn-cs"/>
+              </a:rPr>
+              <a:t>여러 커뮤니티를 사용할 경우 통합적인 알림을 받기 힘들다 반대로 채팅은 알림을 쉽게 받을 수 있는 특징을 가지고 있으므로 이를 융합한다</a:t>
+            </a:r>
+            <a:r>
+              <a:rPr lang="en-US" altLang="ko-KR" sz="1200" b="0" i="0" u="none" strike="noStrike" kern="1200">
+                <a:solidFill>
+                  <a:schemeClr val="tx1"/>
+                </a:solidFill>
+                <a:effectLst/>
+                <a:latin typeface="+mn-lt"/>
+                <a:ea typeface="+mn-ea"/>
+                <a:cs typeface="+mn-cs"/>
+              </a:rPr>
+              <a:t>.</a:t>
+            </a:r>
+            <a:endParaRPr lang="en-US" altLang="ko-KR" sz="1200" b="0" i="0" u="none" strike="noStrike" kern="1200">
+              <a:solidFill>
+                <a:schemeClr val="tx1"/>
+              </a:solidFill>
+              <a:effectLst/>
+              <a:latin typeface="+mn-lt"/>
+              <a:ea typeface="+mn-ea"/>
+              <a:cs typeface="+mn-cs"/>
+            </a:endParaRPr>
+          </a:p>
+          <a:p>
+            <a:pPr lvl="1" rtl="0">
+              <a:defRPr/>
+            </a:pPr>
+            <a:r>
+              <a:rPr lang="ko-KR" altLang="en-US" sz="1200" b="0" i="0" u="none" strike="noStrike" kern="1200">
+                <a:solidFill>
+                  <a:schemeClr val="tx1"/>
+                </a:solidFill>
+                <a:effectLst/>
+                <a:latin typeface="+mn-lt"/>
+                <a:ea typeface="+mn-ea"/>
+                <a:cs typeface="+mn-cs"/>
+              </a:rPr>
+              <a:t>목적</a:t>
+            </a:r>
+            <a:endParaRPr lang="ko-KR" altLang="en-US" sz="1200" b="0" i="0" u="none" strike="noStrike" kern="1200">
+              <a:solidFill>
+                <a:schemeClr val="tx1"/>
+              </a:solidFill>
+              <a:effectLst/>
+              <a:latin typeface="+mn-lt"/>
+              <a:ea typeface="+mn-ea"/>
+              <a:cs typeface="+mn-cs"/>
+            </a:endParaRPr>
+          </a:p>
+          <a:p>
+            <a:pPr lvl="2" rtl="0">
+              <a:defRPr/>
+            </a:pPr>
+            <a:r>
+              <a:rPr lang="ko-KR" altLang="en-US" sz="1200" b="0" i="0" u="none" strike="noStrike" kern="1200">
+                <a:solidFill>
+                  <a:schemeClr val="tx1"/>
+                </a:solidFill>
+                <a:effectLst/>
+                <a:latin typeface="+mn-lt"/>
+                <a:ea typeface="+mn-ea"/>
+                <a:cs typeface="+mn-cs"/>
+              </a:rPr>
+              <a:t>채팅 대화 내용을 체계화</a:t>
+            </a:r>
+            <a:r>
+              <a:rPr lang="en-US" altLang="ko-KR" sz="1200" b="0" i="0" u="none" strike="noStrike" kern="1200">
+                <a:solidFill>
+                  <a:schemeClr val="tx1"/>
+                </a:solidFill>
+                <a:effectLst/>
+                <a:latin typeface="+mn-lt"/>
+                <a:ea typeface="+mn-ea"/>
+                <a:cs typeface="+mn-cs"/>
+              </a:rPr>
+              <a:t>&amp;</a:t>
+            </a:r>
+            <a:r>
+              <a:rPr lang="ko-KR" altLang="en-US" sz="1200" b="0" i="0" u="none" strike="noStrike" kern="1200">
+                <a:solidFill>
+                  <a:schemeClr val="tx1"/>
+                </a:solidFill>
+                <a:effectLst/>
+                <a:latin typeface="+mn-lt"/>
+                <a:ea typeface="+mn-ea"/>
+                <a:cs typeface="+mn-cs"/>
+              </a:rPr>
+              <a:t>구조화하고 공유를 하여 대화내용의 재사용성을 높이는 커뮤니티의 특성으로 채팅 기능만 존재하는 기존 채팅 시스템의 불편함을 개선</a:t>
+            </a:r>
+            <a:r>
+              <a:rPr lang="en-US" altLang="ko-KR" sz="1200" b="0" i="0" u="none" strike="noStrike" kern="1200">
+                <a:solidFill>
+                  <a:schemeClr val="tx1"/>
+                </a:solidFill>
+                <a:effectLst/>
+                <a:latin typeface="+mn-lt"/>
+                <a:ea typeface="+mn-ea"/>
+                <a:cs typeface="+mn-cs"/>
+              </a:rPr>
+              <a:t>. </a:t>
+            </a:r>
+            <a:endParaRPr lang="en-US" altLang="ko-KR" sz="1200" b="0" i="0" u="none" strike="noStrike" kern="1200">
+              <a:solidFill>
+                <a:schemeClr val="tx1"/>
+              </a:solidFill>
+              <a:effectLst/>
+              <a:latin typeface="+mn-lt"/>
+              <a:ea typeface="+mn-ea"/>
+              <a:cs typeface="+mn-cs"/>
+            </a:endParaRPr>
+          </a:p>
+          <a:p>
+            <a:pPr lvl="2" rtl="0">
+              <a:defRPr/>
+            </a:pPr>
+            <a:r>
+              <a:rPr lang="ko-KR" altLang="en-US" sz="1200" b="0" i="0" u="none" strike="noStrike" kern="1200">
+                <a:solidFill>
+                  <a:schemeClr val="tx1"/>
+                </a:solidFill>
+                <a:effectLst/>
+                <a:latin typeface="+mn-lt"/>
+                <a:ea typeface="+mn-ea"/>
+                <a:cs typeface="+mn-cs"/>
+              </a:rPr>
+              <a:t>채팅에 커뮤니티의 카테고리를 융합하여 대화의 목표에 집중할 수 있는 환경 조성</a:t>
+            </a:r>
+            <a:endParaRPr lang="ko-KR" altLang="en-US" sz="1200" b="0" i="0" u="none" strike="noStrike" kern="1200">
+              <a:solidFill>
+                <a:schemeClr val="tx1"/>
+              </a:solidFill>
+              <a:effectLst/>
+              <a:latin typeface="+mn-lt"/>
+              <a:ea typeface="+mn-ea"/>
+              <a:cs typeface="+mn-cs"/>
+            </a:endParaRPr>
+          </a:p>
+          <a:p>
+            <a:pPr lvl="2" rtl="0">
+              <a:defRPr/>
+            </a:pPr>
+            <a:r>
+              <a:rPr lang="ko-KR" altLang="en-US" sz="1200" b="0" i="0" u="none" strike="noStrike" kern="1200">
+                <a:solidFill>
+                  <a:schemeClr val="tx1"/>
+                </a:solidFill>
+                <a:effectLst/>
+                <a:latin typeface="+mn-lt"/>
+                <a:ea typeface="+mn-ea"/>
+                <a:cs typeface="+mn-cs"/>
+              </a:rPr>
+              <a:t>분산된 커뮤니티를 지도에 등록함으로써 쉽게 커뮤니티를 탐색할 수 있도록 함</a:t>
+            </a:r>
+            <a:r>
+              <a:rPr lang="en-US" altLang="ko-KR" sz="1200" b="0" i="0" u="none" strike="noStrike" kern="1200">
+                <a:solidFill>
+                  <a:schemeClr val="tx1"/>
+                </a:solidFill>
+                <a:effectLst/>
+                <a:latin typeface="+mn-lt"/>
+                <a:ea typeface="+mn-ea"/>
+                <a:cs typeface="+mn-cs"/>
+              </a:rPr>
+              <a:t>.</a:t>
+            </a:r>
+            <a:endParaRPr lang="en-US" altLang="ko-KR" sz="1200" b="0" i="0" u="none" strike="noStrike" kern="1200">
+              <a:solidFill>
+                <a:schemeClr val="tx1"/>
+              </a:solidFill>
+              <a:effectLst/>
+              <a:latin typeface="+mn-lt"/>
+              <a:ea typeface="+mn-ea"/>
+              <a:cs typeface="+mn-cs"/>
+            </a:endParaRPr>
+          </a:p>
+          <a:p>
+            <a:pPr lvl="0">
+              <a:defRPr/>
+            </a:pPr>
+            <a:endParaRPr lang="ko-KR" altLang="en-US"/>
           </a:p>
         </p:txBody>
       </p:sp>
@@ -1098,20 +1236,21 @@
           <a:bodyPr/>
           <a:lstStyle/>
           <a:p>
+            <a:pPr lvl="0">
+              <a:defRPr/>
+            </a:pPr>
             <a:fld id="{588939B5-3CF3-460F-B676-D95D40C720BF}" type="slidenum">
-              <a:rPr lang="ko-KR" altLang="en-US" smtClean="0"/>
+              <a:rPr lang="en-US" altLang="en-US"/>
+              <a:pPr lvl="0">
+                <a:defRPr/>
+              </a:pPr>
               <a:t>4</a:t>
             </a:fld>
-            <a:endParaRPr lang="ko-KR" altLang="en-US"/>
+            <a:endParaRPr lang="en-US" altLang="en-US"/>
           </a:p>
         </p:txBody>
       </p:sp>
     </p:spTree>
-    <p:extLst>
-      <p:ext uri="{BB962C8B-B14F-4D97-AF65-F5344CB8AC3E}">
-        <p14:creationId xmlns:p14="http://schemas.microsoft.com/office/powerpoint/2010/main" val="1982690109"/>
-      </p:ext>
-    </p:extLst>
   </p:cSld>
   <p:clrMapOvr>
     <a:masterClrMapping/>
@@ -1120,7 +1259,7 @@
 </file>
 
 <file path=ppt/notesSlides/notesSlide4.xml><?xml version="1.0" encoding="utf-8"?>
-<p:notes xmlns:a="http://schemas.openxmlformats.org/drawingml/2006/main" xmlns:r="http://schemas.openxmlformats.org/officeDocument/2006/relationships" xmlns:p="http://schemas.openxmlformats.org/presentationml/2006/main">
+<p:notes xmlns:r="http://schemas.openxmlformats.org/officeDocument/2006/relationships" xmlns:c="http://schemas.openxmlformats.org/drawingml/2006/chart" xmlns:a="http://schemas.openxmlformats.org/drawingml/2006/main" xmlns:dgm="http://schemas.openxmlformats.org/drawingml/2006/diagram" xmlns:dsp="http://schemas.microsoft.com/office/drawing/2008/diagram" xmlns:p="http://schemas.openxmlformats.org/presentationml/2006/main">
   <p:cSld>
     <p:spTree>
       <p:nvGrpSpPr>
@@ -1140,10 +1279,10 @@
         <p:nvSpPr>
           <p:cNvPr id="2" name="슬라이드 이미지 개체 틀 1"/>
           <p:cNvSpPr>
-            <a:spLocks noGrp="1" noRot="1" noChangeAspect="1"/>
-          </p:cNvSpPr>
-          <p:nvPr>
-            <p:ph type="sldImg"/>
+            <a:spLocks noGrp="1" noRot="1" noChangeAspect="1" noTextEdit="1"/>
+          </p:cNvSpPr>
+          <p:nvPr>
+            <p:ph type="sldImg" idx="0"/>
           </p:nvPr>
         </p:nvSpPr>
         <p:spPr/>
@@ -1163,8 +1302,11 @@
           <a:bodyPr/>
           <a:lstStyle/>
           <a:p>
-            <a:r>
-              <a:rPr lang="ko-KR" altLang="en-US" sz="1200" b="0" i="0" u="none" strike="noStrike" kern="1200" dirty="0">
+            <a:pPr lvl="0">
+              <a:defRPr/>
+            </a:pPr>
+            <a:r>
+              <a:rPr lang="ko-KR" altLang="en-US" sz="1200" b="0" i="0" u="none" strike="noStrike" kern="1200">
                 <a:solidFill>
                   <a:schemeClr val="tx1"/>
                 </a:solidFill>
@@ -1176,7 +1318,7 @@
               <a:t>채팅그룹을 지도에 등록 → 그 위치와 관련된 채팅 커뮤니티의 정보를 쉽게 얻고 참여할 수 있다</a:t>
             </a:r>
             <a:r>
-              <a:rPr lang="en-US" altLang="ko-KR" sz="1200" b="0" i="0" u="none" strike="noStrike" kern="1200" dirty="0">
+              <a:rPr lang="en-US" altLang="ko-KR" sz="1200" b="0" i="0" u="none" strike="noStrike" kern="1200">
                 <a:solidFill>
                   <a:schemeClr val="tx1"/>
                 </a:solidFill>
@@ -1187,7 +1329,7 @@
               </a:rPr>
               <a:t>. </a:t>
             </a:r>
-            <a:endParaRPr lang="ko-KR" altLang="en-US" dirty="0"/>
+            <a:endParaRPr lang="ko-KR" altLang="en-US"/>
           </a:p>
         </p:txBody>
       </p:sp>
@@ -1206,20 +1348,21 @@
           <a:bodyPr/>
           <a:lstStyle/>
           <a:p>
+            <a:pPr lvl="0">
+              <a:defRPr/>
+            </a:pPr>
             <a:fld id="{588939B5-3CF3-460F-B676-D95D40C720BF}" type="slidenum">
-              <a:rPr lang="ko-KR" altLang="en-US" smtClean="0"/>
+              <a:rPr lang="en-US" altLang="en-US"/>
+              <a:pPr lvl="0">
+                <a:defRPr/>
+              </a:pPr>
               <a:t>5</a:t>
             </a:fld>
-            <a:endParaRPr lang="ko-KR" altLang="en-US"/>
+            <a:endParaRPr lang="en-US" altLang="en-US"/>
           </a:p>
         </p:txBody>
       </p:sp>
     </p:spTree>
-    <p:extLst>
-      <p:ext uri="{BB962C8B-B14F-4D97-AF65-F5344CB8AC3E}">
-        <p14:creationId xmlns:p14="http://schemas.microsoft.com/office/powerpoint/2010/main" val="2173876721"/>
-      </p:ext>
-    </p:extLst>
   </p:cSld>
   <p:clrMapOvr>
     <a:masterClrMapping/>
@@ -4683,7 +4826,7 @@
 </file>
 
 <file path=ppt/slides/slide1.xml><?xml version="1.0" encoding="utf-8"?>
-<p:sld xmlns:a="http://schemas.openxmlformats.org/drawingml/2006/main" xmlns:r="http://schemas.openxmlformats.org/officeDocument/2006/relationships" xmlns:p="http://schemas.openxmlformats.org/presentationml/2006/main">
+<p:sld xmlns:r="http://schemas.openxmlformats.org/officeDocument/2006/relationships" xmlns:c="http://schemas.openxmlformats.org/drawingml/2006/chart" xmlns:a="http://schemas.openxmlformats.org/drawingml/2006/main" xmlns:dgm="http://schemas.openxmlformats.org/drawingml/2006/diagram" xmlns:dsp="http://schemas.microsoft.com/office/drawing/2008/diagram" xmlns:p="http://schemas.openxmlformats.org/presentationml/2006/main">
   <p:cSld>
     <p:spTree>
       <p:nvGrpSpPr>
@@ -4701,18 +4844,12 @@
       </p:grpSpPr>
       <p:sp>
         <p:nvSpPr>
-          <p:cNvPr id="2" name="제목 1">
-            <a:extLst>
-              <a:ext uri="{FF2B5EF4-FFF2-40B4-BE49-F238E27FC236}">
-                <a16:creationId xmlns:a16="http://schemas.microsoft.com/office/drawing/2014/main" id="{B51FAEB3-BD43-4BF0-B44C-B726FBC5C194}"/>
-              </a:ext>
-            </a:extLst>
-          </p:cNvPr>
+          <p:cNvPr id="2" name="제목 1"/>
           <p:cNvSpPr>
             <a:spLocks noGrp="1"/>
           </p:cNvSpPr>
           <p:nvPr>
-            <p:ph type="ctrTitle"/>
+            <p:ph type="ctrTitle" idx="0"/>
           </p:nvPr>
         </p:nvSpPr>
         <p:spPr/>
@@ -4720,22 +4857,20 @@
           <a:bodyPr/>
           <a:lstStyle/>
           <a:p>
-            <a:r>
-              <a:rPr lang="ko-KR" altLang="en-US" dirty="0"/>
+            <a:pPr lvl="0">
+              <a:defRPr/>
+            </a:pPr>
+            <a:r>
+              <a:rPr lang="ko-KR" altLang="en-US"/>
               <a:t>지도 기반 채팅 커뮤니티</a:t>
             </a:r>
-          </a:p>
-        </p:txBody>
-      </p:sp>
-      <p:sp>
-        <p:nvSpPr>
-          <p:cNvPr id="3" name="부제목 2">
-            <a:extLst>
-              <a:ext uri="{FF2B5EF4-FFF2-40B4-BE49-F238E27FC236}">
-                <a16:creationId xmlns:a16="http://schemas.microsoft.com/office/drawing/2014/main" id="{238D155E-F679-4C32-BA46-4E70B0CCFE22}"/>
-              </a:ext>
-            </a:extLst>
-          </p:cNvPr>
+            <a:endParaRPr lang="ko-KR" altLang="en-US"/>
+          </a:p>
+        </p:txBody>
+      </p:sp>
+      <p:sp>
+        <p:nvSpPr>
+          <p:cNvPr id="3" name="부제목 2"/>
           <p:cNvSpPr>
             <a:spLocks noGrp="1"/>
           </p:cNvSpPr>
@@ -4755,60 +4890,68 @@
           </a:bodyPr>
           <a:lstStyle/>
           <a:p>
-            <a:r>
-              <a:rPr lang="ko-KR" altLang="en-US" sz="2000" dirty="0" err="1"/>
-              <a:t>김장현</a:t>
-            </a:r>
-            <a:r>
-              <a:rPr lang="ko-KR" altLang="en-US" sz="2000" dirty="0"/>
-              <a:t> </a:t>
-            </a:r>
-            <a:r>
-              <a:rPr lang="en-US" altLang="ko-KR" sz="2000" dirty="0"/>
-              <a:t>()</a:t>
-            </a:r>
-          </a:p>
-          <a:p>
-            <a:r>
-              <a:rPr lang="ko-KR" altLang="en-US" sz="2000" dirty="0"/>
-              <a:t>소프트웨어학과 </a:t>
-            </a:r>
-            <a:r>
-              <a:rPr lang="ko-KR" altLang="en-US" sz="2000" dirty="0" err="1"/>
-              <a:t>류다인</a:t>
-            </a:r>
-            <a:r>
-              <a:rPr lang="ko-KR" altLang="en-US" sz="2000" dirty="0"/>
-              <a:t> </a:t>
-            </a:r>
-            <a:r>
-              <a:rPr lang="en-US" altLang="ko-KR" sz="2000" dirty="0"/>
-              <a:t>()</a:t>
-            </a:r>
-          </a:p>
-          <a:p>
-            <a:r>
-              <a:rPr lang="ko-KR" altLang="en-US" sz="2000" dirty="0"/>
+            <a:pPr lvl="0">
+              <a:defRPr/>
+            </a:pPr>
+            <a:r>
+              <a:rPr lang="ko-KR" altLang="en-US" sz="2000"/>
               <a:t>소프트웨어학과 박은영 </a:t>
             </a:r>
             <a:r>
-              <a:rPr lang="en-US" altLang="ko-KR" sz="2000" dirty="0"/>
+              <a:rPr lang="en-US" altLang="ko-KR" sz="2000"/>
               <a:t>(32151839)</a:t>
             </a:r>
-            <a:endParaRPr lang="ko-KR" altLang="en-US" sz="2000" dirty="0"/>
+            <a:endParaRPr lang="ko-KR" altLang="en-US" sz="2000"/>
+          </a:p>
+          <a:p>
+            <a:pPr lvl="0">
+              <a:defRPr/>
+            </a:pPr>
+            <a:r>
+              <a:rPr lang="ko-KR" altLang="en-US" sz="2000"/>
+              <a:t>산업경영학과 김장현 </a:t>
+            </a:r>
+            <a:r>
+              <a:rPr lang="en-US" altLang="ko-KR" sz="2000"/>
+              <a:t>(32160974)</a:t>
+            </a:r>
+            <a:endParaRPr lang="en-US" altLang="ko-KR" sz="2000"/>
+          </a:p>
+          <a:p>
+            <a:pPr lvl="0">
+              <a:defRPr/>
+            </a:pPr>
+            <a:r>
+              <a:rPr lang="ko-KR" altLang="en-US" sz="2000"/>
+              <a:t>소프트웨어학과 류다인 </a:t>
+            </a:r>
+            <a:r>
+              <a:rPr lang="en-US" altLang="ko-KR" sz="2000"/>
+              <a:t>(32151495)</a:t>
+            </a:r>
+            <a:endParaRPr lang="en-US" altLang="ko-KR" sz="2000"/>
+          </a:p>
+          <a:p>
+            <a:pPr lvl="0">
+              <a:defRPr/>
+            </a:pPr>
+            <a:endParaRPr lang="ko-KR" altLang="en-US" sz="2000"/>
           </a:p>
         </p:txBody>
       </p:sp>
     </p:spTree>
-    <p:extLst>
-      <p:ext uri="{BB962C8B-B14F-4D97-AF65-F5344CB8AC3E}">
-        <p14:creationId xmlns:p14="http://schemas.microsoft.com/office/powerpoint/2010/main" val="3266424669"/>
-      </p:ext>
-    </p:extLst>
   </p:cSld>
   <p:clrMapOvr>
     <a:masterClrMapping/>
   </p:clrMapOvr>
+  <mc:AlternateContent xmlns:mc="http://schemas.openxmlformats.org/markup-compatibility/2006">
+    <mc:Choice xmlns:p14="http://schemas.microsoft.com/office/powerpoint/2010/main" Requires="p14">
+      <p:transition xmlns:mc="http://schemas.openxmlformats.org/markup-compatibility/2006" xmlns:p14="http://schemas.microsoft.com/office/powerpoint/2010/main" mc:Ignorable="p14" p14:dur="500"/>
+    </mc:Choice>
+    <mc:Fallback>
+      <p:transition/>
+    </mc:Fallback>
+  </mc:AlternateContent>
 </p:sld>
 </file>
 
@@ -6322,7 +6465,7 @@
 </file>
 
 <file path=ppt/slides/slide13.xml><?xml version="1.0" encoding="utf-8"?>
-<p:sld xmlns:a="http://schemas.openxmlformats.org/drawingml/2006/main" xmlns:r="http://schemas.openxmlformats.org/officeDocument/2006/relationships" xmlns:p="http://schemas.openxmlformats.org/presentationml/2006/main">
+<p:sld xmlns:r="http://schemas.openxmlformats.org/officeDocument/2006/relationships" xmlns:c="http://schemas.openxmlformats.org/drawingml/2006/chart" xmlns:a="http://schemas.openxmlformats.org/drawingml/2006/main" xmlns:dgm="http://schemas.openxmlformats.org/drawingml/2006/diagram" xmlns:dsp="http://schemas.microsoft.com/office/drawing/2008/diagram" xmlns:p="http://schemas.openxmlformats.org/presentationml/2006/main">
   <p:cSld>
     <p:spTree>
       <p:nvGrpSpPr>
@@ -6340,13 +6483,7 @@
       </p:grpSpPr>
       <p:sp>
         <p:nvSpPr>
-          <p:cNvPr id="2" name="내용 개체 틀 1">
-            <a:extLst>
-              <a:ext uri="{FF2B5EF4-FFF2-40B4-BE49-F238E27FC236}">
-                <a16:creationId xmlns:a16="http://schemas.microsoft.com/office/drawing/2014/main" id="{EB035715-3711-42D0-8AE8-5A7B9C6A5921}"/>
-              </a:ext>
-            </a:extLst>
-          </p:cNvPr>
+          <p:cNvPr id="2" name="내용 개체 틀 1"/>
           <p:cNvSpPr>
             <a:spLocks noGrp="1"/>
           </p:cNvSpPr>
@@ -6359,35 +6496,37 @@
           <a:bodyPr/>
           <a:lstStyle/>
           <a:p>
-            <a:r>
-              <a:rPr lang="ko-KR" altLang="en-US" dirty="0"/>
+            <a:pPr lvl="0">
+              <a:defRPr/>
+            </a:pPr>
+            <a:r>
+              <a:rPr lang="ko-KR" altLang="en-US"/>
               <a:t>협업하는 방법</a:t>
             </a:r>
-            <a:endParaRPr lang="en-US" altLang="ko-KR" dirty="0"/>
+            <a:endParaRPr lang="ko-KR" altLang="en-US"/>
           </a:p>
           <a:p>
             <a:pPr marL="0" indent="0">
               <a:buNone/>
+              <a:defRPr/>
             </a:pPr>
-            <a:endParaRPr lang="en-US" altLang="ko-KR" dirty="0"/>
-          </a:p>
-          <a:p>
-            <a:r>
-              <a:rPr lang="ko-KR" altLang="en-US" dirty="0"/>
+            <a:endParaRPr lang="en-US" altLang="ko-KR"/>
+          </a:p>
+          <a:p>
+            <a:pPr lvl="0">
+              <a:defRPr/>
+            </a:pPr>
+            <a:r>
+              <a:rPr lang="ko-KR" altLang="en-US"/>
               <a:t>개발환경</a:t>
             </a:r>
-          </a:p>
-        </p:txBody>
-      </p:sp>
-      <p:sp>
-        <p:nvSpPr>
-          <p:cNvPr id="3" name="슬라이드 번호 개체 틀 2">
-            <a:extLst>
-              <a:ext uri="{FF2B5EF4-FFF2-40B4-BE49-F238E27FC236}">
-                <a16:creationId xmlns:a16="http://schemas.microsoft.com/office/drawing/2014/main" id="{641C7A4A-7217-4D43-BFC5-C2526EC029AE}"/>
-              </a:ext>
-            </a:extLst>
-          </p:cNvPr>
+            <a:endParaRPr lang="ko-KR" altLang="en-US"/>
+          </a:p>
+        </p:txBody>
+      </p:sp>
+      <p:sp>
+        <p:nvSpPr>
+          <p:cNvPr id="3" name="슬라이드 번호 개체 틀 2"/>
           <p:cNvSpPr>
             <a:spLocks noGrp="1"/>
           </p:cNvSpPr>
@@ -6400,29 +6539,28 @@
           <a:bodyPr/>
           <a:lstStyle/>
           <a:p>
+            <a:pPr lvl="0">
+              <a:defRPr/>
+            </a:pPr>
             <a:fld id="{E4B74A00-9250-47C8-AC6A-A9047051EC8E}" type="slidenum">
-              <a:rPr lang="ko-KR" altLang="en-US" smtClean="0"/>
-              <a:pPr/>
+              <a:rPr lang="en-US" altLang="en-US"/>
+              <a:pPr lvl="0">
+                <a:defRPr/>
+              </a:pPr>
               <a:t>13</a:t>
             </a:fld>
-            <a:endParaRPr lang="ko-KR" altLang="en-US" dirty="0"/>
-          </a:p>
-        </p:txBody>
-      </p:sp>
-      <p:sp>
-        <p:nvSpPr>
-          <p:cNvPr id="4" name="제목 3">
-            <a:extLst>
-              <a:ext uri="{FF2B5EF4-FFF2-40B4-BE49-F238E27FC236}">
-                <a16:creationId xmlns:a16="http://schemas.microsoft.com/office/drawing/2014/main" id="{2CC2BA59-ECD9-498C-AE14-32CD5843567A}"/>
-              </a:ext>
-            </a:extLst>
-          </p:cNvPr>
+            <a:endParaRPr lang="en-US" altLang="en-US"/>
+          </a:p>
+        </p:txBody>
+      </p:sp>
+      <p:sp>
+        <p:nvSpPr>
+          <p:cNvPr id="4" name="제목 3"/>
           <p:cNvSpPr>
             <a:spLocks noGrp="1"/>
           </p:cNvSpPr>
           <p:nvPr>
-            <p:ph type="title"/>
+            <p:ph type="title" idx="0"/>
           </p:nvPr>
         </p:nvSpPr>
         <p:spPr/>
@@ -6432,28 +6570,34 @@
           </a:bodyPr>
           <a:lstStyle/>
           <a:p>
-            <a:r>
-              <a:rPr lang="ko-KR" altLang="en-US" dirty="0"/>
+            <a:pPr lvl="0">
+              <a:defRPr/>
+            </a:pPr>
+            <a:r>
+              <a:rPr lang="ko-KR" altLang="en-US"/>
               <a:t>다음 발표 내용 소개</a:t>
             </a:r>
             <a:r>
-              <a:rPr lang="en-US" altLang="ko-KR" dirty="0"/>
+              <a:rPr lang="en-US" altLang="ko-KR"/>
               <a:t>	</a:t>
             </a:r>
-            <a:endParaRPr lang="ko-KR" altLang="en-US" dirty="0"/>
+            <a:endParaRPr lang="ko-KR" altLang="en-US"/>
           </a:p>
         </p:txBody>
       </p:sp>
     </p:spTree>
-    <p:extLst>
-      <p:ext uri="{BB962C8B-B14F-4D97-AF65-F5344CB8AC3E}">
-        <p14:creationId xmlns:p14="http://schemas.microsoft.com/office/powerpoint/2010/main" val="2750172001"/>
-      </p:ext>
-    </p:extLst>
   </p:cSld>
   <p:clrMapOvr>
     <a:masterClrMapping/>
   </p:clrMapOvr>
+  <mc:AlternateContent xmlns:mc="http://schemas.openxmlformats.org/markup-compatibility/2006">
+    <mc:Choice xmlns:p14="http://schemas.microsoft.com/office/powerpoint/2010/main" Requires="p14">
+      <p:transition xmlns:mc="http://schemas.openxmlformats.org/markup-compatibility/2006" xmlns:p14="http://schemas.microsoft.com/office/powerpoint/2010/main" mc:Ignorable="p14" p14:dur="500"/>
+    </mc:Choice>
+    <mc:Fallback>
+      <p:transition/>
+    </mc:Fallback>
+  </mc:AlternateContent>
 </p:sld>
 </file>
 
@@ -6552,7 +6696,7 @@
 </file>
 
 <file path=ppt/slides/slide2.xml><?xml version="1.0" encoding="utf-8"?>
-<p:sld xmlns:a="http://schemas.openxmlformats.org/drawingml/2006/main" xmlns:r="http://schemas.openxmlformats.org/officeDocument/2006/relationships" xmlns:p="http://schemas.openxmlformats.org/presentationml/2006/main">
+<p:sld xmlns:r="http://schemas.openxmlformats.org/officeDocument/2006/relationships" xmlns:c="http://schemas.openxmlformats.org/drawingml/2006/chart" xmlns:a="http://schemas.openxmlformats.org/drawingml/2006/main" xmlns:dgm="http://schemas.openxmlformats.org/drawingml/2006/diagram" xmlns:dsp="http://schemas.microsoft.com/office/drawing/2008/diagram" xmlns:p="http://schemas.openxmlformats.org/presentationml/2006/main">
   <p:cSld>
     <p:spTree>
       <p:nvGrpSpPr>
@@ -6570,13 +6714,7 @@
       </p:grpSpPr>
       <p:sp>
         <p:nvSpPr>
-          <p:cNvPr id="3" name="슬라이드 번호 개체 틀 2">
-            <a:extLst>
-              <a:ext uri="{FF2B5EF4-FFF2-40B4-BE49-F238E27FC236}">
-                <a16:creationId xmlns:a16="http://schemas.microsoft.com/office/drawing/2014/main" id="{8287336A-8F09-4238-8D17-453A283125EC}"/>
-              </a:ext>
-            </a:extLst>
-          </p:cNvPr>
+          <p:cNvPr id="3" name="슬라이드 번호 개체 틀 2"/>
           <p:cNvSpPr>
             <a:spLocks noGrp="1"/>
           </p:cNvSpPr>
@@ -6589,29 +6727,28 @@
           <a:bodyPr/>
           <a:lstStyle/>
           <a:p>
+            <a:pPr lvl="0">
+              <a:defRPr/>
+            </a:pPr>
             <a:fld id="{E4B74A00-9250-47C8-AC6A-A9047051EC8E}" type="slidenum">
-              <a:rPr lang="ko-KR" altLang="en-US" smtClean="0"/>
-              <a:pPr/>
+              <a:rPr lang="en-US" altLang="en-US"/>
+              <a:pPr lvl="0">
+                <a:defRPr/>
+              </a:pPr>
               <a:t>2</a:t>
             </a:fld>
-            <a:endParaRPr lang="ko-KR" altLang="en-US" dirty="0"/>
-          </a:p>
-        </p:txBody>
-      </p:sp>
-      <p:sp>
-        <p:nvSpPr>
-          <p:cNvPr id="4" name="제목 3">
-            <a:extLst>
-              <a:ext uri="{FF2B5EF4-FFF2-40B4-BE49-F238E27FC236}">
-                <a16:creationId xmlns:a16="http://schemas.microsoft.com/office/drawing/2014/main" id="{D6C31C0B-B4B5-4AF3-AFDA-7756C803E09B}"/>
-              </a:ext>
-            </a:extLst>
-          </p:cNvPr>
+            <a:endParaRPr lang="en-US" altLang="en-US"/>
+          </a:p>
+        </p:txBody>
+      </p:sp>
+      <p:sp>
+        <p:nvSpPr>
+          <p:cNvPr id="4" name="제목 3"/>
           <p:cNvSpPr>
             <a:spLocks noGrp="1"/>
           </p:cNvSpPr>
           <p:nvPr>
-            <p:ph type="title"/>
+            <p:ph type="title" idx="0"/>
           </p:nvPr>
         </p:nvSpPr>
         <p:spPr/>
@@ -6621,22 +6758,20 @@
           </a:bodyPr>
           <a:lstStyle/>
           <a:p>
-            <a:r>
-              <a:rPr lang="ko-KR" altLang="en-US" dirty="0"/>
+            <a:pPr lvl="0">
+              <a:defRPr/>
+            </a:pPr>
+            <a:r>
+              <a:rPr lang="ko-KR" altLang="en-US"/>
               <a:t>목차</a:t>
             </a:r>
-          </a:p>
-        </p:txBody>
-      </p:sp>
-      <p:sp>
-        <p:nvSpPr>
-          <p:cNvPr id="6" name="내용 개체 틀 5">
-            <a:extLst>
-              <a:ext uri="{FF2B5EF4-FFF2-40B4-BE49-F238E27FC236}">
-                <a16:creationId xmlns:a16="http://schemas.microsoft.com/office/drawing/2014/main" id="{33A4D906-8A7A-4C96-B62D-1A4A53013034}"/>
-              </a:ext>
-            </a:extLst>
-          </p:cNvPr>
+            <a:endParaRPr lang="ko-KR" altLang="en-US"/>
+          </a:p>
+        </p:txBody>
+      </p:sp>
+      <p:sp>
+        <p:nvSpPr>
+          <p:cNvPr id="6" name="내용 개체 틀 5"/>
           <p:cNvSpPr>
             <a:spLocks noGrp="1"/>
           </p:cNvSpPr>
@@ -6662,16 +6797,17 @@
               </a:lnSpc>
               <a:buFont typeface="+mj-lt"/>
               <a:buAutoNum type="arabicPeriod"/>
+              <a:defRPr/>
             </a:pPr>
             <a:r>
-              <a:rPr lang="en-US" altLang="ko-KR" sz="4000" dirty="0"/>
+              <a:rPr lang="en-US" altLang="ko-KR" sz="4000"/>
               <a:t> </a:t>
             </a:r>
             <a:r>
-              <a:rPr lang="ko-KR" altLang="en-US" sz="4000" dirty="0"/>
+              <a:rPr lang="ko-KR" altLang="en-US" sz="4000"/>
               <a:t>팀 소개 </a:t>
             </a:r>
-            <a:endParaRPr lang="en-US" altLang="ko-KR" sz="4000" dirty="0"/>
+            <a:endParaRPr lang="ko-KR" altLang="en-US" sz="4000"/>
           </a:p>
           <a:p>
             <a:pPr marL="742950" indent="-742950">
@@ -6680,16 +6816,17 @@
               </a:lnSpc>
               <a:buFont typeface="+mj-lt"/>
               <a:buAutoNum type="arabicPeriod"/>
+              <a:defRPr/>
             </a:pPr>
             <a:r>
-              <a:rPr lang="en-US" altLang="ko-KR" sz="4000" dirty="0"/>
+              <a:rPr lang="en-US" altLang="ko-KR" sz="4000"/>
               <a:t> </a:t>
             </a:r>
             <a:r>
-              <a:rPr lang="ko-KR" altLang="en-US" sz="4000" dirty="0"/>
+              <a:rPr lang="ko-KR" altLang="en-US" sz="4000"/>
               <a:t>아이디어 소개</a:t>
             </a:r>
-            <a:endParaRPr lang="en-US" altLang="ko-KR" sz="4000" dirty="0"/>
+            <a:endParaRPr lang="ko-KR" altLang="en-US" sz="4000"/>
           </a:p>
           <a:p>
             <a:pPr marL="742950" indent="-742950">
@@ -6698,12 +6835,13 @@
               </a:lnSpc>
               <a:buFont typeface="+mj-lt"/>
               <a:buAutoNum type="arabicPeriod"/>
+              <a:defRPr/>
             </a:pPr>
             <a:r>
-              <a:rPr lang="ko-KR" altLang="en-US" sz="4000" dirty="0"/>
+              <a:rPr lang="ko-KR" altLang="en-US" sz="4000"/>
               <a:t> 시나리오</a:t>
             </a:r>
-            <a:endParaRPr lang="en-US" altLang="ko-KR" sz="4000" dirty="0"/>
+            <a:endParaRPr lang="ko-KR" altLang="en-US" sz="4000"/>
           </a:p>
           <a:p>
             <a:pPr marL="742950" indent="-742950">
@@ -6712,37 +6850,42 @@
               </a:lnSpc>
               <a:buFont typeface="+mj-lt"/>
               <a:buAutoNum type="arabicPeriod"/>
+              <a:defRPr/>
             </a:pPr>
             <a:r>
-              <a:rPr lang="ko-KR" altLang="en-US" sz="4000" dirty="0"/>
+              <a:rPr lang="ko-KR" altLang="en-US" sz="4000"/>
               <a:t> 프로토타입</a:t>
             </a:r>
-            <a:endParaRPr lang="en-US" altLang="ko-KR" sz="4000" dirty="0"/>
+            <a:endParaRPr lang="ko-KR" altLang="en-US" sz="4000"/>
           </a:p>
           <a:p>
             <a:pPr marL="514350" indent="-514350">
               <a:buFont typeface="+mj-lt"/>
               <a:buAutoNum type="arabicPeriod"/>
+              <a:defRPr/>
             </a:pPr>
-            <a:endParaRPr lang="ko-KR" altLang="en-US" dirty="0"/>
+            <a:endParaRPr lang="ko-KR" altLang="en-US"/>
           </a:p>
         </p:txBody>
       </p:sp>
     </p:spTree>
-    <p:extLst>
-      <p:ext uri="{BB962C8B-B14F-4D97-AF65-F5344CB8AC3E}">
-        <p14:creationId xmlns:p14="http://schemas.microsoft.com/office/powerpoint/2010/main" val="1038215861"/>
-      </p:ext>
-    </p:extLst>
   </p:cSld>
   <p:clrMapOvr>
     <a:masterClrMapping/>
   </p:clrMapOvr>
+  <mc:AlternateContent xmlns:mc="http://schemas.openxmlformats.org/markup-compatibility/2006">
+    <mc:Choice xmlns:p14="http://schemas.microsoft.com/office/powerpoint/2010/main" Requires="p14">
+      <p:transition xmlns:mc="http://schemas.openxmlformats.org/markup-compatibility/2006" xmlns:p14="http://schemas.microsoft.com/office/powerpoint/2010/main" mc:Ignorable="p14" p14:dur="500"/>
+    </mc:Choice>
+    <mc:Fallback>
+      <p:transition/>
+    </mc:Fallback>
+  </mc:AlternateContent>
 </p:sld>
 </file>
 
 <file path=ppt/slides/slide3.xml><?xml version="1.0" encoding="utf-8"?>
-<p:sld xmlns:a="http://schemas.openxmlformats.org/drawingml/2006/main" xmlns:r="http://schemas.openxmlformats.org/officeDocument/2006/relationships" xmlns:p="http://schemas.openxmlformats.org/presentationml/2006/main">
+<p:sld xmlns:r="http://schemas.openxmlformats.org/officeDocument/2006/relationships" xmlns:c="http://schemas.openxmlformats.org/drawingml/2006/chart" xmlns:a="http://schemas.openxmlformats.org/drawingml/2006/main" xmlns:dgm="http://schemas.openxmlformats.org/drawingml/2006/diagram" xmlns:dsp="http://schemas.microsoft.com/office/drawing/2008/diagram" xmlns:p="http://schemas.openxmlformats.org/presentationml/2006/main">
   <p:cSld>
     <p:spTree>
       <p:nvGrpSpPr>
@@ -6760,13 +6903,7 @@
       </p:grpSpPr>
       <p:sp>
         <p:nvSpPr>
-          <p:cNvPr id="3" name="슬라이드 번호 개체 틀 2">
-            <a:extLst>
-              <a:ext uri="{FF2B5EF4-FFF2-40B4-BE49-F238E27FC236}">
-                <a16:creationId xmlns:a16="http://schemas.microsoft.com/office/drawing/2014/main" id="{03668972-5D6F-46A7-981D-0762E375129F}"/>
-              </a:ext>
-            </a:extLst>
-          </p:cNvPr>
+          <p:cNvPr id="3" name="슬라이드 번호 개체 틀 2"/>
           <p:cNvSpPr>
             <a:spLocks noGrp="1"/>
           </p:cNvSpPr>
@@ -6779,29 +6916,28 @@
           <a:bodyPr/>
           <a:lstStyle/>
           <a:p>
+            <a:pPr lvl="0">
+              <a:defRPr/>
+            </a:pPr>
             <a:fld id="{E4B74A00-9250-47C8-AC6A-A9047051EC8E}" type="slidenum">
-              <a:rPr lang="ko-KR" altLang="en-US" smtClean="0"/>
-              <a:pPr/>
+              <a:rPr lang="en-US" altLang="en-US"/>
+              <a:pPr lvl="0">
+                <a:defRPr/>
+              </a:pPr>
               <a:t>3</a:t>
             </a:fld>
-            <a:endParaRPr lang="ko-KR" altLang="en-US" dirty="0"/>
-          </a:p>
-        </p:txBody>
-      </p:sp>
-      <p:sp>
-        <p:nvSpPr>
-          <p:cNvPr id="4" name="제목 3">
-            <a:extLst>
-              <a:ext uri="{FF2B5EF4-FFF2-40B4-BE49-F238E27FC236}">
-                <a16:creationId xmlns:a16="http://schemas.microsoft.com/office/drawing/2014/main" id="{20F29F34-1C3C-4989-BD17-2D142C671841}"/>
-              </a:ext>
-            </a:extLst>
-          </p:cNvPr>
+            <a:endParaRPr lang="en-US" altLang="en-US"/>
+          </a:p>
+        </p:txBody>
+      </p:sp>
+      <p:sp>
+        <p:nvSpPr>
+          <p:cNvPr id="4" name="제목 3"/>
           <p:cNvSpPr>
             <a:spLocks noGrp="1"/>
           </p:cNvSpPr>
           <p:nvPr>
-            <p:ph type="title"/>
+            <p:ph type="title" idx="0"/>
           </p:nvPr>
         </p:nvSpPr>
         <p:spPr/>
@@ -6811,23 +6947,20 @@
           </a:bodyPr>
           <a:lstStyle/>
           <a:p>
-            <a:r>
-              <a:rPr lang="ko-KR" altLang="en-US" dirty="0" err="1"/>
+            <a:pPr lvl="0">
+              <a:defRPr/>
+            </a:pPr>
+            <a:r>
+              <a:rPr lang="ko-KR" altLang="en-US"/>
               <a:t>팀소개</a:t>
             </a:r>
-            <a:endParaRPr lang="ko-KR" altLang="en-US" dirty="0"/>
-          </a:p>
-        </p:txBody>
-      </p:sp>
-      <p:sp>
-        <p:nvSpPr>
-          <p:cNvPr id="5" name="타원 4">
-            <a:extLst>
-              <a:ext uri="{FF2B5EF4-FFF2-40B4-BE49-F238E27FC236}">
-                <a16:creationId xmlns:a16="http://schemas.microsoft.com/office/drawing/2014/main" id="{221850A3-AB69-4C7D-A574-EDB32F5CD1D7}"/>
-              </a:ext>
-            </a:extLst>
-          </p:cNvPr>
+            <a:endParaRPr lang="ko-KR" altLang="en-US"/>
+          </a:p>
+        </p:txBody>
+      </p:sp>
+      <p:sp>
+        <p:nvSpPr>
+          <p:cNvPr id="5" name="타원 4"/>
           <p:cNvSpPr/>
           <p:nvPr/>
         </p:nvSpPr>
@@ -6858,23 +6991,19 @@
           </a:fontRef>
         </p:style>
         <p:txBody>
-          <a:bodyPr rtlCol="0" anchor="ctr"/>
+          <a:bodyPr anchor="ctr"/>
           <a:lstStyle/>
           <a:p>
-            <a:pPr algn="ctr"/>
-            <a:endParaRPr lang="ko-KR" altLang="en-US" dirty="0"/>
-          </a:p>
-        </p:txBody>
-      </p:sp>
-      <p:sp>
-        <p:nvSpPr>
-          <p:cNvPr id="6" name="타원 5">
-            <a:extLst>
-              <a:ext uri="{FF2B5EF4-FFF2-40B4-BE49-F238E27FC236}">
-                <a16:creationId xmlns:a16="http://schemas.microsoft.com/office/drawing/2014/main" id="{9A40BC86-5B31-4689-AE0E-923F354ED4D2}"/>
-              </a:ext>
-            </a:extLst>
-          </p:cNvPr>
+            <a:pPr algn="ctr">
+              <a:defRPr/>
+            </a:pPr>
+            <a:endParaRPr lang="ko-KR" altLang="en-US"/>
+          </a:p>
+        </p:txBody>
+      </p:sp>
+      <p:sp>
+        <p:nvSpPr>
+          <p:cNvPr id="6" name="타원 5"/>
           <p:cNvSpPr/>
           <p:nvPr/>
         </p:nvSpPr>
@@ -6886,55 +7015,12 @@
           <a:prstGeom prst="ellipse">
             <a:avLst/>
           </a:prstGeom>
-          <a:noFill/>
-        </p:spPr>
-        <p:style>
-          <a:lnRef idx="2">
-            <a:schemeClr val="accent1">
-              <a:shade val="50000"/>
-            </a:schemeClr>
-          </a:lnRef>
-          <a:fillRef idx="1">
-            <a:schemeClr val="accent1"/>
-          </a:fillRef>
-          <a:effectRef idx="0">
-            <a:schemeClr val="accent1"/>
-          </a:effectRef>
-          <a:fontRef idx="minor">
-            <a:schemeClr val="lt1"/>
-          </a:fontRef>
-        </p:style>
-        <p:txBody>
-          <a:bodyPr rtlCol="0" anchor="ctr"/>
-          <a:lstStyle/>
-          <a:p>
-            <a:pPr algn="ctr"/>
-            <a:endParaRPr lang="ko-KR" altLang="en-US" dirty="0"/>
-          </a:p>
-        </p:txBody>
-      </p:sp>
-      <p:sp>
-        <p:nvSpPr>
-          <p:cNvPr id="7" name="타원 6">
-            <a:extLst>
-              <a:ext uri="{FF2B5EF4-FFF2-40B4-BE49-F238E27FC236}">
-                <a16:creationId xmlns:a16="http://schemas.microsoft.com/office/drawing/2014/main" id="{4B0AB7CC-B37A-420D-89CC-387CE42F43F9}"/>
-              </a:ext>
-            </a:extLst>
-          </p:cNvPr>
-          <p:cNvSpPr/>
-          <p:nvPr/>
-        </p:nvSpPr>
-        <p:spPr>
-          <a:xfrm>
-            <a:off x="995338" y="4706470"/>
-            <a:ext cx="1080000" cy="1080000"/>
-          </a:xfrm>
-          <a:prstGeom prst="ellipse">
-            <a:avLst/>
-          </a:prstGeom>
-          <a:blipFill>
-            <a:blip r:embed="rId2"/>
+          <a:blipFill rotWithShape="1">
+            <a:blip r:embed="rId2">
+              <a:alphaModFix/>
+              <a:lum/>
+            </a:blip>
+            <a:srcRect/>
             <a:stretch>
               <a:fillRect/>
             </a:stretch>
@@ -6957,30 +7043,74 @@
           </a:fontRef>
         </p:style>
         <p:txBody>
-          <a:bodyPr rtlCol="0" anchor="ctr"/>
+          <a:bodyPr anchor="ctr"/>
           <a:lstStyle/>
           <a:p>
-            <a:pPr algn="ctr"/>
-            <a:endParaRPr lang="ko-KR" altLang="en-US" dirty="0"/>
-          </a:p>
-        </p:txBody>
-      </p:sp>
-      <p:sp>
-        <p:nvSpPr>
-          <p:cNvPr id="8" name="TextBox 7">
-            <a:extLst>
-              <a:ext uri="{FF2B5EF4-FFF2-40B4-BE49-F238E27FC236}">
-                <a16:creationId xmlns:a16="http://schemas.microsoft.com/office/drawing/2014/main" id="{6E0C6B80-2B32-4AB1-B33F-68123717C905}"/>
-              </a:ext>
-            </a:extLst>
-          </p:cNvPr>
+            <a:pPr algn="ctr">
+              <a:defRPr/>
+            </a:pPr>
+            <a:endParaRPr lang="ko-KR" altLang="en-US"/>
+          </a:p>
+        </p:txBody>
+      </p:sp>
+      <p:sp>
+        <p:nvSpPr>
+          <p:cNvPr id="7" name="타원 6"/>
+          <p:cNvSpPr/>
+          <p:nvPr/>
+        </p:nvSpPr>
+        <p:spPr>
+          <a:xfrm>
+            <a:off x="995338" y="4706470"/>
+            <a:ext cx="1080000" cy="1080000"/>
+          </a:xfrm>
+          <a:prstGeom prst="ellipse">
+            <a:avLst/>
+          </a:prstGeom>
+          <a:blipFill rotWithShape="1">
+            <a:blip r:embed="rId3"/>
+            <a:stretch>
+              <a:fillRect/>
+            </a:stretch>
+          </a:blipFill>
+        </p:spPr>
+        <p:style>
+          <a:lnRef idx="2">
+            <a:schemeClr val="accent1">
+              <a:shade val="50000"/>
+            </a:schemeClr>
+          </a:lnRef>
+          <a:fillRef idx="1">
+            <a:schemeClr val="accent1"/>
+          </a:fillRef>
+          <a:effectRef idx="0">
+            <a:schemeClr val="accent1"/>
+          </a:effectRef>
+          <a:fontRef idx="minor">
+            <a:schemeClr val="lt1"/>
+          </a:fontRef>
+        </p:style>
+        <p:txBody>
+          <a:bodyPr anchor="ctr"/>
+          <a:lstStyle/>
+          <a:p>
+            <a:pPr algn="ctr">
+              <a:defRPr/>
+            </a:pPr>
+            <a:endParaRPr lang="ko-KR" altLang="en-US"/>
+          </a:p>
+        </p:txBody>
+      </p:sp>
+      <p:sp>
+        <p:nvSpPr>
+          <p:cNvPr id="8" name="TextBox 7"/>
           <p:cNvSpPr txBox="1"/>
           <p:nvPr/>
         </p:nvSpPr>
         <p:spPr>
           <a:xfrm>
             <a:off x="2421472" y="1744133"/>
-            <a:ext cx="3733800" cy="461665"/>
+            <a:ext cx="3733800" cy="444712"/>
           </a:xfrm>
           <a:prstGeom prst="rect">
             <a:avLst/>
@@ -6988,28 +7118,25 @@
           <a:noFill/>
         </p:spPr>
         <p:txBody>
-          <a:bodyPr wrap="square" rtlCol="0">
+          <a:bodyPr wrap="square">
             <a:spAutoFit/>
           </a:bodyPr>
           <a:lstStyle/>
           <a:p>
-            <a:r>
-              <a:rPr lang="ko-KR" altLang="en-US" sz="2400" dirty="0" err="1"/>
+            <a:pPr lvl="0">
+              <a:defRPr/>
+            </a:pPr>
+            <a:r>
+              <a:rPr lang="ko-KR" altLang="en-US" sz="2400"/>
               <a:t>김장현</a:t>
             </a:r>
-            <a:endParaRPr lang="ko-KR" altLang="en-US" sz="2400" dirty="0"/>
-          </a:p>
-        </p:txBody>
-      </p:sp>
-      <p:sp>
-        <p:nvSpPr>
-          <p:cNvPr id="9" name="TextBox 8">
-            <a:extLst>
-              <a:ext uri="{FF2B5EF4-FFF2-40B4-BE49-F238E27FC236}">
-                <a16:creationId xmlns:a16="http://schemas.microsoft.com/office/drawing/2014/main" id="{1E5EB01C-92BB-493F-8CCB-1913AEFB8CF4}"/>
-              </a:ext>
-            </a:extLst>
-          </p:cNvPr>
+            <a:endParaRPr lang="ko-KR" altLang="en-US" sz="2400"/>
+          </a:p>
+        </p:txBody>
+      </p:sp>
+      <p:sp>
+        <p:nvSpPr>
+          <p:cNvPr id="9" name="TextBox 8"/>
           <p:cNvSpPr txBox="1"/>
           <p:nvPr/>
         </p:nvSpPr>
@@ -7024,42 +7151,40 @@
           <a:noFill/>
         </p:spPr>
         <p:txBody>
-          <a:bodyPr wrap="square" rtlCol="0">
+          <a:bodyPr wrap="square">
             <a:spAutoFit/>
           </a:bodyPr>
           <a:lstStyle/>
           <a:p>
-            <a:r>
-              <a:rPr lang="ko-KR" altLang="en-US" dirty="0"/>
+            <a:pPr lvl="0">
+              <a:defRPr/>
+            </a:pPr>
+            <a:r>
+              <a:rPr lang="ko-KR" altLang="en-US"/>
               <a:t>고정 발표</a:t>
             </a:r>
             <a:r>
-              <a:rPr lang="en-US" altLang="ko-KR" dirty="0"/>
+              <a:rPr lang="en-US" altLang="ko-KR"/>
               <a:t>, backend, </a:t>
             </a:r>
             <a:r>
-              <a:rPr lang="ko-KR" altLang="en-US" dirty="0"/>
+              <a:rPr lang="ko-KR" altLang="en-US"/>
               <a:t>테스트</a:t>
             </a:r>
-          </a:p>
-        </p:txBody>
-      </p:sp>
-      <p:sp>
-        <p:nvSpPr>
-          <p:cNvPr id="10" name="TextBox 9">
-            <a:extLst>
-              <a:ext uri="{FF2B5EF4-FFF2-40B4-BE49-F238E27FC236}">
-                <a16:creationId xmlns:a16="http://schemas.microsoft.com/office/drawing/2014/main" id="{EE38254E-8E97-4FFB-A686-C38FDCB77FD9}"/>
-              </a:ext>
-            </a:extLst>
-          </p:cNvPr>
+            <a:endParaRPr lang="ko-KR" altLang="en-US"/>
+          </a:p>
+        </p:txBody>
+      </p:sp>
+      <p:sp>
+        <p:nvSpPr>
+          <p:cNvPr id="10" name="TextBox 9"/>
           <p:cNvSpPr txBox="1"/>
           <p:nvPr/>
         </p:nvSpPr>
         <p:spPr>
           <a:xfrm>
             <a:off x="2421472" y="3271868"/>
-            <a:ext cx="3733800" cy="461665"/>
+            <a:ext cx="3733800" cy="450502"/>
           </a:xfrm>
           <a:prstGeom prst="rect">
             <a:avLst/>
@@ -7067,28 +7192,25 @@
           <a:noFill/>
         </p:spPr>
         <p:txBody>
-          <a:bodyPr wrap="square" rtlCol="0">
+          <a:bodyPr wrap="square">
             <a:spAutoFit/>
           </a:bodyPr>
           <a:lstStyle/>
           <a:p>
-            <a:r>
-              <a:rPr lang="ko-KR" altLang="en-US" sz="2400" dirty="0" err="1"/>
+            <a:pPr lvl="0">
+              <a:defRPr/>
+            </a:pPr>
+            <a:r>
+              <a:rPr lang="ko-KR" altLang="en-US" sz="2400"/>
               <a:t>류다인</a:t>
             </a:r>
-            <a:endParaRPr lang="ko-KR" altLang="en-US" sz="2400" dirty="0"/>
-          </a:p>
-        </p:txBody>
-      </p:sp>
-      <p:sp>
-        <p:nvSpPr>
-          <p:cNvPr id="11" name="TextBox 10">
-            <a:extLst>
-              <a:ext uri="{FF2B5EF4-FFF2-40B4-BE49-F238E27FC236}">
-                <a16:creationId xmlns:a16="http://schemas.microsoft.com/office/drawing/2014/main" id="{A68722DE-DC58-4286-81D0-A5CF653DF995}"/>
-              </a:ext>
-            </a:extLst>
-          </p:cNvPr>
+            <a:endParaRPr lang="ko-KR" altLang="en-US" sz="2400"/>
+          </a:p>
+        </p:txBody>
+      </p:sp>
+      <p:sp>
+        <p:nvSpPr>
+          <p:cNvPr id="11" name="TextBox 10"/>
           <p:cNvSpPr txBox="1"/>
           <p:nvPr/>
         </p:nvSpPr>
@@ -7103,38 +7225,36 @@
           <a:noFill/>
         </p:spPr>
         <p:txBody>
-          <a:bodyPr wrap="square" rtlCol="0">
+          <a:bodyPr wrap="square">
             <a:spAutoFit/>
           </a:bodyPr>
           <a:lstStyle/>
           <a:p>
-            <a:r>
-              <a:rPr lang="en-US" altLang="ko-KR" dirty="0"/>
+            <a:pPr lvl="0">
+              <a:defRPr/>
+            </a:pPr>
+            <a:r>
+              <a:rPr lang="en-US" altLang="ko-KR"/>
               <a:t>backend, </a:t>
             </a:r>
             <a:r>
-              <a:rPr lang="ko-KR" altLang="en-US" dirty="0"/>
+              <a:rPr lang="ko-KR" altLang="en-US"/>
               <a:t>테스트</a:t>
             </a:r>
-          </a:p>
-        </p:txBody>
-      </p:sp>
-      <p:sp>
-        <p:nvSpPr>
-          <p:cNvPr id="14" name="TextBox 13">
-            <a:extLst>
-              <a:ext uri="{FF2B5EF4-FFF2-40B4-BE49-F238E27FC236}">
-                <a16:creationId xmlns:a16="http://schemas.microsoft.com/office/drawing/2014/main" id="{5311A25E-E0C0-4565-B3A9-0E4050133CA2}"/>
-              </a:ext>
-            </a:extLst>
-          </p:cNvPr>
+            <a:endParaRPr lang="ko-KR" altLang="en-US"/>
+          </a:p>
+        </p:txBody>
+      </p:sp>
+      <p:sp>
+        <p:nvSpPr>
+          <p:cNvPr id="14" name="TextBox 13"/>
           <p:cNvSpPr txBox="1"/>
           <p:nvPr/>
         </p:nvSpPr>
         <p:spPr>
           <a:xfrm>
             <a:off x="2421472" y="4714405"/>
-            <a:ext cx="3733800" cy="461665"/>
+            <a:ext cx="3733800" cy="446240"/>
           </a:xfrm>
           <a:prstGeom prst="rect">
             <a:avLst/>
@@ -7142,27 +7262,25 @@
           <a:noFill/>
         </p:spPr>
         <p:txBody>
-          <a:bodyPr wrap="square" rtlCol="0">
+          <a:bodyPr wrap="square">
             <a:spAutoFit/>
           </a:bodyPr>
           <a:lstStyle/>
           <a:p>
-            <a:r>
-              <a:rPr lang="ko-KR" altLang="en-US" sz="2400" dirty="0"/>
+            <a:pPr lvl="0">
+              <a:defRPr/>
+            </a:pPr>
+            <a:r>
+              <a:rPr lang="ko-KR" altLang="en-US" sz="2400"/>
               <a:t>박은영</a:t>
             </a:r>
-          </a:p>
-        </p:txBody>
-      </p:sp>
-      <p:sp>
-        <p:nvSpPr>
-          <p:cNvPr id="15" name="TextBox 14">
-            <a:extLst>
-              <a:ext uri="{FF2B5EF4-FFF2-40B4-BE49-F238E27FC236}">
-                <a16:creationId xmlns:a16="http://schemas.microsoft.com/office/drawing/2014/main" id="{8BD346FB-6539-4D45-8A71-2F4791C6BA3F}"/>
-              </a:ext>
-            </a:extLst>
-          </p:cNvPr>
+            <a:endParaRPr lang="ko-KR" altLang="en-US" sz="2400"/>
+          </a:p>
+        </p:txBody>
+      </p:sp>
+      <p:sp>
+        <p:nvSpPr>
+          <p:cNvPr id="15" name="TextBox 14"/>
           <p:cNvSpPr txBox="1"/>
           <p:nvPr/>
         </p:nvSpPr>
@@ -7177,33 +7295,39 @@
           <a:noFill/>
         </p:spPr>
         <p:txBody>
-          <a:bodyPr wrap="square" rtlCol="0">
+          <a:bodyPr wrap="square">
             <a:spAutoFit/>
           </a:bodyPr>
           <a:lstStyle/>
           <a:p>
-            <a:r>
-              <a:rPr lang="ko-KR" altLang="en-US" dirty="0"/>
+            <a:pPr lvl="0">
+              <a:defRPr/>
+            </a:pPr>
+            <a:r>
+              <a:rPr lang="ko-KR" altLang="en-US"/>
               <a:t>프로젝트 관리</a:t>
             </a:r>
             <a:r>
-              <a:rPr lang="en-US" altLang="ko-KR" dirty="0"/>
+              <a:rPr lang="en-US" altLang="ko-KR"/>
               <a:t>, frontend</a:t>
             </a:r>
-            <a:endParaRPr lang="ko-KR" altLang="en-US" dirty="0"/>
+            <a:endParaRPr lang="ko-KR" altLang="en-US"/>
           </a:p>
         </p:txBody>
       </p:sp>
     </p:spTree>
-    <p:extLst>
-      <p:ext uri="{BB962C8B-B14F-4D97-AF65-F5344CB8AC3E}">
-        <p14:creationId xmlns:p14="http://schemas.microsoft.com/office/powerpoint/2010/main" val="825449626"/>
-      </p:ext>
-    </p:extLst>
   </p:cSld>
   <p:clrMapOvr>
     <a:masterClrMapping/>
   </p:clrMapOvr>
+  <mc:AlternateContent xmlns:mc="http://schemas.openxmlformats.org/markup-compatibility/2006">
+    <mc:Choice xmlns:p14="http://schemas.microsoft.com/office/powerpoint/2010/main" Requires="p14">
+      <p:transition xmlns:mc="http://schemas.openxmlformats.org/markup-compatibility/2006" xmlns:p14="http://schemas.microsoft.com/office/powerpoint/2010/main" mc:Ignorable="p14" p14:dur="500"/>
+    </mc:Choice>
+    <mc:Fallback>
+      <p:transition/>
+    </mc:Fallback>
+  </mc:AlternateContent>
 </p:sld>
 </file>
 
@@ -9899,52 +10023,52 @@
 </file>
 
 <file path=ppt/theme/theme1.xml><?xml version="1.0" encoding="utf-8"?>
-<a:theme xmlns:a="http://schemas.openxmlformats.org/drawingml/2006/main" name="Office 테마">
+<a:theme xmlns:r="http://schemas.openxmlformats.org/officeDocument/2006/relationships" xmlns:c="http://schemas.openxmlformats.org/drawingml/2006/chart" xmlns:dgm="http://schemas.openxmlformats.org/drawingml/2006/diagram" xmlns:dsp="http://schemas.microsoft.com/office/drawing/2008/diagram" xmlns:a="http://schemas.openxmlformats.org/drawingml/2006/main" xmlns:pic="http://schemas.openxmlformats.org/drawingml/2006/picture" xmlns:wp="http://schemas.openxmlformats.org/drawingml/2006/wordprocessingDrawing" xmlns:xdr="http://schemas.openxmlformats.org/drawingml/2006/spreadsheetDrawing" xmlns:p="http://schemas.openxmlformats.org/presentationml/2006/main" name="Office 테마">
   <a:themeElements>
     <a:clrScheme name="Office">
       <a:dk1>
         <a:sysClr val="windowText" lastClr="000000"/>
       </a:dk1>
       <a:lt1>
-        <a:sysClr val="window" lastClr="FFFFFF"/>
+        <a:sysClr val="window" lastClr="ffffff"/>
       </a:lt1>
       <a:dk2>
-        <a:srgbClr val="44546A"/>
+        <a:srgbClr val="44546a"/>
       </a:dk2>
       <a:lt2>
-        <a:srgbClr val="E7E6E6"/>
+        <a:srgbClr val="e7e6e6"/>
       </a:lt2>
       <a:accent1>
-        <a:srgbClr val="4472C4"/>
+        <a:srgbClr val="4472c4"/>
       </a:accent1>
       <a:accent2>
-        <a:srgbClr val="ED7D31"/>
+        <a:srgbClr val="ed7d31"/>
       </a:accent2>
       <a:accent3>
-        <a:srgbClr val="A5A5A5"/>
+        <a:srgbClr val="a5a5a5"/>
       </a:accent3>
       <a:accent4>
-        <a:srgbClr val="FFC000"/>
+        <a:srgbClr val="ffc000"/>
       </a:accent4>
       <a:accent5>
-        <a:srgbClr val="5B9BD5"/>
+        <a:srgbClr val="5b9bd5"/>
       </a:accent5>
       <a:accent6>
-        <a:srgbClr val="70AD47"/>
+        <a:srgbClr val="70ad47"/>
       </a:accent6>
       <a:hlink>
-        <a:srgbClr val="0563C1"/>
+        <a:srgbClr val="0563c1"/>
       </a:hlink>
       <a:folHlink>
-        <a:srgbClr val="954F72"/>
+        <a:srgbClr val="954f72"/>
       </a:folHlink>
     </a:clrScheme>
     <a:fontScheme name="Office">
       <a:majorFont>
-        <a:latin typeface="맑은 고딕" panose="020F0302020204030204"/>
+        <a:latin typeface="맑은 고딕" panose="20"/>
         <a:ea typeface=""/>
         <a:cs typeface=""/>
-        <a:font script="Jpan" typeface="游ゴシック Light"/>
+        <a:font script="Jpan" typeface="Yu Gothic Light"/>
         <a:font script="Hang" typeface="맑은 고딕"/>
         <a:font script="Hans" typeface="等线 Light"/>
         <a:font script="Hant" typeface="新細明體"/>
@@ -9993,10 +10117,10 @@
         <a:font script="Tfng" typeface="Ebrima"/>
       </a:majorFont>
       <a:minorFont>
-        <a:latin typeface="맑은 고딕" panose="020F0502020204030204"/>
+        <a:latin typeface="맑은 고딕" panose="20"/>
         <a:ea typeface=""/>
         <a:cs typeface=""/>
-        <a:font script="Jpan" typeface="游ゴシック"/>
+        <a:font script="Jpan" typeface="Yu Gothic"/>
         <a:font script="Hang" typeface="맑은 고딕"/>
         <a:font script="Hans" typeface="等线"/>
         <a:font script="Hant" typeface="新細明體"/>
@@ -10109,21 +10233,21 @@
             <a:schemeClr val="phClr"/>
           </a:solidFill>
           <a:prstDash val="solid"/>
-          <a:miter lim="800000"/>
+          <a:miter/>
         </a:ln>
         <a:ln w="12700" cap="flat" cmpd="sng" algn="ctr">
           <a:solidFill>
             <a:schemeClr val="phClr"/>
           </a:solidFill>
           <a:prstDash val="solid"/>
-          <a:miter lim="800000"/>
+          <a:miter/>
         </a:ln>
         <a:ln w="19050" cap="flat" cmpd="sng" algn="ctr">
           <a:solidFill>
             <a:schemeClr val="phClr"/>
           </a:solidFill>
           <a:prstDash val="solid"/>
-          <a:miter lim="800000"/>
+          <a:miter/>
         </a:ln>
       </a:lnStyleLst>
       <a:effectStyleLst>
@@ -10183,63 +10307,56 @@
       </a:bgFillStyleLst>
     </a:fmtScheme>
   </a:themeElements>
-  <a:objectDefaults/>
-  <a:extraClrSchemeLst/>
-  <a:extLst>
-    <a:ext uri="{05A4C25C-085E-4340-85A3-A5531E510DB2}">
-      <thm15:themeFamily xmlns:thm15="http://schemas.microsoft.com/office/thememl/2012/main" name="Office Theme" id="{62F939B6-93AF-4DB8-9C6B-D6C7DFDC589F}" vid="{4A3C46E8-61CC-4603-A589-7422A47A8E4A}"/>
-    </a:ext>
-  </a:extLst>
 </a:theme>
 </file>
 
 <file path=ppt/theme/theme2.xml><?xml version="1.0" encoding="utf-8"?>
-<a:theme xmlns:a="http://schemas.openxmlformats.org/drawingml/2006/main" name="Office 테마">
+<a:theme xmlns:r="http://schemas.openxmlformats.org/officeDocument/2006/relationships" xmlns:c="http://schemas.openxmlformats.org/drawingml/2006/chart" xmlns:dgm="http://schemas.openxmlformats.org/drawingml/2006/diagram" xmlns:dsp="http://schemas.microsoft.com/office/drawing/2008/diagram" xmlns:a="http://schemas.openxmlformats.org/drawingml/2006/main" xmlns:pic="http://schemas.openxmlformats.org/drawingml/2006/picture" xmlns:wp="http://schemas.openxmlformats.org/drawingml/2006/wordprocessingDrawing" xmlns:xdr="http://schemas.openxmlformats.org/drawingml/2006/spreadsheetDrawing" xmlns:p="http://schemas.openxmlformats.org/presentationml/2006/main" name="Office 테마">
   <a:themeElements>
     <a:clrScheme name="Office">
       <a:dk1>
         <a:sysClr val="windowText" lastClr="000000"/>
       </a:dk1>
       <a:lt1>
-        <a:sysClr val="window" lastClr="FFFFFF"/>
+        <a:sysClr val="window" lastClr="ffffff"/>
       </a:lt1>
       <a:dk2>
-        <a:srgbClr val="44546A"/>
+        <a:srgbClr val="44546a"/>
       </a:dk2>
       <a:lt2>
-        <a:srgbClr val="E7E6E6"/>
+        <a:srgbClr val="e7e6e6"/>
       </a:lt2>
       <a:accent1>
-        <a:srgbClr val="4472C4"/>
+        <a:srgbClr val="4472c4"/>
       </a:accent1>
       <a:accent2>
-        <a:srgbClr val="ED7D31"/>
+        <a:srgbClr val="ed7d31"/>
       </a:accent2>
       <a:accent3>
-        <a:srgbClr val="A5A5A5"/>
+        <a:srgbClr val="a5a5a5"/>
       </a:accent3>
       <a:accent4>
-        <a:srgbClr val="FFC000"/>
+        <a:srgbClr val="ffc000"/>
       </a:accent4>
       <a:accent5>
-        <a:srgbClr val="5B9BD5"/>
+        <a:srgbClr val="5b9bd5"/>
       </a:accent5>
       <a:accent6>
-        <a:srgbClr val="70AD47"/>
+        <a:srgbClr val="70ad47"/>
       </a:accent6>
       <a:hlink>
-        <a:srgbClr val="0563C1"/>
+        <a:srgbClr val="0563c1"/>
       </a:hlink>
       <a:folHlink>
-        <a:srgbClr val="954F72"/>
+        <a:srgbClr val="954f72"/>
       </a:folHlink>
     </a:clrScheme>
     <a:fontScheme name="Office">
       <a:majorFont>
-        <a:latin typeface="맑은 고딕" panose="020F0302020204030204"/>
+        <a:latin typeface="맑은 고딕" panose="20"/>
         <a:ea typeface=""/>
         <a:cs typeface=""/>
-        <a:font script="Jpan" typeface="游ゴシック Light"/>
+        <a:font script="Jpan" typeface="Yu Gothic Light"/>
         <a:font script="Hang" typeface="맑은 고딕"/>
         <a:font script="Hans" typeface="等线 Light"/>
         <a:font script="Hant" typeface="新細明體"/>
@@ -10288,10 +10405,10 @@
         <a:font script="Tfng" typeface="Ebrima"/>
       </a:majorFont>
       <a:minorFont>
-        <a:latin typeface="맑은 고딕" panose="020F0502020204030204"/>
+        <a:latin typeface="맑은 고딕" panose="20"/>
         <a:ea typeface=""/>
         <a:cs typeface=""/>
-        <a:font script="Jpan" typeface="游ゴシック"/>
+        <a:font script="Jpan" typeface="Yu Gothic"/>
         <a:font script="Hang" typeface="맑은 고딕"/>
         <a:font script="Hans" typeface="等线"/>
         <a:font script="Hant" typeface="新細明體"/>
@@ -10404,21 +10521,21 @@
             <a:schemeClr val="phClr"/>
           </a:solidFill>
           <a:prstDash val="solid"/>
-          <a:miter lim="800000"/>
+          <a:miter/>
         </a:ln>
         <a:ln w="12700" cap="flat" cmpd="sng" algn="ctr">
           <a:solidFill>
             <a:schemeClr val="phClr"/>
           </a:solidFill>
           <a:prstDash val="solid"/>
-          <a:miter lim="800000"/>
+          <a:miter/>
         </a:ln>
         <a:ln w="19050" cap="flat" cmpd="sng" algn="ctr">
           <a:solidFill>
             <a:schemeClr val="phClr"/>
           </a:solidFill>
           <a:prstDash val="solid"/>
-          <a:miter lim="800000"/>
+          <a:miter/>
         </a:ln>
       </a:lnStyleLst>
       <a:effectStyleLst>
@@ -10478,12 +10595,5 @@
       </a:bgFillStyleLst>
     </a:fmtScheme>
   </a:themeElements>
-  <a:objectDefaults/>
-  <a:extraClrSchemeLst/>
-  <a:extLst>
-    <a:ext uri="{05A4C25C-085E-4340-85A3-A5531E510DB2}">
-      <thm15:themeFamily xmlns:thm15="http://schemas.microsoft.com/office/thememl/2012/main" name="Office Theme" id="{62F939B6-93AF-4DB8-9C6B-D6C7DFDC589F}" vid="{4A3C46E8-61CC-4603-A589-7422A47A8E4A}"/>
-    </a:ext>
-  </a:extLst>
 </a:theme>
 </file>
--- a/0. document/5. PPT/0. 프로젝트 주제.pptx
+++ b/0. document/5. PPT/0. 프로젝트 주제.pptx
@@ -1,27 +1,27 @@
 
 <file path=ppt/presentation.xml><?xml version="1.0" encoding="utf-8"?>
-<p:presentation xmlns:r="http://schemas.openxmlformats.org/officeDocument/2006/relationships" xmlns:c="http://schemas.openxmlformats.org/drawingml/2006/chart" xmlns:a="http://schemas.openxmlformats.org/drawingml/2006/main" xmlns:dgm="http://schemas.openxmlformats.org/drawingml/2006/diagram" xmlns:dsp="http://schemas.microsoft.com/office/drawing/2008/diagram" xmlns:p="http://schemas.openxmlformats.org/presentationml/2006/main" showSpecialPlsOnTitleSld="0" saveSubsetFonts="1">
+<p:presentation xmlns:a="http://schemas.openxmlformats.org/drawingml/2006/main" xmlns:r="http://schemas.openxmlformats.org/officeDocument/2006/relationships" xmlns:p="http://schemas.openxmlformats.org/presentationml/2006/main" showSpecialPlsOnTitleSld="0" saveSubsetFonts="1">
   <p:sldMasterIdLst>
     <p:sldMasterId id="2147483663" r:id="rId1"/>
   </p:sldMasterIdLst>
   <p:notesMasterIdLst>
-    <p:notesMasterId r:id="rId2"/>
+    <p:notesMasterId r:id="rId16"/>
   </p:notesMasterIdLst>
   <p:sldIdLst>
-    <p:sldId id="256" r:id="rId3"/>
-    <p:sldId id="257" r:id="rId4"/>
-    <p:sldId id="258" r:id="rId5"/>
-    <p:sldId id="259" r:id="rId6"/>
-    <p:sldId id="260" r:id="rId7"/>
-    <p:sldId id="261" r:id="rId8"/>
-    <p:sldId id="262" r:id="rId9"/>
-    <p:sldId id="263" r:id="rId10"/>
-    <p:sldId id="264" r:id="rId11"/>
-    <p:sldId id="265" r:id="rId12"/>
-    <p:sldId id="266" r:id="rId13"/>
-    <p:sldId id="267" r:id="rId14"/>
-    <p:sldId id="268" r:id="rId15"/>
-    <p:sldId id="269" r:id="rId16"/>
+    <p:sldId id="256" r:id="rId2"/>
+    <p:sldId id="257" r:id="rId3"/>
+    <p:sldId id="258" r:id="rId4"/>
+    <p:sldId id="259" r:id="rId5"/>
+    <p:sldId id="260" r:id="rId6"/>
+    <p:sldId id="261" r:id="rId7"/>
+    <p:sldId id="262" r:id="rId8"/>
+    <p:sldId id="263" r:id="rId9"/>
+    <p:sldId id="264" r:id="rId10"/>
+    <p:sldId id="265" r:id="rId11"/>
+    <p:sldId id="266" r:id="rId12"/>
+    <p:sldId id="267" r:id="rId13"/>
+    <p:sldId id="268" r:id="rId14"/>
+    <p:sldId id="269" r:id="rId15"/>
   </p:sldIdLst>
   <p:sldSz cx="12192000" cy="6858000"/>
   <p:notesSz cx="6858000" cy="9144000"/>
@@ -120,11 +120,16 @@
       </a:defRPr>
     </a:lvl9pPr>
   </p:defaultTextStyle>
+  <p:extLst>
+    <p:ext uri="{EFAFB233-063F-42B5-8137-9DF3F51BA10A}">
+      <p15:sldGuideLst xmlns:p15="http://schemas.microsoft.com/office/powerpoint/2012/main"/>
+    </p:ext>
+  </p:extLst>
 </p:presentation>
 </file>
 
 <file path=ppt/notesMasters/notesMaster1.xml><?xml version="1.0" encoding="utf-8"?>
-<p:notesMaster xmlns:r="http://schemas.openxmlformats.org/officeDocument/2006/relationships" xmlns:c="http://schemas.openxmlformats.org/drawingml/2006/chart" xmlns:a="http://schemas.openxmlformats.org/drawingml/2006/main" xmlns:dgm="http://schemas.openxmlformats.org/drawingml/2006/diagram" xmlns:dsp="http://schemas.microsoft.com/office/drawing/2008/diagram" xmlns:p="http://schemas.openxmlformats.org/presentationml/2006/main">
+<p:notesMaster xmlns:a="http://schemas.openxmlformats.org/drawingml/2006/main" xmlns:r="http://schemas.openxmlformats.org/officeDocument/2006/relationships" xmlns:p="http://schemas.openxmlformats.org/presentationml/2006/main">
   <p:cSld>
     <p:bg>
       <p:bgRef idx="1001">
@@ -152,7 +157,7 @@
             <a:spLocks noGrp="1"/>
           </p:cNvSpPr>
           <p:nvPr>
-            <p:ph type="hdr" sz="quarter" idx="0"/>
+            <p:ph type="hdr" sz="quarter"/>
           </p:nvPr>
         </p:nvSpPr>
         <p:spPr>
@@ -175,10 +180,6 @@
             <a:pPr lvl="0">
               <a:defRPr/>
             </a:pPr>
-            <a:r>
-              <a:rPr lang="ko-KR" altLang="en-US"/>
-              <a:t/>
-            </a:r>
             <a:endParaRPr lang="ko-KR" altLang="en-US"/>
           </a:p>
         </p:txBody>
@@ -218,7 +219,7 @@
               <a:pPr lvl="0">
                 <a:defRPr/>
               </a:pPr>
-              <a:t>2019-03-18</a:t>
+              <a:t>2019-03-19</a:t>
             </a:fld>
             <a:endParaRPr lang="ko-KR" altLang="en-US"/>
           </a:p>
@@ -290,7 +291,6 @@
               <a:rPr lang="ko-KR" altLang="en-US"/>
               <a:t>마스터 텍스트 스타일을 편집하려면 클릭</a:t>
             </a:r>
-            <a:endParaRPr lang="ko-KR" altLang="en-US"/>
           </a:p>
           <a:p>
             <a:pPr lvl="1">
@@ -300,7 +300,6 @@
               <a:rPr lang="ko-KR" altLang="en-US"/>
               <a:t>두 번째 수준</a:t>
             </a:r>
-            <a:endParaRPr lang="ko-KR" altLang="en-US"/>
           </a:p>
           <a:p>
             <a:pPr lvl="2">
@@ -310,7 +309,6 @@
               <a:rPr lang="ko-KR" altLang="en-US"/>
               <a:t>세 번째 수준</a:t>
             </a:r>
-            <a:endParaRPr lang="ko-KR" altLang="en-US"/>
           </a:p>
           <a:p>
             <a:pPr lvl="3">
@@ -320,7 +318,6 @@
               <a:rPr lang="ko-KR" altLang="en-US"/>
               <a:t>네 번째 수준</a:t>
             </a:r>
-            <a:endParaRPr lang="ko-KR" altLang="en-US"/>
           </a:p>
           <a:p>
             <a:pPr lvl="4">
@@ -330,7 +327,6 @@
               <a:rPr lang="ko-KR" altLang="en-US"/>
               <a:t>다섯 번째 수준</a:t>
             </a:r>
-            <a:endParaRPr lang="ko-KR" altLang="en-US"/>
           </a:p>
         </p:txBody>
       </p:sp>
@@ -364,10 +360,6 @@
             <a:pPr lvl="0">
               <a:defRPr/>
             </a:pPr>
-            <a:r>
-              <a:rPr lang="ko-KR" altLang="en-US"/>
-              <a:t/>
-            </a:r>
             <a:endParaRPr lang="ko-KR" altLang="en-US"/>
           </a:p>
         </p:txBody>
@@ -513,7 +505,7 @@
 </file>
 
 <file path=ppt/notesSlides/notesSlide1.xml><?xml version="1.0" encoding="utf-8"?>
-<p:notes xmlns:r="http://schemas.openxmlformats.org/officeDocument/2006/relationships" xmlns:c="http://schemas.openxmlformats.org/drawingml/2006/chart" xmlns:a="http://schemas.openxmlformats.org/drawingml/2006/main" xmlns:dgm="http://schemas.openxmlformats.org/drawingml/2006/diagram" xmlns:dsp="http://schemas.microsoft.com/office/drawing/2008/diagram" xmlns:p="http://schemas.openxmlformats.org/presentationml/2006/main">
+<p:notes xmlns:a="http://schemas.openxmlformats.org/drawingml/2006/main" xmlns:r="http://schemas.openxmlformats.org/officeDocument/2006/relationships" xmlns:p="http://schemas.openxmlformats.org/presentationml/2006/main">
   <p:cSld>
     <p:spTree>
       <p:nvGrpSpPr>
@@ -536,7 +528,7 @@
             <a:spLocks noGrp="1" noRot="1" noChangeAspect="1" noTextEdit="1"/>
           </p:cNvSpPr>
           <p:nvPr>
-            <p:ph type="sldImg" idx="0"/>
+            <p:ph type="sldImg"/>
           </p:nvPr>
         </p:nvSpPr>
         <p:spPr/>
@@ -559,10 +551,6 @@
             <a:pPr lvl="0">
               <a:defRPr/>
             </a:pPr>
-            <a:r>
-              <a:rPr lang="ko-KR" altLang="en-US"/>
-              <a:t/>
-            </a:r>
             <a:endParaRPr lang="ko-KR" altLang="en-US"/>
           </a:p>
         </p:txBody>
@@ -605,7 +593,7 @@
 </file>
 
 <file path=ppt/notesSlides/notesSlide2.xml><?xml version="1.0" encoding="utf-8"?>
-<p:notes xmlns:r="http://schemas.openxmlformats.org/officeDocument/2006/relationships" xmlns:c="http://schemas.openxmlformats.org/drawingml/2006/chart" xmlns:a="http://schemas.openxmlformats.org/drawingml/2006/main" xmlns:dgm="http://schemas.openxmlformats.org/drawingml/2006/diagram" xmlns:dsp="http://schemas.microsoft.com/office/drawing/2008/diagram" xmlns:p="http://schemas.openxmlformats.org/presentationml/2006/main">
+<p:notes xmlns:a="http://schemas.openxmlformats.org/drawingml/2006/main" xmlns:r="http://schemas.openxmlformats.org/officeDocument/2006/relationships" xmlns:p="http://schemas.openxmlformats.org/presentationml/2006/main">
   <p:cSld>
     <p:spTree>
       <p:nvGrpSpPr>
@@ -628,7 +616,7 @@
             <a:spLocks noGrp="1" noRot="1" noChangeAspect="1" noTextEdit="1"/>
           </p:cNvSpPr>
           <p:nvPr>
-            <p:ph type="sldImg" idx="0"/>
+            <p:ph type="sldImg"/>
           </p:nvPr>
         </p:nvSpPr>
         <p:spPr/>
@@ -651,10 +639,6 @@
             <a:pPr lvl="0">
               <a:defRPr/>
             </a:pPr>
-            <a:r>
-              <a:rPr lang="ko-KR" altLang="en-US"/>
-              <a:t/>
-            </a:r>
             <a:endParaRPr lang="ko-KR" altLang="en-US"/>
           </a:p>
         </p:txBody>
@@ -697,7 +681,7 @@
 </file>
 
 <file path=ppt/notesSlides/notesSlide3.xml><?xml version="1.0" encoding="utf-8"?>
-<p:notes xmlns:r="http://schemas.openxmlformats.org/officeDocument/2006/relationships" xmlns:c="http://schemas.openxmlformats.org/drawingml/2006/chart" xmlns:a="http://schemas.openxmlformats.org/drawingml/2006/main" xmlns:dgm="http://schemas.openxmlformats.org/drawingml/2006/diagram" xmlns:dsp="http://schemas.microsoft.com/office/drawing/2008/diagram" xmlns:p="http://schemas.openxmlformats.org/presentationml/2006/main">
+<p:notes xmlns:a="http://schemas.openxmlformats.org/drawingml/2006/main" xmlns:r="http://schemas.openxmlformats.org/officeDocument/2006/relationships" xmlns:p="http://schemas.openxmlformats.org/presentationml/2006/main">
   <p:cSld>
     <p:spTree>
       <p:nvGrpSpPr>
@@ -720,7 +704,7 @@
             <a:spLocks noGrp="1" noRot="1" noChangeAspect="1" noTextEdit="1"/>
           </p:cNvSpPr>
           <p:nvPr>
-            <p:ph type="sldImg" idx="0"/>
+            <p:ph type="sldImg"/>
           </p:nvPr>
         </p:nvSpPr>
         <p:spPr/>
@@ -763,15 +747,6 @@
               </a:rPr>
               <a:t>배경 및 필요성</a:t>
             </a:r>
-            <a:endParaRPr lang="ko-KR" altLang="en-US" sz="1200" b="0" i="0" u="none" strike="noStrike" kern="1200">
-              <a:solidFill>
-                <a:schemeClr val="tx1"/>
-              </a:solidFill>
-              <a:effectLst/>
-              <a:latin typeface="+mn-lt"/>
-              <a:ea typeface="+mn-ea"/>
-              <a:cs typeface="+mn-cs"/>
-            </a:endParaRPr>
           </a:p>
           <a:p>
             <a:pPr lvl="2" rtl="0">
@@ -825,15 +800,6 @@
               </a:rPr>
               <a:t>.</a:t>
             </a:r>
-            <a:endParaRPr lang="en-US" altLang="ko-KR" sz="1200" b="0" i="0" u="none" strike="noStrike" kern="1200">
-              <a:solidFill>
-                <a:schemeClr val="tx1"/>
-              </a:solidFill>
-              <a:effectLst/>
-              <a:latin typeface="+mn-lt"/>
-              <a:ea typeface="+mn-ea"/>
-              <a:cs typeface="+mn-cs"/>
-            </a:endParaRPr>
           </a:p>
           <a:p>
             <a:pPr lvl="3" rtl="0">
@@ -875,15 +841,6 @@
               </a:rPr>
               <a:t>및 식별을 하여 소통 장애 문제 해결 필요 </a:t>
             </a:r>
-            <a:endParaRPr lang="ko-KR" altLang="en-US" sz="1200" b="0" i="0" u="none" strike="noStrike" kern="1200">
-              <a:solidFill>
-                <a:schemeClr val="tx1"/>
-              </a:solidFill>
-              <a:effectLst/>
-              <a:latin typeface="+mn-lt"/>
-              <a:ea typeface="+mn-ea"/>
-              <a:cs typeface="+mn-cs"/>
-            </a:endParaRPr>
           </a:p>
           <a:p>
             <a:pPr lvl="3" rtl="0">
@@ -925,15 +882,6 @@
               </a:rPr>
               <a:t>관리가 필요</a:t>
             </a:r>
-            <a:endParaRPr lang="ko-KR" altLang="en-US" sz="1200" b="0" i="0" u="none" strike="noStrike" kern="1200">
-              <a:solidFill>
-                <a:schemeClr val="tx1"/>
-              </a:solidFill>
-              <a:effectLst/>
-              <a:latin typeface="+mn-lt"/>
-              <a:ea typeface="+mn-ea"/>
-              <a:cs typeface="+mn-cs"/>
-            </a:endParaRPr>
           </a:p>
           <a:p>
             <a:pPr lvl="3" rtl="0">
@@ -951,15 +899,6 @@
               </a:rPr>
               <a:t>사용자가 주제별로 쉽게 대화를 구성할 수 있고 그룹 구성원을 관리 할 수 있는 기능을 제공할 필요성</a:t>
             </a:r>
-            <a:endParaRPr lang="ko-KR" altLang="en-US" sz="1200" b="0" i="0" u="none" strike="noStrike" kern="1200">
-              <a:solidFill>
-                <a:schemeClr val="tx1"/>
-              </a:solidFill>
-              <a:effectLst/>
-              <a:latin typeface="+mn-lt"/>
-              <a:ea typeface="+mn-ea"/>
-              <a:cs typeface="+mn-cs"/>
-            </a:endParaRPr>
           </a:p>
           <a:p>
             <a:pPr lvl="2" rtl="0">
@@ -1013,15 +952,6 @@
               </a:rPr>
               <a:t>.</a:t>
             </a:r>
-            <a:endParaRPr lang="en-US" altLang="ko-KR" sz="1200" b="0" i="0" u="none" strike="noStrike" kern="1200">
-              <a:solidFill>
-                <a:schemeClr val="tx1"/>
-              </a:solidFill>
-              <a:effectLst/>
-              <a:latin typeface="+mn-lt"/>
-              <a:ea typeface="+mn-ea"/>
-              <a:cs typeface="+mn-cs"/>
-            </a:endParaRPr>
           </a:p>
           <a:p>
             <a:pPr lvl="2" rtl="0">
@@ -1051,15 +981,6 @@
               </a:rPr>
               <a:t>.</a:t>
             </a:r>
-            <a:endParaRPr lang="en-US" altLang="ko-KR" sz="1200" b="0" i="0" u="none" strike="noStrike" kern="1200">
-              <a:solidFill>
-                <a:schemeClr val="tx1"/>
-              </a:solidFill>
-              <a:effectLst/>
-              <a:latin typeface="+mn-lt"/>
-              <a:ea typeface="+mn-ea"/>
-              <a:cs typeface="+mn-cs"/>
-            </a:endParaRPr>
           </a:p>
           <a:p>
             <a:pPr lvl="1" rtl="0">
@@ -1077,15 +998,6 @@
               </a:rPr>
               <a:t>목적</a:t>
             </a:r>
-            <a:endParaRPr lang="ko-KR" altLang="en-US" sz="1200" b="0" i="0" u="none" strike="noStrike" kern="1200">
-              <a:solidFill>
-                <a:schemeClr val="tx1"/>
-              </a:solidFill>
-              <a:effectLst/>
-              <a:latin typeface="+mn-lt"/>
-              <a:ea typeface="+mn-ea"/>
-              <a:cs typeface="+mn-cs"/>
-            </a:endParaRPr>
           </a:p>
           <a:p>
             <a:pPr lvl="2" rtl="0">
@@ -1139,15 +1051,6 @@
               </a:rPr>
               <a:t>. </a:t>
             </a:r>
-            <a:endParaRPr lang="en-US" altLang="ko-KR" sz="1200" b="0" i="0" u="none" strike="noStrike" kern="1200">
-              <a:solidFill>
-                <a:schemeClr val="tx1"/>
-              </a:solidFill>
-              <a:effectLst/>
-              <a:latin typeface="+mn-lt"/>
-              <a:ea typeface="+mn-ea"/>
-              <a:cs typeface="+mn-cs"/>
-            </a:endParaRPr>
           </a:p>
           <a:p>
             <a:pPr lvl="2" rtl="0">
@@ -1165,15 +1068,6 @@
               </a:rPr>
               <a:t>채팅에 커뮤니티의 카테고리를 융합하여 대화의 목표에 집중할 수 있는 환경 조성</a:t>
             </a:r>
-            <a:endParaRPr lang="ko-KR" altLang="en-US" sz="1200" b="0" i="0" u="none" strike="noStrike" kern="1200">
-              <a:solidFill>
-                <a:schemeClr val="tx1"/>
-              </a:solidFill>
-              <a:effectLst/>
-              <a:latin typeface="+mn-lt"/>
-              <a:ea typeface="+mn-ea"/>
-              <a:cs typeface="+mn-cs"/>
-            </a:endParaRPr>
           </a:p>
           <a:p>
             <a:pPr lvl="2" rtl="0">
@@ -1203,15 +1097,6 @@
               </a:rPr>
               <a:t>.</a:t>
             </a:r>
-            <a:endParaRPr lang="en-US" altLang="ko-KR" sz="1200" b="0" i="0" u="none" strike="noStrike" kern="1200">
-              <a:solidFill>
-                <a:schemeClr val="tx1"/>
-              </a:solidFill>
-              <a:effectLst/>
-              <a:latin typeface="+mn-lt"/>
-              <a:ea typeface="+mn-ea"/>
-              <a:cs typeface="+mn-cs"/>
-            </a:endParaRPr>
           </a:p>
           <a:p>
             <a:pPr lvl="0">
@@ -1259,7 +1144,7 @@
 </file>
 
 <file path=ppt/notesSlides/notesSlide4.xml><?xml version="1.0" encoding="utf-8"?>
-<p:notes xmlns:r="http://schemas.openxmlformats.org/officeDocument/2006/relationships" xmlns:c="http://schemas.openxmlformats.org/drawingml/2006/chart" xmlns:a="http://schemas.openxmlformats.org/drawingml/2006/main" xmlns:dgm="http://schemas.openxmlformats.org/drawingml/2006/diagram" xmlns:dsp="http://schemas.microsoft.com/office/drawing/2008/diagram" xmlns:p="http://schemas.openxmlformats.org/presentationml/2006/main">
+<p:notes xmlns:a="http://schemas.openxmlformats.org/drawingml/2006/main" xmlns:r="http://schemas.openxmlformats.org/officeDocument/2006/relationships" xmlns:p="http://schemas.openxmlformats.org/presentationml/2006/main">
   <p:cSld>
     <p:spTree>
       <p:nvGrpSpPr>
@@ -1282,7 +1167,7 @@
             <a:spLocks noGrp="1" noRot="1" noChangeAspect="1" noTextEdit="1"/>
           </p:cNvSpPr>
           <p:nvPr>
-            <p:ph type="sldImg" idx="0"/>
+            <p:ph type="sldImg"/>
           </p:nvPr>
         </p:nvSpPr>
         <p:spPr/>
@@ -1517,7 +1402,7 @@
           <a:p>
             <a:fld id="{29F15912-DF5E-4479-8ABA-4F9CDA3ED278}" type="datetime1">
               <a:rPr lang="ko-KR" altLang="en-US" smtClean="0"/>
-              <a:t>2019-03-14</a:t>
+              <a:t>2019-03-19</a:t>
             </a:fld>
             <a:endParaRPr lang="ko-KR" altLang="en-US"/>
           </a:p>
@@ -1747,7 +1632,7 @@
           <a:p>
             <a:fld id="{8EFF1178-C9DA-4A17-935F-3345920E04A4}" type="datetime1">
               <a:rPr lang="ko-KR" altLang="en-US" smtClean="0"/>
-              <a:t>2019-03-14</a:t>
+              <a:t>2019-03-19</a:t>
             </a:fld>
             <a:endParaRPr lang="ko-KR" altLang="en-US"/>
           </a:p>
@@ -1955,7 +1840,7 @@
           <a:p>
             <a:fld id="{4FDCB9C2-06B3-41DA-922C-914583460BB4}" type="datetime1">
               <a:rPr lang="ko-KR" altLang="en-US" smtClean="0"/>
-              <a:t>2019-03-14</a:t>
+              <a:t>2019-03-19</a:t>
             </a:fld>
             <a:endParaRPr lang="ko-KR" altLang="en-US"/>
           </a:p>
@@ -2490,7 +2375,7 @@
           <a:p>
             <a:fld id="{04A7FE38-C1AE-4297-8975-73AC936CB7DB}" type="datetime1">
               <a:rPr lang="ko-KR" altLang="en-US" smtClean="0"/>
-              <a:t>2019-03-14</a:t>
+              <a:t>2019-03-19</a:t>
             </a:fld>
             <a:endParaRPr lang="ko-KR" altLang="en-US"/>
           </a:p>
@@ -2755,7 +2640,7 @@
           <a:p>
             <a:fld id="{5C827732-E306-466E-9D6C-0D747ECB1B5A}" type="datetime1">
               <a:rPr lang="ko-KR" altLang="en-US" smtClean="0"/>
-              <a:t>2019-03-14</a:t>
+              <a:t>2019-03-19</a:t>
             </a:fld>
             <a:endParaRPr lang="ko-KR" altLang="en-US"/>
           </a:p>
@@ -3167,7 +3052,7 @@
           <a:p>
             <a:fld id="{4CEC7976-A2BB-4DE3-A696-E4E3541EFEEF}" type="datetime1">
               <a:rPr lang="ko-KR" altLang="en-US" smtClean="0"/>
-              <a:t>2019-03-14</a:t>
+              <a:t>2019-03-19</a:t>
             </a:fld>
             <a:endParaRPr lang="ko-KR" altLang="en-US"/>
           </a:p>
@@ -3308,7 +3193,7 @@
           <a:p>
             <a:fld id="{318AF65D-C257-4286-B463-075C93CF8C96}" type="datetime1">
               <a:rPr lang="ko-KR" altLang="en-US" smtClean="0"/>
-              <a:t>2019-03-14</a:t>
+              <a:t>2019-03-19</a:t>
             </a:fld>
             <a:endParaRPr lang="ko-KR" altLang="en-US"/>
           </a:p>
@@ -3453,7 +3338,7 @@
           <a:p>
             <a:fld id="{0AA42013-848C-4A3F-86D3-B475240CD4F5}" type="datetime1">
               <a:rPr lang="ko-KR" altLang="en-US" smtClean="0"/>
-              <a:t>2019-03-14</a:t>
+              <a:t>2019-03-19</a:t>
             </a:fld>
             <a:endParaRPr lang="ko-KR" altLang="en-US"/>
           </a:p>
@@ -3895,7 +3780,7 @@
           <a:p>
             <a:fld id="{C997F6DB-815A-473E-81D5-DD0145FF2881}" type="datetime1">
               <a:rPr lang="ko-KR" altLang="en-US" smtClean="0"/>
-              <a:t>2019-03-14</a:t>
+              <a:t>2019-03-19</a:t>
             </a:fld>
             <a:endParaRPr lang="ko-KR" altLang="en-US"/>
           </a:p>
@@ -4183,7 +4068,7 @@
           <a:p>
             <a:fld id="{E15BBF43-EF0F-4A85-AEE0-1C2B102823CB}" type="datetime1">
               <a:rPr lang="ko-KR" altLang="en-US" smtClean="0"/>
-              <a:t>2019-03-14</a:t>
+              <a:t>2019-03-19</a:t>
             </a:fld>
             <a:endParaRPr lang="ko-KR" altLang="en-US"/>
           </a:p>
@@ -4424,7 +4309,7 @@
           <a:p>
             <a:fld id="{4041896F-2038-4C9C-A491-E790942C54F5}" type="datetime1">
               <a:rPr lang="ko-KR" altLang="en-US" smtClean="0"/>
-              <a:t>2019-03-14</a:t>
+              <a:t>2019-03-19</a:t>
             </a:fld>
             <a:endParaRPr lang="ko-KR" altLang="en-US"/>
           </a:p>
@@ -4826,7 +4711,7 @@
 </file>
 
 <file path=ppt/slides/slide1.xml><?xml version="1.0" encoding="utf-8"?>
-<p:sld xmlns:r="http://schemas.openxmlformats.org/officeDocument/2006/relationships" xmlns:c="http://schemas.openxmlformats.org/drawingml/2006/chart" xmlns:a="http://schemas.openxmlformats.org/drawingml/2006/main" xmlns:dgm="http://schemas.openxmlformats.org/drawingml/2006/diagram" xmlns:dsp="http://schemas.microsoft.com/office/drawing/2008/diagram" xmlns:p="http://schemas.openxmlformats.org/presentationml/2006/main">
+<p:sld xmlns:a="http://schemas.openxmlformats.org/drawingml/2006/main" xmlns:r="http://schemas.openxmlformats.org/officeDocument/2006/relationships" xmlns:p="http://schemas.openxmlformats.org/presentationml/2006/main">
   <p:cSld>
     <p:spTree>
       <p:nvGrpSpPr>
@@ -4849,7 +4734,7 @@
             <a:spLocks noGrp="1"/>
           </p:cNvSpPr>
           <p:nvPr>
-            <p:ph type="ctrTitle" idx="0"/>
+            <p:ph type="ctrTitle"/>
           </p:nvPr>
         </p:nvSpPr>
         <p:spPr/>
@@ -4864,7 +4749,6 @@
               <a:rPr lang="ko-KR" altLang="en-US"/>
               <a:t>지도 기반 채팅 커뮤니티</a:t>
             </a:r>
-            <a:endParaRPr lang="ko-KR" altLang="en-US"/>
           </a:p>
         </p:txBody>
       </p:sp>
@@ -4915,7 +4799,6 @@
               <a:rPr lang="en-US" altLang="ko-KR" sz="2000"/>
               <a:t>(32160974)</a:t>
             </a:r>
-            <a:endParaRPr lang="en-US" altLang="ko-KR" sz="2000"/>
           </a:p>
           <a:p>
             <a:pPr lvl="0">
@@ -4929,7 +4812,6 @@
               <a:rPr lang="en-US" altLang="ko-KR" sz="2000"/>
               <a:t>(32151495)</a:t>
             </a:r>
-            <a:endParaRPr lang="en-US" altLang="ko-KR" sz="2000"/>
           </a:p>
           <a:p>
             <a:pPr lvl="0">
@@ -4944,11 +4826,11 @@
   <p:clrMapOvr>
     <a:masterClrMapping/>
   </p:clrMapOvr>
-  <mc:AlternateContent xmlns:mc="http://schemas.openxmlformats.org/markup-compatibility/2006">
-    <mc:Choice xmlns:p14="http://schemas.microsoft.com/office/powerpoint/2010/main" Requires="p14">
-      <p:transition xmlns:mc="http://schemas.openxmlformats.org/markup-compatibility/2006" xmlns:p14="http://schemas.microsoft.com/office/powerpoint/2010/main" mc:Ignorable="p14" p14:dur="500"/>
+  <mc:AlternateContent xmlns:mc="http://schemas.openxmlformats.org/markup-compatibility/2006" xmlns:p14="http://schemas.microsoft.com/office/powerpoint/2010/main">
+    <mc:Choice Requires="p14">
+      <p:transition/>
     </mc:Choice>
-    <mc:Fallback>
+    <mc:Fallback xmlns:dsp="http://schemas.microsoft.com/office/drawing/2008/diagram" xmlns:dgm="http://schemas.openxmlformats.org/drawingml/2006/diagram" xmlns:c="http://schemas.openxmlformats.org/drawingml/2006/chart" xmlns="">
       <p:transition/>
     </mc:Fallback>
   </mc:AlternateContent>
@@ -6465,7 +6347,7 @@
 </file>
 
 <file path=ppt/slides/slide13.xml><?xml version="1.0" encoding="utf-8"?>
-<p:sld xmlns:r="http://schemas.openxmlformats.org/officeDocument/2006/relationships" xmlns:c="http://schemas.openxmlformats.org/drawingml/2006/chart" xmlns:a="http://schemas.openxmlformats.org/drawingml/2006/main" xmlns:dgm="http://schemas.openxmlformats.org/drawingml/2006/diagram" xmlns:dsp="http://schemas.microsoft.com/office/drawing/2008/diagram" xmlns:p="http://schemas.openxmlformats.org/presentationml/2006/main">
+<p:sld xmlns:a="http://schemas.openxmlformats.org/drawingml/2006/main" xmlns:r="http://schemas.openxmlformats.org/officeDocument/2006/relationships" xmlns:p="http://schemas.openxmlformats.org/presentationml/2006/main">
   <p:cSld>
     <p:spTree>
       <p:nvGrpSpPr>
@@ -6503,7 +6385,6 @@
               <a:rPr lang="ko-KR" altLang="en-US"/>
               <a:t>협업하는 방법</a:t>
             </a:r>
-            <a:endParaRPr lang="ko-KR" altLang="en-US"/>
           </a:p>
           <a:p>
             <a:pPr marL="0" indent="0">
@@ -6520,7 +6401,6 @@
               <a:rPr lang="ko-KR" altLang="en-US"/>
               <a:t>개발환경</a:t>
             </a:r>
-            <a:endParaRPr lang="ko-KR" altLang="en-US"/>
           </a:p>
         </p:txBody>
       </p:sp>
@@ -6560,7 +6440,7 @@
             <a:spLocks noGrp="1"/>
           </p:cNvSpPr>
           <p:nvPr>
-            <p:ph type="title" idx="0"/>
+            <p:ph type="title"/>
           </p:nvPr>
         </p:nvSpPr>
         <p:spPr/>
@@ -6590,11 +6470,11 @@
   <p:clrMapOvr>
     <a:masterClrMapping/>
   </p:clrMapOvr>
-  <mc:AlternateContent xmlns:mc="http://schemas.openxmlformats.org/markup-compatibility/2006">
-    <mc:Choice xmlns:p14="http://schemas.microsoft.com/office/powerpoint/2010/main" Requires="p14">
-      <p:transition xmlns:mc="http://schemas.openxmlformats.org/markup-compatibility/2006" xmlns:p14="http://schemas.microsoft.com/office/powerpoint/2010/main" mc:Ignorable="p14" p14:dur="500"/>
+  <mc:AlternateContent xmlns:mc="http://schemas.openxmlformats.org/markup-compatibility/2006" xmlns:p14="http://schemas.microsoft.com/office/powerpoint/2010/main">
+    <mc:Choice Requires="p14">
+      <p:transition/>
     </mc:Choice>
-    <mc:Fallback>
+    <mc:Fallback xmlns:dsp="http://schemas.microsoft.com/office/drawing/2008/diagram" xmlns:dgm="http://schemas.openxmlformats.org/drawingml/2006/diagram" xmlns:c="http://schemas.openxmlformats.org/drawingml/2006/chart" xmlns="">
       <p:transition/>
     </mc:Fallback>
   </mc:AlternateContent>
@@ -6696,7 +6576,7 @@
 </file>
 
 <file path=ppt/slides/slide2.xml><?xml version="1.0" encoding="utf-8"?>
-<p:sld xmlns:r="http://schemas.openxmlformats.org/officeDocument/2006/relationships" xmlns:c="http://schemas.openxmlformats.org/drawingml/2006/chart" xmlns:a="http://schemas.openxmlformats.org/drawingml/2006/main" xmlns:dgm="http://schemas.openxmlformats.org/drawingml/2006/diagram" xmlns:dsp="http://schemas.microsoft.com/office/drawing/2008/diagram" xmlns:p="http://schemas.openxmlformats.org/presentationml/2006/main">
+<p:sld xmlns:a="http://schemas.openxmlformats.org/drawingml/2006/main" xmlns:r="http://schemas.openxmlformats.org/officeDocument/2006/relationships" xmlns:p="http://schemas.openxmlformats.org/presentationml/2006/main">
   <p:cSld>
     <p:spTree>
       <p:nvGrpSpPr>
@@ -6748,7 +6628,7 @@
             <a:spLocks noGrp="1"/>
           </p:cNvSpPr>
           <p:nvPr>
-            <p:ph type="title" idx="0"/>
+            <p:ph type="title"/>
           </p:nvPr>
         </p:nvSpPr>
         <p:spPr/>
@@ -6765,7 +6645,6 @@
               <a:rPr lang="ko-KR" altLang="en-US"/>
               <a:t>목차</a:t>
             </a:r>
-            <a:endParaRPr lang="ko-KR" altLang="en-US"/>
           </a:p>
         </p:txBody>
       </p:sp>
@@ -6807,7 +6686,6 @@
               <a:rPr lang="ko-KR" altLang="en-US" sz="4000"/>
               <a:t>팀 소개 </a:t>
             </a:r>
-            <a:endParaRPr lang="ko-KR" altLang="en-US" sz="4000"/>
           </a:p>
           <a:p>
             <a:pPr marL="742950" indent="-742950">
@@ -6826,7 +6704,6 @@
               <a:rPr lang="ko-KR" altLang="en-US" sz="4000"/>
               <a:t>아이디어 소개</a:t>
             </a:r>
-            <a:endParaRPr lang="ko-KR" altLang="en-US" sz="4000"/>
           </a:p>
           <a:p>
             <a:pPr marL="742950" indent="-742950">
@@ -6841,7 +6718,6 @@
               <a:rPr lang="ko-KR" altLang="en-US" sz="4000"/>
               <a:t> 시나리오</a:t>
             </a:r>
-            <a:endParaRPr lang="ko-KR" altLang="en-US" sz="4000"/>
           </a:p>
           <a:p>
             <a:pPr marL="742950" indent="-742950">
@@ -6856,7 +6732,6 @@
               <a:rPr lang="ko-KR" altLang="en-US" sz="4000"/>
               <a:t> 프로토타입</a:t>
             </a:r>
-            <a:endParaRPr lang="ko-KR" altLang="en-US" sz="4000"/>
           </a:p>
           <a:p>
             <a:pPr marL="514350" indent="-514350">
@@ -6873,11 +6748,11 @@
   <p:clrMapOvr>
     <a:masterClrMapping/>
   </p:clrMapOvr>
-  <mc:AlternateContent xmlns:mc="http://schemas.openxmlformats.org/markup-compatibility/2006">
-    <mc:Choice xmlns:p14="http://schemas.microsoft.com/office/powerpoint/2010/main" Requires="p14">
-      <p:transition xmlns:mc="http://schemas.openxmlformats.org/markup-compatibility/2006" xmlns:p14="http://schemas.microsoft.com/office/powerpoint/2010/main" mc:Ignorable="p14" p14:dur="500"/>
+  <mc:AlternateContent xmlns:mc="http://schemas.openxmlformats.org/markup-compatibility/2006" xmlns:p14="http://schemas.microsoft.com/office/powerpoint/2010/main">
+    <mc:Choice Requires="p14">
+      <p:transition/>
     </mc:Choice>
-    <mc:Fallback>
+    <mc:Fallback xmlns:dsp="http://schemas.microsoft.com/office/drawing/2008/diagram" xmlns:dgm="http://schemas.openxmlformats.org/drawingml/2006/diagram" xmlns:c="http://schemas.openxmlformats.org/drawingml/2006/chart" xmlns="">
       <p:transition/>
     </mc:Fallback>
   </mc:AlternateContent>
@@ -6885,7 +6760,7 @@
 </file>
 
 <file path=ppt/slides/slide3.xml><?xml version="1.0" encoding="utf-8"?>
-<p:sld xmlns:r="http://schemas.openxmlformats.org/officeDocument/2006/relationships" xmlns:c="http://schemas.openxmlformats.org/drawingml/2006/chart" xmlns:a="http://schemas.openxmlformats.org/drawingml/2006/main" xmlns:dgm="http://schemas.openxmlformats.org/drawingml/2006/diagram" xmlns:dsp="http://schemas.microsoft.com/office/drawing/2008/diagram" xmlns:p="http://schemas.openxmlformats.org/presentationml/2006/main">
+<p:sld xmlns:a="http://schemas.openxmlformats.org/drawingml/2006/main" xmlns:r="http://schemas.openxmlformats.org/officeDocument/2006/relationships" xmlns:p="http://schemas.openxmlformats.org/presentationml/2006/main">
   <p:cSld>
     <p:spTree>
       <p:nvGrpSpPr>
@@ -6937,7 +6812,7 @@
             <a:spLocks noGrp="1"/>
           </p:cNvSpPr>
           <p:nvPr>
-            <p:ph type="title" idx="0"/>
+            <p:ph type="title"/>
           </p:nvPr>
         </p:nvSpPr>
         <p:spPr/>
@@ -6954,7 +6829,6 @@
               <a:rPr lang="ko-KR" altLang="en-US"/>
               <a:t>팀소개</a:t>
             </a:r>
-            <a:endParaRPr lang="ko-KR" altLang="en-US"/>
           </a:p>
         </p:txBody>
       </p:sp>
@@ -6972,7 +6846,12 @@
           <a:prstGeom prst="ellipse">
             <a:avLst/>
           </a:prstGeom>
-          <a:noFill/>
+          <a:blipFill>
+            <a:blip r:embed="rId2"/>
+            <a:stretch>
+              <a:fillRect/>
+            </a:stretch>
+          </a:blipFill>
         </p:spPr>
         <p:style>
           <a:lnRef idx="2">
@@ -7016,7 +6895,7 @@
             <a:avLst/>
           </a:prstGeom>
           <a:blipFill rotWithShape="1">
-            <a:blip r:embed="rId2">
+            <a:blip r:embed="rId3">
               <a:alphaModFix/>
               <a:lum/>
             </a:blip>
@@ -7068,7 +6947,7 @@
             <a:avLst/>
           </a:prstGeom>
           <a:blipFill rotWithShape="1">
-            <a:blip r:embed="rId3"/>
+            <a:blip r:embed="rId4"/>
             <a:stretch>
               <a:fillRect/>
             </a:stretch>
@@ -7130,7 +7009,6 @@
               <a:rPr lang="ko-KR" altLang="en-US" sz="2400"/>
               <a:t>김장현</a:t>
             </a:r>
-            <a:endParaRPr lang="ko-KR" altLang="en-US" sz="2400"/>
           </a:p>
         </p:txBody>
       </p:sp>
@@ -7171,7 +7049,6 @@
               <a:rPr lang="ko-KR" altLang="en-US"/>
               <a:t>테스트</a:t>
             </a:r>
-            <a:endParaRPr lang="ko-KR" altLang="en-US"/>
           </a:p>
         </p:txBody>
       </p:sp>
@@ -7204,7 +7081,6 @@
               <a:rPr lang="ko-KR" altLang="en-US" sz="2400"/>
               <a:t>류다인</a:t>
             </a:r>
-            <a:endParaRPr lang="ko-KR" altLang="en-US" sz="2400"/>
           </a:p>
         </p:txBody>
       </p:sp>
@@ -7241,7 +7117,6 @@
               <a:rPr lang="ko-KR" altLang="en-US"/>
               <a:t>테스트</a:t>
             </a:r>
-            <a:endParaRPr lang="ko-KR" altLang="en-US"/>
           </a:p>
         </p:txBody>
       </p:sp>
@@ -7274,7 +7149,6 @@
               <a:rPr lang="ko-KR" altLang="en-US" sz="2400"/>
               <a:t>박은영</a:t>
             </a:r>
-            <a:endParaRPr lang="ko-KR" altLang="en-US" sz="2400"/>
           </a:p>
         </p:txBody>
       </p:sp>
@@ -7320,11 +7194,11 @@
   <p:clrMapOvr>
     <a:masterClrMapping/>
   </p:clrMapOvr>
-  <mc:AlternateContent xmlns:mc="http://schemas.openxmlformats.org/markup-compatibility/2006">
-    <mc:Choice xmlns:p14="http://schemas.microsoft.com/office/powerpoint/2010/main" Requires="p14">
-      <p:transition xmlns:mc="http://schemas.openxmlformats.org/markup-compatibility/2006" xmlns:p14="http://schemas.microsoft.com/office/powerpoint/2010/main" mc:Ignorable="p14" p14:dur="500"/>
+  <mc:AlternateContent xmlns:mc="http://schemas.openxmlformats.org/markup-compatibility/2006" xmlns:p14="http://schemas.microsoft.com/office/powerpoint/2010/main">
+    <mc:Choice Requires="p14">
+      <p:transition/>
     </mc:Choice>
-    <mc:Fallback>
+    <mc:Fallback xmlns:dsp="http://schemas.microsoft.com/office/drawing/2008/diagram" xmlns:dgm="http://schemas.openxmlformats.org/drawingml/2006/diagram" xmlns:c="http://schemas.openxmlformats.org/drawingml/2006/chart" xmlns="">
       <p:transition/>
     </mc:Fallback>
   </mc:AlternateContent>
@@ -10023,49 +9897,49 @@
 </file>
 
 <file path=ppt/theme/theme1.xml><?xml version="1.0" encoding="utf-8"?>
-<a:theme xmlns:r="http://schemas.openxmlformats.org/officeDocument/2006/relationships" xmlns:c="http://schemas.openxmlformats.org/drawingml/2006/chart" xmlns:dgm="http://schemas.openxmlformats.org/drawingml/2006/diagram" xmlns:dsp="http://schemas.microsoft.com/office/drawing/2008/diagram" xmlns:a="http://schemas.openxmlformats.org/drawingml/2006/main" xmlns:pic="http://schemas.openxmlformats.org/drawingml/2006/picture" xmlns:wp="http://schemas.openxmlformats.org/drawingml/2006/wordprocessingDrawing" xmlns:xdr="http://schemas.openxmlformats.org/drawingml/2006/spreadsheetDrawing" xmlns:p="http://schemas.openxmlformats.org/presentationml/2006/main" name="Office 테마">
+<a:theme xmlns:a="http://schemas.openxmlformats.org/drawingml/2006/main" name="Office 테마">
   <a:themeElements>
     <a:clrScheme name="Office">
       <a:dk1>
         <a:sysClr val="windowText" lastClr="000000"/>
       </a:dk1>
       <a:lt1>
-        <a:sysClr val="window" lastClr="ffffff"/>
+        <a:sysClr val="window" lastClr="FFFFFF"/>
       </a:lt1>
       <a:dk2>
-        <a:srgbClr val="44546a"/>
+        <a:srgbClr val="44546A"/>
       </a:dk2>
       <a:lt2>
-        <a:srgbClr val="e7e6e6"/>
+        <a:srgbClr val="E7E6E6"/>
       </a:lt2>
       <a:accent1>
-        <a:srgbClr val="4472c4"/>
+        <a:srgbClr val="4472C4"/>
       </a:accent1>
       <a:accent2>
-        <a:srgbClr val="ed7d31"/>
+        <a:srgbClr val="ED7D31"/>
       </a:accent2>
       <a:accent3>
-        <a:srgbClr val="a5a5a5"/>
+        <a:srgbClr val="A5A5A5"/>
       </a:accent3>
       <a:accent4>
-        <a:srgbClr val="ffc000"/>
+        <a:srgbClr val="FFC000"/>
       </a:accent4>
       <a:accent5>
-        <a:srgbClr val="5b9bd5"/>
+        <a:srgbClr val="5B9BD5"/>
       </a:accent5>
       <a:accent6>
-        <a:srgbClr val="70ad47"/>
+        <a:srgbClr val="70AD47"/>
       </a:accent6>
       <a:hlink>
-        <a:srgbClr val="0563c1"/>
+        <a:srgbClr val="0563C1"/>
       </a:hlink>
       <a:folHlink>
-        <a:srgbClr val="954f72"/>
+        <a:srgbClr val="954F72"/>
       </a:folHlink>
     </a:clrScheme>
     <a:fontScheme name="Office">
       <a:majorFont>
-        <a:latin typeface="맑은 고딕" panose="20"/>
+        <a:latin typeface="맑은 고딕" panose="20000000000000000000"/>
         <a:ea typeface=""/>
         <a:cs typeface=""/>
         <a:font script="Jpan" typeface="Yu Gothic Light"/>
@@ -10117,7 +9991,7 @@
         <a:font script="Tfng" typeface="Ebrima"/>
       </a:majorFont>
       <a:minorFont>
-        <a:latin typeface="맑은 고딕" panose="20"/>
+        <a:latin typeface="맑은 고딕" panose="20000000000000000000"/>
         <a:ea typeface=""/>
         <a:cs typeface=""/>
         <a:font script="Jpan" typeface="Yu Gothic"/>
@@ -10307,53 +10181,55 @@
       </a:bgFillStyleLst>
     </a:fmtScheme>
   </a:themeElements>
+  <a:objectDefaults/>
+  <a:extraClrSchemeLst/>
 </a:theme>
 </file>
 
 <file path=ppt/theme/theme2.xml><?xml version="1.0" encoding="utf-8"?>
-<a:theme xmlns:r="http://schemas.openxmlformats.org/officeDocument/2006/relationships" xmlns:c="http://schemas.openxmlformats.org/drawingml/2006/chart" xmlns:dgm="http://schemas.openxmlformats.org/drawingml/2006/diagram" xmlns:dsp="http://schemas.microsoft.com/office/drawing/2008/diagram" xmlns:a="http://schemas.openxmlformats.org/drawingml/2006/main" xmlns:pic="http://schemas.openxmlformats.org/drawingml/2006/picture" xmlns:wp="http://schemas.openxmlformats.org/drawingml/2006/wordprocessingDrawing" xmlns:xdr="http://schemas.openxmlformats.org/drawingml/2006/spreadsheetDrawing" xmlns:p="http://schemas.openxmlformats.org/presentationml/2006/main" name="Office 테마">
+<a:theme xmlns:a="http://schemas.openxmlformats.org/drawingml/2006/main" name="Office 테마">
   <a:themeElements>
     <a:clrScheme name="Office">
       <a:dk1>
         <a:sysClr val="windowText" lastClr="000000"/>
       </a:dk1>
       <a:lt1>
-        <a:sysClr val="window" lastClr="ffffff"/>
+        <a:sysClr val="window" lastClr="FFFFFF"/>
       </a:lt1>
       <a:dk2>
-        <a:srgbClr val="44546a"/>
+        <a:srgbClr val="44546A"/>
       </a:dk2>
       <a:lt2>
-        <a:srgbClr val="e7e6e6"/>
+        <a:srgbClr val="E7E6E6"/>
       </a:lt2>
       <a:accent1>
-        <a:srgbClr val="4472c4"/>
+        <a:srgbClr val="4472C4"/>
       </a:accent1>
       <a:accent2>
-        <a:srgbClr val="ed7d31"/>
+        <a:srgbClr val="ED7D31"/>
       </a:accent2>
       <a:accent3>
-        <a:srgbClr val="a5a5a5"/>
+        <a:srgbClr val="A5A5A5"/>
       </a:accent3>
       <a:accent4>
-        <a:srgbClr val="ffc000"/>
+        <a:srgbClr val="FFC000"/>
       </a:accent4>
       <a:accent5>
-        <a:srgbClr val="5b9bd5"/>
+        <a:srgbClr val="5B9BD5"/>
       </a:accent5>
       <a:accent6>
-        <a:srgbClr val="70ad47"/>
+        <a:srgbClr val="70AD47"/>
       </a:accent6>
       <a:hlink>
-        <a:srgbClr val="0563c1"/>
+        <a:srgbClr val="0563C1"/>
       </a:hlink>
       <a:folHlink>
-        <a:srgbClr val="954f72"/>
+        <a:srgbClr val="954F72"/>
       </a:folHlink>
     </a:clrScheme>
     <a:fontScheme name="Office">
       <a:majorFont>
-        <a:latin typeface="맑은 고딕" panose="20"/>
+        <a:latin typeface="맑은 고딕" panose="20000000000000000000"/>
         <a:ea typeface=""/>
         <a:cs typeface=""/>
         <a:font script="Jpan" typeface="Yu Gothic Light"/>
@@ -10405,7 +10281,7 @@
         <a:font script="Tfng" typeface="Ebrima"/>
       </a:majorFont>
       <a:minorFont>
-        <a:latin typeface="맑은 고딕" panose="20"/>
+        <a:latin typeface="맑은 고딕" panose="20000000000000000000"/>
         <a:ea typeface=""/>
         <a:cs typeface=""/>
         <a:font script="Jpan" typeface="Yu Gothic"/>
@@ -10595,5 +10471,7 @@
       </a:bgFillStyleLst>
     </a:fmtScheme>
   </a:themeElements>
+  <a:objectDefaults/>
+  <a:extraClrSchemeLst/>
 </a:theme>
 </file>
--- a/0. document/5. PPT/0. 프로젝트 주제.pptx
+++ b/0. document/5. PPT/0. 프로젝트 주제.pptx
@@ -5,23 +5,22 @@
     <p:sldMasterId id="2147483663" r:id="rId1"/>
   </p:sldMasterIdLst>
   <p:notesMasterIdLst>
-    <p:notesMasterId r:id="rId16"/>
+    <p:notesMasterId r:id="rId15"/>
   </p:notesMasterIdLst>
   <p:sldIdLst>
     <p:sldId id="256" r:id="rId2"/>
     <p:sldId id="257" r:id="rId3"/>
-    <p:sldId id="258" r:id="rId4"/>
-    <p:sldId id="259" r:id="rId5"/>
-    <p:sldId id="260" r:id="rId6"/>
-    <p:sldId id="261" r:id="rId7"/>
-    <p:sldId id="262" r:id="rId8"/>
-    <p:sldId id="263" r:id="rId9"/>
-    <p:sldId id="264" r:id="rId10"/>
-    <p:sldId id="265" r:id="rId11"/>
-    <p:sldId id="266" r:id="rId12"/>
-    <p:sldId id="267" r:id="rId13"/>
-    <p:sldId id="268" r:id="rId14"/>
-    <p:sldId id="269" r:id="rId15"/>
+    <p:sldId id="259" r:id="rId4"/>
+    <p:sldId id="260" r:id="rId5"/>
+    <p:sldId id="261" r:id="rId6"/>
+    <p:sldId id="262" r:id="rId7"/>
+    <p:sldId id="263" r:id="rId8"/>
+    <p:sldId id="264" r:id="rId9"/>
+    <p:sldId id="265" r:id="rId10"/>
+    <p:sldId id="266" r:id="rId11"/>
+    <p:sldId id="267" r:id="rId12"/>
+    <p:sldId id="268" r:id="rId13"/>
+    <p:sldId id="269" r:id="rId14"/>
   </p:sldIdLst>
   <p:sldSz cx="12192000" cy="6858000"/>
   <p:notesSz cx="6858000" cy="9144000"/>
@@ -219,7 +218,7 @@
               <a:pPr lvl="0">
                 <a:defRPr/>
               </a:pPr>
-              <a:t>2019-03-19</a:t>
+              <a:t>2019-03-24</a:t>
             </a:fld>
             <a:endParaRPr lang="ko-KR" altLang="en-US"/>
           </a:p>
@@ -1129,7 +1128,7 @@
               <a:pPr lvl="0">
                 <a:defRPr/>
               </a:pPr>
-              <a:t>4</a:t>
+              <a:t>3</a:t>
             </a:fld>
             <a:endParaRPr lang="en-US" altLang="en-US"/>
           </a:p>
@@ -1241,7 +1240,7 @@
               <a:pPr lvl="0">
                 <a:defRPr/>
               </a:pPr>
-              <a:t>5</a:t>
+              <a:t>4</a:t>
             </a:fld>
             <a:endParaRPr lang="en-US" altLang="en-US"/>
           </a:p>
@@ -1402,7 +1401,7 @@
           <a:p>
             <a:fld id="{29F15912-DF5E-4479-8ABA-4F9CDA3ED278}" type="datetime1">
               <a:rPr lang="ko-KR" altLang="en-US" smtClean="0"/>
-              <a:t>2019-03-19</a:t>
+              <a:t>2019-03-24</a:t>
             </a:fld>
             <a:endParaRPr lang="ko-KR" altLang="en-US"/>
           </a:p>
@@ -1632,7 +1631,7 @@
           <a:p>
             <a:fld id="{8EFF1178-C9DA-4A17-935F-3345920E04A4}" type="datetime1">
               <a:rPr lang="ko-KR" altLang="en-US" smtClean="0"/>
-              <a:t>2019-03-19</a:t>
+              <a:t>2019-03-24</a:t>
             </a:fld>
             <a:endParaRPr lang="ko-KR" altLang="en-US"/>
           </a:p>
@@ -1840,7 +1839,7 @@
           <a:p>
             <a:fld id="{4FDCB9C2-06B3-41DA-922C-914583460BB4}" type="datetime1">
               <a:rPr lang="ko-KR" altLang="en-US" smtClean="0"/>
-              <a:t>2019-03-19</a:t>
+              <a:t>2019-03-24</a:t>
             </a:fld>
             <a:endParaRPr lang="ko-KR" altLang="en-US"/>
           </a:p>
@@ -2375,7 +2374,7 @@
           <a:p>
             <a:fld id="{04A7FE38-C1AE-4297-8975-73AC936CB7DB}" type="datetime1">
               <a:rPr lang="ko-KR" altLang="en-US" smtClean="0"/>
-              <a:t>2019-03-19</a:t>
+              <a:t>2019-03-24</a:t>
             </a:fld>
             <a:endParaRPr lang="ko-KR" altLang="en-US"/>
           </a:p>
@@ -2640,7 +2639,7 @@
           <a:p>
             <a:fld id="{5C827732-E306-466E-9D6C-0D747ECB1B5A}" type="datetime1">
               <a:rPr lang="ko-KR" altLang="en-US" smtClean="0"/>
-              <a:t>2019-03-19</a:t>
+              <a:t>2019-03-24</a:t>
             </a:fld>
             <a:endParaRPr lang="ko-KR" altLang="en-US"/>
           </a:p>
@@ -3052,7 +3051,7 @@
           <a:p>
             <a:fld id="{4CEC7976-A2BB-4DE3-A696-E4E3541EFEEF}" type="datetime1">
               <a:rPr lang="ko-KR" altLang="en-US" smtClean="0"/>
-              <a:t>2019-03-19</a:t>
+              <a:t>2019-03-24</a:t>
             </a:fld>
             <a:endParaRPr lang="ko-KR" altLang="en-US"/>
           </a:p>
@@ -3193,7 +3192,7 @@
           <a:p>
             <a:fld id="{318AF65D-C257-4286-B463-075C93CF8C96}" type="datetime1">
               <a:rPr lang="ko-KR" altLang="en-US" smtClean="0"/>
-              <a:t>2019-03-19</a:t>
+              <a:t>2019-03-24</a:t>
             </a:fld>
             <a:endParaRPr lang="ko-KR" altLang="en-US"/>
           </a:p>
@@ -3338,7 +3337,7 @@
           <a:p>
             <a:fld id="{0AA42013-848C-4A3F-86D3-B475240CD4F5}" type="datetime1">
               <a:rPr lang="ko-KR" altLang="en-US" smtClean="0"/>
-              <a:t>2019-03-19</a:t>
+              <a:t>2019-03-24</a:t>
             </a:fld>
             <a:endParaRPr lang="ko-KR" altLang="en-US"/>
           </a:p>
@@ -3780,7 +3779,7 @@
           <a:p>
             <a:fld id="{C997F6DB-815A-473E-81D5-DD0145FF2881}" type="datetime1">
               <a:rPr lang="ko-KR" altLang="en-US" smtClean="0"/>
-              <a:t>2019-03-19</a:t>
+              <a:t>2019-03-24</a:t>
             </a:fld>
             <a:endParaRPr lang="ko-KR" altLang="en-US"/>
           </a:p>
@@ -4068,7 +4067,7 @@
           <a:p>
             <a:fld id="{E15BBF43-EF0F-4A85-AEE0-1C2B102823CB}" type="datetime1">
               <a:rPr lang="ko-KR" altLang="en-US" smtClean="0"/>
-              <a:t>2019-03-19</a:t>
+              <a:t>2019-03-24</a:t>
             </a:fld>
             <a:endParaRPr lang="ko-KR" altLang="en-US"/>
           </a:p>
@@ -4309,7 +4308,7 @@
           <a:p>
             <a:fld id="{4041896F-2038-4C9C-A491-E790942C54F5}" type="datetime1">
               <a:rPr lang="ko-KR" altLang="en-US" smtClean="0"/>
-              <a:t>2019-03-19</a:t>
+              <a:t>2019-03-24</a:t>
             </a:fld>
             <a:endParaRPr lang="ko-KR" altLang="en-US"/>
           </a:p>
@@ -4778,46 +4777,14 @@
               <a:defRPr/>
             </a:pPr>
             <a:r>
-              <a:rPr lang="ko-KR" altLang="en-US" sz="2000"/>
+              <a:rPr lang="ko-KR" altLang="en-US" sz="2000" dirty="0"/>
               <a:t>소프트웨어학과 박은영 </a:t>
             </a:r>
             <a:r>
-              <a:rPr lang="en-US" altLang="ko-KR" sz="2000"/>
+              <a:rPr lang="en-US" altLang="ko-KR" sz="2000" dirty="0"/>
               <a:t>(32151839)</a:t>
             </a:r>
-            <a:endParaRPr lang="ko-KR" altLang="en-US" sz="2000"/>
-          </a:p>
-          <a:p>
-            <a:pPr lvl="0">
-              <a:defRPr/>
-            </a:pPr>
-            <a:r>
-              <a:rPr lang="ko-KR" altLang="en-US" sz="2000"/>
-              <a:t>산업경영학과 김장현 </a:t>
-            </a:r>
-            <a:r>
-              <a:rPr lang="en-US" altLang="ko-KR" sz="2000"/>
-              <a:t>(32160974)</a:t>
-            </a:r>
-          </a:p>
-          <a:p>
-            <a:pPr lvl="0">
-              <a:defRPr/>
-            </a:pPr>
-            <a:r>
-              <a:rPr lang="ko-KR" altLang="en-US" sz="2000"/>
-              <a:t>소프트웨어학과 류다인 </a:t>
-            </a:r>
-            <a:r>
-              <a:rPr lang="en-US" altLang="ko-KR" sz="2000"/>
-              <a:t>(32151495)</a:t>
-            </a:r>
-          </a:p>
-          <a:p>
-            <a:pPr lvl="0">
-              <a:defRPr/>
-            </a:pPr>
-            <a:endParaRPr lang="ko-KR" altLang="en-US" sz="2000"/>
+            <a:endParaRPr lang="ko-KR" altLang="en-US" sz="2000" dirty="0"/>
           </a:p>
         </p:txBody>
       </p:sp>
@@ -4830,7 +4797,7 @@
     <mc:Choice Requires="p14">
       <p:transition/>
     </mc:Choice>
-    <mc:Fallback xmlns:dsp="http://schemas.microsoft.com/office/drawing/2008/diagram" xmlns:dgm="http://schemas.openxmlformats.org/drawingml/2006/diagram" xmlns:c="http://schemas.openxmlformats.org/drawingml/2006/chart" xmlns="">
+    <mc:Fallback xmlns="" xmlns:c="http://schemas.openxmlformats.org/drawingml/2006/chart" xmlns:dgm="http://schemas.openxmlformats.org/drawingml/2006/diagram" xmlns:dsp="http://schemas.microsoft.com/office/drawing/2008/diagram">
       <p:transition/>
     </mc:Fallback>
   </mc:AlternateContent>
@@ -4859,7 +4826,7 @@
           <p:cNvPr id="3" name="슬라이드 번호 개체 틀 2">
             <a:extLst>
               <a:ext uri="{FF2B5EF4-FFF2-40B4-BE49-F238E27FC236}">
-                <a16:creationId xmlns:a16="http://schemas.microsoft.com/office/drawing/2014/main" id="{45C882DC-2F60-4054-BE8E-6C6561F33C12}"/>
+                <a16:creationId xmlns:a16="http://schemas.microsoft.com/office/drawing/2014/main" id="{799A60C0-7893-46CB-8138-0804585B722C}"/>
               </a:ext>
             </a:extLst>
           </p:cNvPr>
@@ -4879,695 +4846,6 @@
               <a:rPr lang="ko-KR" altLang="en-US" smtClean="0"/>
               <a:pPr/>
               <a:t>10</a:t>
-            </a:fld>
-            <a:endParaRPr lang="ko-KR" altLang="en-US" dirty="0"/>
-          </a:p>
-        </p:txBody>
-      </p:sp>
-      <p:sp>
-        <p:nvSpPr>
-          <p:cNvPr id="4" name="제목 3">
-            <a:extLst>
-              <a:ext uri="{FF2B5EF4-FFF2-40B4-BE49-F238E27FC236}">
-                <a16:creationId xmlns:a16="http://schemas.microsoft.com/office/drawing/2014/main" id="{33791D3E-91A3-49BD-9013-9DA99CAAB8FD}"/>
-              </a:ext>
-            </a:extLst>
-          </p:cNvPr>
-          <p:cNvSpPr>
-            <a:spLocks noGrp="1"/>
-          </p:cNvSpPr>
-          <p:nvPr>
-            <p:ph type="title"/>
-          </p:nvPr>
-        </p:nvSpPr>
-        <p:spPr/>
-        <p:txBody>
-          <a:bodyPr>
-            <a:normAutofit fontScale="90000"/>
-          </a:bodyPr>
-          <a:lstStyle/>
-          <a:p>
-            <a:r>
-              <a:rPr lang="ko-KR" altLang="en-US" dirty="0"/>
-              <a:t>시나리오 </a:t>
-            </a:r>
-            <a:r>
-              <a:rPr lang="en-US" altLang="ko-KR" dirty="0"/>
-              <a:t>(4)</a:t>
-            </a:r>
-            <a:endParaRPr lang="ko-KR" altLang="en-US" dirty="0"/>
-          </a:p>
-        </p:txBody>
-      </p:sp>
-      <p:sp>
-        <p:nvSpPr>
-          <p:cNvPr id="5" name="직사각형 4">
-            <a:extLst>
-              <a:ext uri="{FF2B5EF4-FFF2-40B4-BE49-F238E27FC236}">
-                <a16:creationId xmlns:a16="http://schemas.microsoft.com/office/drawing/2014/main" id="{B54178C6-29BC-4581-B5F6-D81BE5208DB2}"/>
-              </a:ext>
-            </a:extLst>
-          </p:cNvPr>
-          <p:cNvSpPr/>
-          <p:nvPr/>
-        </p:nvSpPr>
-        <p:spPr>
-          <a:xfrm>
-            <a:off x="0" y="1428778"/>
-            <a:ext cx="11125200" cy="4548938"/>
-          </a:xfrm>
-          <a:prstGeom prst="rect">
-            <a:avLst/>
-          </a:prstGeom>
-        </p:spPr>
-        <p:txBody>
-          <a:bodyPr wrap="square">
-            <a:spAutoFit/>
-          </a:bodyPr>
-          <a:lstStyle/>
-          <a:p>
-            <a:pPr marL="1143000" lvl="2" indent="-228600" latinLnBrk="0">
-              <a:lnSpc>
-                <a:spcPct val="150000"/>
-              </a:lnSpc>
-              <a:buFont typeface="Arial" panose="020B0604020202020204" pitchFamily="34" charset="0"/>
-              <a:buChar char="•"/>
-              <a:tabLst>
-                <a:tab pos="1371600" algn="l"/>
-              </a:tabLst>
-            </a:pPr>
-            <a:r>
-              <a:rPr lang="ko-KR" altLang="ko-KR" sz="1500" kern="0" dirty="0">
-                <a:solidFill>
-                  <a:srgbClr val="24292E"/>
-                </a:solidFill>
-                <a:latin typeface="맑은 고딕" panose="020B0503020000020004" pitchFamily="50" charset="-127"/>
-                <a:cs typeface="Segoe UI" panose="020B0502040204020203" pitchFamily="34" charset="0"/>
-              </a:rPr>
-              <a:t>교수님이 서비스 플랫폼 수업</a:t>
-            </a:r>
-            <a:r>
-              <a:rPr lang="en-US" altLang="ko-KR" sz="1500" kern="0" dirty="0">
-                <a:solidFill>
-                  <a:srgbClr val="24292E"/>
-                </a:solidFill>
-                <a:latin typeface="맑은 고딕" panose="020B0503020000020004" pitchFamily="50" charset="-127"/>
-                <a:cs typeface="Segoe UI" panose="020B0502040204020203" pitchFamily="34" charset="0"/>
-              </a:rPr>
-              <a:t>2</a:t>
-            </a:r>
-            <a:r>
-              <a:rPr lang="ko-KR" altLang="ko-KR" sz="1500" kern="0" dirty="0">
-                <a:solidFill>
-                  <a:srgbClr val="24292E"/>
-                </a:solidFill>
-                <a:latin typeface="맑은 고딕" panose="020B0503020000020004" pitchFamily="50" charset="-127"/>
-                <a:cs typeface="Segoe UI" panose="020B0502040204020203" pitchFamily="34" charset="0"/>
-              </a:rPr>
-              <a:t>개를 진행하고 있다</a:t>
-            </a:r>
-            <a:r>
-              <a:rPr lang="en-US" altLang="ko-KR" sz="1500" kern="0" dirty="0">
-                <a:solidFill>
-                  <a:srgbClr val="24292E"/>
-                </a:solidFill>
-                <a:latin typeface="맑은 고딕" panose="020B0503020000020004" pitchFamily="50" charset="-127"/>
-                <a:cs typeface="Segoe UI" panose="020B0502040204020203" pitchFamily="34" charset="0"/>
-              </a:rPr>
-              <a:t>.</a:t>
-            </a:r>
-            <a:endParaRPr lang="ko-KR" altLang="ko-KR" sz="1500" kern="100" dirty="0">
-              <a:latin typeface="맑은 고딕" panose="020B0503020000020004" pitchFamily="50" charset="-127"/>
-              <a:cs typeface="Times New Roman" panose="02020603050405020304" pitchFamily="18" charset="0"/>
-            </a:endParaRPr>
-          </a:p>
-          <a:p>
-            <a:pPr marL="1600200" lvl="3" indent="-228600" latinLnBrk="0">
-              <a:lnSpc>
-                <a:spcPct val="150000"/>
-              </a:lnSpc>
-              <a:buFont typeface="+mj-lt"/>
-              <a:buAutoNum type="arabicPeriod"/>
-              <a:tabLst>
-                <a:tab pos="1828800" algn="l"/>
-              </a:tabLst>
-            </a:pPr>
-            <a:r>
-              <a:rPr lang="ko-KR" altLang="ko-KR" sz="1500" kern="0" dirty="0">
-                <a:solidFill>
-                  <a:srgbClr val="24292E"/>
-                </a:solidFill>
-                <a:latin typeface="맑은 고딕" panose="020B0503020000020004" pitchFamily="50" charset="-127"/>
-                <a:cs typeface="Segoe UI" panose="020B0502040204020203" pitchFamily="34" charset="0"/>
-              </a:rPr>
-              <a:t>첫 수업</a:t>
-            </a:r>
-            <a:r>
-              <a:rPr lang="en-US" altLang="ko-KR" sz="1500" kern="0" dirty="0">
-                <a:solidFill>
-                  <a:srgbClr val="24292E"/>
-                </a:solidFill>
-                <a:latin typeface="맑은 고딕" panose="020B0503020000020004" pitchFamily="50" charset="-127"/>
-                <a:cs typeface="Segoe UI" panose="020B0502040204020203" pitchFamily="34" charset="0"/>
-              </a:rPr>
-              <a:t> </a:t>
-            </a:r>
-            <a:r>
-              <a:rPr lang="ko-KR" altLang="ko-KR" sz="1500" kern="0" dirty="0">
-                <a:solidFill>
-                  <a:srgbClr val="24292E"/>
-                </a:solidFill>
-                <a:latin typeface="맑은 고딕" panose="020B0503020000020004" pitchFamily="50" charset="-127"/>
-                <a:cs typeface="Segoe UI" panose="020B0502040204020203" pitchFamily="34" charset="0"/>
-              </a:rPr>
-              <a:t>때 채팅</a:t>
-            </a:r>
-            <a:r>
-              <a:rPr lang="en-US" altLang="ko-KR" sz="1500" kern="0" dirty="0">
-                <a:solidFill>
-                  <a:srgbClr val="24292E"/>
-                </a:solidFill>
-                <a:latin typeface="맑은 고딕" panose="020B0503020000020004" pitchFamily="50" charset="-127"/>
-                <a:cs typeface="Segoe UI" panose="020B0502040204020203" pitchFamily="34" charset="0"/>
-              </a:rPr>
-              <a:t> </a:t>
-            </a:r>
-            <a:r>
-              <a:rPr lang="ko-KR" altLang="ko-KR" sz="1500" kern="0" dirty="0">
-                <a:solidFill>
-                  <a:srgbClr val="24292E"/>
-                </a:solidFill>
-                <a:latin typeface="맑은 고딕" panose="020B0503020000020004" pitchFamily="50" charset="-127"/>
-                <a:cs typeface="Segoe UI" panose="020B0502040204020203" pitchFamily="34" charset="0"/>
-              </a:rPr>
-              <a:t>방 개설</a:t>
-            </a:r>
-            <a:endParaRPr lang="ko-KR" altLang="ko-KR" sz="1500" kern="100" dirty="0">
-              <a:latin typeface="맑은 고딕" panose="020B0503020000020004" pitchFamily="50" charset="-127"/>
-              <a:cs typeface="Times New Roman" panose="02020603050405020304" pitchFamily="18" charset="0"/>
-            </a:endParaRPr>
-          </a:p>
-          <a:p>
-            <a:pPr marL="1600200" lvl="3" indent="-228600" latinLnBrk="0">
-              <a:lnSpc>
-                <a:spcPct val="150000"/>
-              </a:lnSpc>
-              <a:buFont typeface="+mj-lt"/>
-              <a:buAutoNum type="arabicPeriod"/>
-              <a:tabLst>
-                <a:tab pos="1828800" algn="l"/>
-              </a:tabLst>
-            </a:pPr>
-            <a:r>
-              <a:rPr lang="ko-KR" altLang="ko-KR" sz="1500" kern="0" dirty="0">
-                <a:solidFill>
-                  <a:srgbClr val="24292E"/>
-                </a:solidFill>
-                <a:latin typeface="맑은 고딕" panose="020B0503020000020004" pitchFamily="50" charset="-127"/>
-                <a:cs typeface="Segoe UI" panose="020B0502040204020203" pitchFamily="34" charset="0"/>
-              </a:rPr>
-              <a:t>채팅방의 </a:t>
-            </a:r>
-            <a:r>
-              <a:rPr lang="ko-KR" altLang="en-US" sz="1500" kern="0" dirty="0">
-                <a:solidFill>
-                  <a:srgbClr val="24292E"/>
-                </a:solidFill>
-                <a:latin typeface="맑은 고딕" panose="020B0503020000020004" pitchFamily="50" charset="-127"/>
-                <a:cs typeface="Segoe UI" panose="020B0502040204020203" pitchFamily="34" charset="0"/>
-              </a:rPr>
-              <a:t>위치</a:t>
-            </a:r>
-            <a:r>
-              <a:rPr lang="en-US" altLang="ko-KR" sz="1500" kern="0" dirty="0">
-                <a:solidFill>
-                  <a:srgbClr val="24292E"/>
-                </a:solidFill>
-                <a:latin typeface="맑은 고딕" panose="020B0503020000020004" pitchFamily="50" charset="-127"/>
-                <a:cs typeface="Segoe UI" panose="020B0502040204020203" pitchFamily="34" charset="0"/>
-              </a:rPr>
-              <a:t>&amp;</a:t>
-            </a:r>
-            <a:r>
-              <a:rPr lang="ko-KR" altLang="en-US" sz="1500" kern="0" dirty="0">
-                <a:solidFill>
-                  <a:srgbClr val="24292E"/>
-                </a:solidFill>
-                <a:latin typeface="맑은 고딕" panose="020B0503020000020004" pitchFamily="50" charset="-127"/>
-                <a:cs typeface="Segoe UI" panose="020B0502040204020203" pitchFamily="34" charset="0"/>
-              </a:rPr>
-              <a:t>암호를 </a:t>
-            </a:r>
-            <a:r>
-              <a:rPr lang="ko-KR" altLang="ko-KR" sz="1500" kern="0" dirty="0">
-                <a:solidFill>
-                  <a:srgbClr val="24292E"/>
-                </a:solidFill>
-                <a:latin typeface="맑은 고딕" panose="020B0503020000020004" pitchFamily="50" charset="-127"/>
-                <a:cs typeface="Segoe UI" panose="020B0502040204020203" pitchFamily="34" charset="0"/>
-              </a:rPr>
-              <a:t>학생들에게 공개</a:t>
-            </a:r>
-            <a:endParaRPr lang="ko-KR" altLang="ko-KR" sz="1500" kern="100" dirty="0">
-              <a:latin typeface="맑은 고딕" panose="020B0503020000020004" pitchFamily="50" charset="-127"/>
-              <a:cs typeface="Times New Roman" panose="02020603050405020304" pitchFamily="18" charset="0"/>
-            </a:endParaRPr>
-          </a:p>
-          <a:p>
-            <a:pPr marL="1600200" lvl="3" indent="-228600" latinLnBrk="0">
-              <a:lnSpc>
-                <a:spcPct val="150000"/>
-              </a:lnSpc>
-              <a:buFont typeface="+mj-lt"/>
-              <a:buAutoNum type="arabicPeriod"/>
-              <a:tabLst>
-                <a:tab pos="1828800" algn="l"/>
-              </a:tabLst>
-            </a:pPr>
-            <a:r>
-              <a:rPr lang="ko-KR" altLang="ko-KR" sz="1500" kern="0" dirty="0">
-                <a:solidFill>
-                  <a:srgbClr val="24292E"/>
-                </a:solidFill>
-                <a:latin typeface="맑은 고딕" panose="020B0503020000020004" pitchFamily="50" charset="-127"/>
-                <a:cs typeface="Segoe UI" panose="020B0502040204020203" pitchFamily="34" charset="0"/>
-              </a:rPr>
-              <a:t>채팅에 참여</a:t>
-            </a:r>
-            <a:endParaRPr lang="ko-KR" altLang="ko-KR" sz="1500" kern="100" dirty="0">
-              <a:latin typeface="맑은 고딕" panose="020B0503020000020004" pitchFamily="50" charset="-127"/>
-              <a:cs typeface="Times New Roman" panose="02020603050405020304" pitchFamily="18" charset="0"/>
-            </a:endParaRPr>
-          </a:p>
-          <a:p>
-            <a:pPr marL="1600200" lvl="3" indent="-228600" latinLnBrk="0">
-              <a:lnSpc>
-                <a:spcPct val="150000"/>
-              </a:lnSpc>
-              <a:buFont typeface="+mj-lt"/>
-              <a:buAutoNum type="arabicPeriod"/>
-              <a:tabLst>
-                <a:tab pos="1828800" algn="l"/>
-              </a:tabLst>
-            </a:pPr>
-            <a:r>
-              <a:rPr lang="en-US" altLang="ko-KR" sz="1500" kern="0" dirty="0">
-                <a:solidFill>
-                  <a:srgbClr val="24292E"/>
-                </a:solidFill>
-                <a:latin typeface="맑은 고딕" panose="020B0503020000020004" pitchFamily="50" charset="-127"/>
-                <a:cs typeface="Segoe UI" panose="020B0502040204020203" pitchFamily="34" charset="0"/>
-              </a:rPr>
-              <a:t>A</a:t>
-            </a:r>
-            <a:r>
-              <a:rPr lang="ko-KR" altLang="ko-KR" sz="1500" kern="0" dirty="0">
-                <a:solidFill>
-                  <a:srgbClr val="24292E"/>
-                </a:solidFill>
-                <a:latin typeface="맑은 고딕" panose="020B0503020000020004" pitchFamily="50" charset="-127"/>
-                <a:cs typeface="Segoe UI" panose="020B0502040204020203" pitchFamily="34" charset="0"/>
-              </a:rPr>
-              <a:t>분반과 </a:t>
-            </a:r>
-            <a:r>
-              <a:rPr lang="en-US" altLang="ko-KR" sz="1500" kern="0" dirty="0">
-                <a:solidFill>
-                  <a:srgbClr val="24292E"/>
-                </a:solidFill>
-                <a:latin typeface="맑은 고딕" panose="020B0503020000020004" pitchFamily="50" charset="-127"/>
-                <a:cs typeface="Segoe UI" panose="020B0502040204020203" pitchFamily="34" charset="0"/>
-              </a:rPr>
-              <a:t>B</a:t>
-            </a:r>
-            <a:r>
-              <a:rPr lang="ko-KR" altLang="ko-KR" sz="1500" kern="0" dirty="0">
-                <a:solidFill>
-                  <a:srgbClr val="24292E"/>
-                </a:solidFill>
-                <a:latin typeface="맑은 고딕" panose="020B0503020000020004" pitchFamily="50" charset="-127"/>
-                <a:cs typeface="Segoe UI" panose="020B0502040204020203" pitchFamily="34" charset="0"/>
-              </a:rPr>
-              <a:t>분반으로 그룹화</a:t>
-            </a:r>
-            <a:endParaRPr lang="ko-KR" altLang="ko-KR" sz="1500" kern="100" dirty="0">
-              <a:latin typeface="맑은 고딕" panose="020B0503020000020004" pitchFamily="50" charset="-127"/>
-              <a:cs typeface="Times New Roman" panose="02020603050405020304" pitchFamily="18" charset="0"/>
-            </a:endParaRPr>
-          </a:p>
-          <a:p>
-            <a:pPr marL="1600200" lvl="3" indent="-228600" latinLnBrk="0">
-              <a:lnSpc>
-                <a:spcPct val="150000"/>
-              </a:lnSpc>
-              <a:buFont typeface="+mj-lt"/>
-              <a:buAutoNum type="arabicPeriod"/>
-              <a:tabLst>
-                <a:tab pos="1828800" algn="l"/>
-              </a:tabLst>
-            </a:pPr>
-            <a:r>
-              <a:rPr lang="ko-KR" altLang="ko-KR" sz="1500" kern="0" dirty="0">
-                <a:solidFill>
-                  <a:srgbClr val="24292E"/>
-                </a:solidFill>
-                <a:latin typeface="맑은 고딕" panose="020B0503020000020004" pitchFamily="50" charset="-127"/>
-                <a:cs typeface="Segoe UI" panose="020B0502040204020203" pitchFamily="34" charset="0"/>
-              </a:rPr>
-              <a:t>교수님이 메시지를 보내면 </a:t>
-            </a:r>
-            <a:r>
-              <a:rPr lang="en-US" altLang="ko-KR" sz="1500" kern="0" dirty="0">
-                <a:solidFill>
-                  <a:srgbClr val="24292E"/>
-                </a:solidFill>
-                <a:latin typeface="맑은 고딕" panose="020B0503020000020004" pitchFamily="50" charset="-127"/>
-                <a:cs typeface="Segoe UI" panose="020B0502040204020203" pitchFamily="34" charset="0"/>
-              </a:rPr>
-              <a:t>A</a:t>
-            </a:r>
-            <a:r>
-              <a:rPr lang="ko-KR" altLang="ko-KR" sz="1500" kern="0" dirty="0">
-                <a:solidFill>
-                  <a:srgbClr val="24292E"/>
-                </a:solidFill>
-                <a:latin typeface="맑은 고딕" panose="020B0503020000020004" pitchFamily="50" charset="-127"/>
-                <a:cs typeface="Segoe UI" panose="020B0502040204020203" pitchFamily="34" charset="0"/>
-              </a:rPr>
-              <a:t>분반과 </a:t>
-            </a:r>
-            <a:r>
-              <a:rPr lang="en-US" altLang="ko-KR" sz="1500" kern="0" dirty="0">
-                <a:solidFill>
-                  <a:srgbClr val="24292E"/>
-                </a:solidFill>
-                <a:latin typeface="맑은 고딕" panose="020B0503020000020004" pitchFamily="50" charset="-127"/>
-                <a:cs typeface="Segoe UI" panose="020B0502040204020203" pitchFamily="34" charset="0"/>
-              </a:rPr>
-              <a:t>B</a:t>
-            </a:r>
-            <a:r>
-              <a:rPr lang="ko-KR" altLang="ko-KR" sz="1500" kern="0" dirty="0">
-                <a:solidFill>
-                  <a:srgbClr val="24292E"/>
-                </a:solidFill>
-                <a:latin typeface="맑은 고딕" panose="020B0503020000020004" pitchFamily="50" charset="-127"/>
-                <a:cs typeface="Segoe UI" panose="020B0502040204020203" pitchFamily="34" charset="0"/>
-              </a:rPr>
-              <a:t>분반에 동시에 전달</a:t>
-            </a:r>
-            <a:endParaRPr lang="ko-KR" altLang="ko-KR" sz="1500" kern="100" dirty="0">
-              <a:latin typeface="맑은 고딕" panose="020B0503020000020004" pitchFamily="50" charset="-127"/>
-              <a:cs typeface="Times New Roman" panose="02020603050405020304" pitchFamily="18" charset="0"/>
-            </a:endParaRPr>
-          </a:p>
-          <a:p>
-            <a:pPr marL="1600200" lvl="3" indent="-228600" latinLnBrk="0">
-              <a:lnSpc>
-                <a:spcPct val="150000"/>
-              </a:lnSpc>
-              <a:buFont typeface="+mj-lt"/>
-              <a:buAutoNum type="arabicPeriod"/>
-              <a:tabLst>
-                <a:tab pos="1828800" algn="l"/>
-              </a:tabLst>
-            </a:pPr>
-            <a:r>
-              <a:rPr lang="ko-KR" altLang="ko-KR" sz="1500" kern="0" dirty="0">
-                <a:solidFill>
-                  <a:srgbClr val="24292E"/>
-                </a:solidFill>
-                <a:latin typeface="맑은 고딕" panose="020B0503020000020004" pitchFamily="50" charset="-127"/>
-                <a:cs typeface="Segoe UI" panose="020B0502040204020203" pitchFamily="34" charset="0"/>
-              </a:rPr>
-              <a:t>메시지 입력창에서 </a:t>
-            </a:r>
-            <a:r>
-              <a:rPr lang="en-US" altLang="ko-KR" sz="1500" kern="0" dirty="0">
-                <a:solidFill>
-                  <a:srgbClr val="24292E"/>
-                </a:solidFill>
-                <a:latin typeface="맑은 고딕" panose="020B0503020000020004" pitchFamily="50" charset="-127"/>
-                <a:cs typeface="Segoe UI" panose="020B0502040204020203" pitchFamily="34" charset="0"/>
-              </a:rPr>
-              <a:t>A</a:t>
-            </a:r>
-            <a:r>
-              <a:rPr lang="ko-KR" altLang="ko-KR" sz="1500" kern="0" dirty="0">
-                <a:solidFill>
-                  <a:srgbClr val="24292E"/>
-                </a:solidFill>
-                <a:latin typeface="맑은 고딕" panose="020B0503020000020004" pitchFamily="50" charset="-127"/>
-                <a:cs typeface="Segoe UI" panose="020B0502040204020203" pitchFamily="34" charset="0"/>
-              </a:rPr>
-              <a:t>그룹 체크박스를 선택</a:t>
-            </a:r>
-            <a:r>
-              <a:rPr lang="en-US" altLang="ko-KR" sz="1500" kern="0" dirty="0">
-                <a:solidFill>
-                  <a:srgbClr val="24292E"/>
-                </a:solidFill>
-                <a:latin typeface="맑은 고딕" panose="020B0503020000020004" pitchFamily="50" charset="-127"/>
-                <a:cs typeface="Segoe UI" panose="020B0502040204020203" pitchFamily="34" charset="0"/>
-              </a:rPr>
-              <a:t> </a:t>
-            </a:r>
-            <a:r>
-              <a:rPr lang="ko-KR" altLang="ko-KR" sz="1500" kern="0" dirty="0">
-                <a:solidFill>
-                  <a:srgbClr val="24292E"/>
-                </a:solidFill>
-                <a:latin typeface="맑은 고딕" panose="020B0503020000020004" pitchFamily="50" charset="-127"/>
-                <a:cs typeface="Segoe UI" panose="020B0502040204020203" pitchFamily="34" charset="0"/>
-              </a:rPr>
-              <a:t>시 </a:t>
-            </a:r>
-            <a:r>
-              <a:rPr lang="en-US" altLang="ko-KR" sz="1500" kern="0" dirty="0">
-                <a:solidFill>
-                  <a:srgbClr val="24292E"/>
-                </a:solidFill>
-                <a:latin typeface="맑은 고딕" panose="020B0503020000020004" pitchFamily="50" charset="-127"/>
-                <a:cs typeface="Segoe UI" panose="020B0502040204020203" pitchFamily="34" charset="0"/>
-              </a:rPr>
-              <a:t>A</a:t>
-            </a:r>
-            <a:r>
-              <a:rPr lang="ko-KR" altLang="ko-KR" sz="1500" kern="0" dirty="0">
-                <a:solidFill>
-                  <a:srgbClr val="24292E"/>
-                </a:solidFill>
-                <a:latin typeface="맑은 고딕" panose="020B0503020000020004" pitchFamily="50" charset="-127"/>
-                <a:cs typeface="Segoe UI" panose="020B0502040204020203" pitchFamily="34" charset="0"/>
-              </a:rPr>
-              <a:t>그룹에게만 메시지 전달</a:t>
-            </a:r>
-            <a:endParaRPr lang="en-US" altLang="ko-KR" sz="1500" kern="0" dirty="0">
-              <a:solidFill>
-                <a:srgbClr val="24292E"/>
-              </a:solidFill>
-              <a:latin typeface="맑은 고딕" panose="020B0503020000020004" pitchFamily="50" charset="-127"/>
-              <a:cs typeface="Segoe UI" panose="020B0502040204020203" pitchFamily="34" charset="0"/>
-            </a:endParaRPr>
-          </a:p>
-          <a:p>
-            <a:pPr marL="1600200" lvl="3" indent="-228600" latinLnBrk="0">
-              <a:lnSpc>
-                <a:spcPct val="150000"/>
-              </a:lnSpc>
-              <a:buFont typeface="+mj-lt"/>
-              <a:buAutoNum type="arabicPeriod"/>
-              <a:tabLst>
-                <a:tab pos="1828800" algn="l"/>
-              </a:tabLst>
-            </a:pPr>
-            <a:endParaRPr lang="ko-KR" altLang="ko-KR" sz="1500" kern="100" dirty="0">
-              <a:latin typeface="맑은 고딕" panose="020B0503020000020004" pitchFamily="50" charset="-127"/>
-              <a:cs typeface="Times New Roman" panose="02020603050405020304" pitchFamily="18" charset="0"/>
-            </a:endParaRPr>
-          </a:p>
-          <a:p>
-            <a:pPr marL="1143000" lvl="2" indent="-228600" latinLnBrk="0">
-              <a:lnSpc>
-                <a:spcPct val="150000"/>
-              </a:lnSpc>
-              <a:buFont typeface="Arial" panose="020B0604020202020204" pitchFamily="34" charset="0"/>
-              <a:buChar char="•"/>
-              <a:tabLst>
-                <a:tab pos="1371600" algn="l"/>
-              </a:tabLst>
-            </a:pPr>
-            <a:r>
-              <a:rPr lang="ko-KR" altLang="ko-KR" sz="1500" kern="0" dirty="0">
-                <a:solidFill>
-                  <a:srgbClr val="24292E"/>
-                </a:solidFill>
-                <a:latin typeface="맑은 고딕" panose="020B0503020000020004" pitchFamily="50" charset="-127"/>
-                <a:cs typeface="Segoe UI" panose="020B0502040204020203" pitchFamily="34" charset="0"/>
-              </a:rPr>
-              <a:t>카테고리</a:t>
-            </a:r>
-            <a:endParaRPr lang="ko-KR" altLang="ko-KR" sz="1500" kern="100" dirty="0">
-              <a:latin typeface="맑은 고딕" panose="020B0503020000020004" pitchFamily="50" charset="-127"/>
-              <a:cs typeface="Times New Roman" panose="02020603050405020304" pitchFamily="18" charset="0"/>
-            </a:endParaRPr>
-          </a:p>
-          <a:p>
-            <a:pPr marL="1600200" lvl="3" indent="-228600" latinLnBrk="0">
-              <a:lnSpc>
-                <a:spcPct val="150000"/>
-              </a:lnSpc>
-              <a:buFont typeface="+mj-lt"/>
-              <a:buAutoNum type="arabicPeriod"/>
-              <a:tabLst>
-                <a:tab pos="1828800" algn="l"/>
-              </a:tabLst>
-            </a:pPr>
-            <a:r>
-              <a:rPr lang="ko-KR" altLang="ko-KR" sz="1500" kern="0" dirty="0">
-                <a:solidFill>
-                  <a:srgbClr val="24292E"/>
-                </a:solidFill>
-                <a:latin typeface="맑은 고딕" panose="020B0503020000020004" pitchFamily="50" charset="-127"/>
-                <a:cs typeface="Segoe UI" panose="020B0502040204020203" pitchFamily="34" charset="0"/>
-              </a:rPr>
-              <a:t>명언</a:t>
-            </a:r>
-            <a:endParaRPr lang="ko-KR" altLang="ko-KR" sz="1500" kern="100" dirty="0">
-              <a:latin typeface="맑은 고딕" panose="020B0503020000020004" pitchFamily="50" charset="-127"/>
-              <a:cs typeface="Times New Roman" panose="02020603050405020304" pitchFamily="18" charset="0"/>
-            </a:endParaRPr>
-          </a:p>
-          <a:p>
-            <a:pPr marL="1600200" lvl="3" indent="-228600" latinLnBrk="0">
-              <a:lnSpc>
-                <a:spcPct val="150000"/>
-              </a:lnSpc>
-              <a:buFont typeface="+mj-lt"/>
-              <a:buAutoNum type="arabicPeriod"/>
-              <a:tabLst>
-                <a:tab pos="1828800" algn="l"/>
-              </a:tabLst>
-            </a:pPr>
-            <a:r>
-              <a:rPr lang="ko-KR" altLang="ko-KR" sz="1500" kern="0" dirty="0">
-                <a:solidFill>
-                  <a:srgbClr val="24292E"/>
-                </a:solidFill>
-                <a:latin typeface="맑은 고딕" panose="020B0503020000020004" pitchFamily="50" charset="-127"/>
-                <a:cs typeface="Segoe UI" panose="020B0502040204020203" pitchFamily="34" charset="0"/>
-              </a:rPr>
-              <a:t>수업정보</a:t>
-            </a:r>
-            <a:endParaRPr lang="ko-KR" altLang="ko-KR" sz="1500" kern="100" dirty="0">
-              <a:latin typeface="맑은 고딕" panose="020B0503020000020004" pitchFamily="50" charset="-127"/>
-              <a:cs typeface="Times New Roman" panose="02020603050405020304" pitchFamily="18" charset="0"/>
-            </a:endParaRPr>
-          </a:p>
-          <a:p>
-            <a:pPr marL="1600200" lvl="3" indent="-228600" latinLnBrk="0">
-              <a:lnSpc>
-                <a:spcPct val="150000"/>
-              </a:lnSpc>
-              <a:buFont typeface="+mj-lt"/>
-              <a:buAutoNum type="arabicPeriod"/>
-              <a:tabLst>
-                <a:tab pos="1828800" algn="l"/>
-              </a:tabLst>
-            </a:pPr>
-            <a:r>
-              <a:rPr lang="ko-KR" altLang="ko-KR" sz="1500" kern="0" dirty="0">
-                <a:solidFill>
-                  <a:srgbClr val="24292E"/>
-                </a:solidFill>
-                <a:latin typeface="맑은 고딕" panose="020B0503020000020004" pitchFamily="50" charset="-127"/>
-                <a:cs typeface="Segoe UI" panose="020B0502040204020203" pitchFamily="34" charset="0"/>
-              </a:rPr>
-              <a:t>과제정보</a:t>
-            </a:r>
-            <a:endParaRPr lang="ko-KR" altLang="ko-KR" sz="1500" kern="100" dirty="0">
-              <a:latin typeface="맑은 고딕" panose="020B0503020000020004" pitchFamily="50" charset="-127"/>
-              <a:cs typeface="Times New Roman" panose="02020603050405020304" pitchFamily="18" charset="0"/>
-            </a:endParaRPr>
-          </a:p>
-          <a:p>
-            <a:pPr latinLnBrk="0">
-              <a:lnSpc>
-                <a:spcPct val="150000"/>
-              </a:lnSpc>
-            </a:pPr>
-            <a:r>
-              <a:rPr lang="en-US" altLang="ko-KR" sz="1500" kern="0" dirty="0">
-                <a:solidFill>
-                  <a:srgbClr val="24292E"/>
-                </a:solidFill>
-                <a:latin typeface="맑은 고딕" panose="020B0503020000020004" pitchFamily="50" charset="-127"/>
-                <a:cs typeface="Segoe UI" panose="020B0502040204020203" pitchFamily="34" charset="0"/>
-              </a:rPr>
-              <a:t> </a:t>
-            </a:r>
-            <a:endParaRPr lang="ko-KR" altLang="ko-KR" sz="1500" kern="100" dirty="0">
-              <a:latin typeface="맑은 고딕" panose="020B0503020000020004" pitchFamily="50" charset="-127"/>
-              <a:cs typeface="Times New Roman" panose="02020603050405020304" pitchFamily="18" charset="0"/>
-            </a:endParaRPr>
-          </a:p>
-        </p:txBody>
-      </p:sp>
-    </p:spTree>
-    <p:extLst>
-      <p:ext uri="{BB962C8B-B14F-4D97-AF65-F5344CB8AC3E}">
-        <p14:creationId xmlns:p14="http://schemas.microsoft.com/office/powerpoint/2010/main" val="71482918"/>
-      </p:ext>
-    </p:extLst>
-  </p:cSld>
-  <p:clrMapOvr>
-    <a:masterClrMapping/>
-  </p:clrMapOvr>
-</p:sld>
-</file>
-
-<file path=ppt/slides/slide11.xml><?xml version="1.0" encoding="utf-8"?>
-<p:sld xmlns:a="http://schemas.openxmlformats.org/drawingml/2006/main" xmlns:r="http://schemas.openxmlformats.org/officeDocument/2006/relationships" xmlns:p="http://schemas.openxmlformats.org/presentationml/2006/main">
-  <p:cSld>
-    <p:spTree>
-      <p:nvGrpSpPr>
-        <p:cNvPr id="1" name=""/>
-        <p:cNvGrpSpPr/>
-        <p:nvPr/>
-      </p:nvGrpSpPr>
-      <p:grpSpPr>
-        <a:xfrm>
-          <a:off x="0" y="0"/>
-          <a:ext cx="0" cy="0"/>
-          <a:chOff x="0" y="0"/>
-          <a:chExt cx="0" cy="0"/>
-        </a:xfrm>
-      </p:grpSpPr>
-      <p:sp>
-        <p:nvSpPr>
-          <p:cNvPr id="3" name="슬라이드 번호 개체 틀 2">
-            <a:extLst>
-              <a:ext uri="{FF2B5EF4-FFF2-40B4-BE49-F238E27FC236}">
-                <a16:creationId xmlns:a16="http://schemas.microsoft.com/office/drawing/2014/main" id="{799A60C0-7893-46CB-8138-0804585B722C}"/>
-              </a:ext>
-            </a:extLst>
-          </p:cNvPr>
-          <p:cNvSpPr>
-            <a:spLocks noGrp="1"/>
-          </p:cNvSpPr>
-          <p:nvPr>
-            <p:ph type="sldNum" sz="quarter" idx="12"/>
-          </p:nvPr>
-        </p:nvSpPr>
-        <p:spPr/>
-        <p:txBody>
-          <a:bodyPr/>
-          <a:lstStyle/>
-          <a:p>
-            <a:fld id="{E4B74A00-9250-47C8-AC6A-A9047051EC8E}" type="slidenum">
-              <a:rPr lang="ko-KR" altLang="en-US" smtClean="0"/>
-              <a:pPr/>
-              <a:t>11</a:t>
             </a:fld>
             <a:endParaRPr lang="ko-KR" altLang="en-US" dirty="0"/>
           </a:p>
@@ -6231,6 +5509,121 @@
 </p:sld>
 </file>
 
+<file path=ppt/slides/slide11.xml><?xml version="1.0" encoding="utf-8"?>
+<p:sld xmlns:a="http://schemas.openxmlformats.org/drawingml/2006/main" xmlns:r="http://schemas.openxmlformats.org/officeDocument/2006/relationships" xmlns:p="http://schemas.openxmlformats.org/presentationml/2006/main">
+  <p:cSld>
+    <p:spTree>
+      <p:nvGrpSpPr>
+        <p:cNvPr id="1" name=""/>
+        <p:cNvGrpSpPr/>
+        <p:nvPr/>
+      </p:nvGrpSpPr>
+      <p:grpSpPr>
+        <a:xfrm>
+          <a:off x="0" y="0"/>
+          <a:ext cx="0" cy="0"/>
+          <a:chOff x="0" y="0"/>
+          <a:chExt cx="0" cy="0"/>
+        </a:xfrm>
+      </p:grpSpPr>
+      <p:sp>
+        <p:nvSpPr>
+          <p:cNvPr id="2" name="내용 개체 틀 1">
+            <a:extLst>
+              <a:ext uri="{FF2B5EF4-FFF2-40B4-BE49-F238E27FC236}">
+                <a16:creationId xmlns:a16="http://schemas.microsoft.com/office/drawing/2014/main" id="{ED75A3EB-4E46-47B3-94B6-7CA7C93255F4}"/>
+              </a:ext>
+            </a:extLst>
+          </p:cNvPr>
+          <p:cNvSpPr>
+            <a:spLocks noGrp="1"/>
+          </p:cNvSpPr>
+          <p:nvPr>
+            <p:ph idx="1"/>
+          </p:nvPr>
+        </p:nvSpPr>
+        <p:spPr/>
+        <p:txBody>
+          <a:bodyPr/>
+          <a:lstStyle/>
+          <a:p>
+            <a:endParaRPr lang="ko-KR" altLang="en-US" dirty="0"/>
+          </a:p>
+        </p:txBody>
+      </p:sp>
+      <p:sp>
+        <p:nvSpPr>
+          <p:cNvPr id="3" name="슬라이드 번호 개체 틀 2">
+            <a:extLst>
+              <a:ext uri="{FF2B5EF4-FFF2-40B4-BE49-F238E27FC236}">
+                <a16:creationId xmlns:a16="http://schemas.microsoft.com/office/drawing/2014/main" id="{80E62AEF-6D0F-4D64-818C-A31823E8B86B}"/>
+              </a:ext>
+            </a:extLst>
+          </p:cNvPr>
+          <p:cNvSpPr>
+            <a:spLocks noGrp="1"/>
+          </p:cNvSpPr>
+          <p:nvPr>
+            <p:ph type="sldNum" sz="quarter" idx="12"/>
+          </p:nvPr>
+        </p:nvSpPr>
+        <p:spPr/>
+        <p:txBody>
+          <a:bodyPr/>
+          <a:lstStyle/>
+          <a:p>
+            <a:fld id="{E4B74A00-9250-47C8-AC6A-A9047051EC8E}" type="slidenum">
+              <a:rPr lang="ko-KR" altLang="en-US" smtClean="0"/>
+              <a:pPr/>
+              <a:t>11</a:t>
+            </a:fld>
+            <a:endParaRPr lang="ko-KR" altLang="en-US" dirty="0"/>
+          </a:p>
+        </p:txBody>
+      </p:sp>
+      <p:sp>
+        <p:nvSpPr>
+          <p:cNvPr id="4" name="제목 3">
+            <a:extLst>
+              <a:ext uri="{FF2B5EF4-FFF2-40B4-BE49-F238E27FC236}">
+                <a16:creationId xmlns:a16="http://schemas.microsoft.com/office/drawing/2014/main" id="{592C6C6D-DBBD-43D6-8663-5937E322DB2B}"/>
+              </a:ext>
+            </a:extLst>
+          </p:cNvPr>
+          <p:cNvSpPr>
+            <a:spLocks noGrp="1"/>
+          </p:cNvSpPr>
+          <p:nvPr>
+            <p:ph type="title"/>
+          </p:nvPr>
+        </p:nvSpPr>
+        <p:spPr/>
+        <p:txBody>
+          <a:bodyPr>
+            <a:normAutofit fontScale="90000"/>
+          </a:bodyPr>
+          <a:lstStyle/>
+          <a:p>
+            <a:r>
+              <a:rPr lang="ko-KR" altLang="en-US" dirty="0"/>
+              <a:t>프로토 타입</a:t>
+            </a:r>
+          </a:p>
+        </p:txBody>
+      </p:sp>
+    </p:spTree>
+    <p:extLst>
+      <p:ext uri="{BB962C8B-B14F-4D97-AF65-F5344CB8AC3E}">
+        <p14:creationId xmlns:p14="http://schemas.microsoft.com/office/powerpoint/2010/main" val="3427766910"/>
+      </p:ext>
+    </p:extLst>
+  </p:cSld>
+  <p:clrMapOvr>
+    <a:masterClrMapping/>
+  </p:clrMapOvr>
+</p:sld>
+</file>
+
 <file path=ppt/slides/slide12.xml><?xml version="1.0" encoding="utf-8"?>
 <p:sld xmlns:a="http://schemas.openxmlformats.org/drawingml/2006/main" xmlns:r="http://schemas.openxmlformats.org/officeDocument/2006/relationships" xmlns:p="http://schemas.openxmlformats.org/presentationml/2006/main">
   <p:cSld>
@@ -6250,121 +5643,6 @@
       </p:grpSpPr>
       <p:sp>
         <p:nvSpPr>
-          <p:cNvPr id="2" name="내용 개체 틀 1">
-            <a:extLst>
-              <a:ext uri="{FF2B5EF4-FFF2-40B4-BE49-F238E27FC236}">
-                <a16:creationId xmlns:a16="http://schemas.microsoft.com/office/drawing/2014/main" id="{ED75A3EB-4E46-47B3-94B6-7CA7C93255F4}"/>
-              </a:ext>
-            </a:extLst>
-          </p:cNvPr>
-          <p:cNvSpPr>
-            <a:spLocks noGrp="1"/>
-          </p:cNvSpPr>
-          <p:nvPr>
-            <p:ph idx="1"/>
-          </p:nvPr>
-        </p:nvSpPr>
-        <p:spPr/>
-        <p:txBody>
-          <a:bodyPr/>
-          <a:lstStyle/>
-          <a:p>
-            <a:endParaRPr lang="ko-KR" altLang="en-US" dirty="0"/>
-          </a:p>
-        </p:txBody>
-      </p:sp>
-      <p:sp>
-        <p:nvSpPr>
-          <p:cNvPr id="3" name="슬라이드 번호 개체 틀 2">
-            <a:extLst>
-              <a:ext uri="{FF2B5EF4-FFF2-40B4-BE49-F238E27FC236}">
-                <a16:creationId xmlns:a16="http://schemas.microsoft.com/office/drawing/2014/main" id="{80E62AEF-6D0F-4D64-818C-A31823E8B86B}"/>
-              </a:ext>
-            </a:extLst>
-          </p:cNvPr>
-          <p:cNvSpPr>
-            <a:spLocks noGrp="1"/>
-          </p:cNvSpPr>
-          <p:nvPr>
-            <p:ph type="sldNum" sz="quarter" idx="12"/>
-          </p:nvPr>
-        </p:nvSpPr>
-        <p:spPr/>
-        <p:txBody>
-          <a:bodyPr/>
-          <a:lstStyle/>
-          <a:p>
-            <a:fld id="{E4B74A00-9250-47C8-AC6A-A9047051EC8E}" type="slidenum">
-              <a:rPr lang="ko-KR" altLang="en-US" smtClean="0"/>
-              <a:pPr/>
-              <a:t>12</a:t>
-            </a:fld>
-            <a:endParaRPr lang="ko-KR" altLang="en-US" dirty="0"/>
-          </a:p>
-        </p:txBody>
-      </p:sp>
-      <p:sp>
-        <p:nvSpPr>
-          <p:cNvPr id="4" name="제목 3">
-            <a:extLst>
-              <a:ext uri="{FF2B5EF4-FFF2-40B4-BE49-F238E27FC236}">
-                <a16:creationId xmlns:a16="http://schemas.microsoft.com/office/drawing/2014/main" id="{592C6C6D-DBBD-43D6-8663-5937E322DB2B}"/>
-              </a:ext>
-            </a:extLst>
-          </p:cNvPr>
-          <p:cNvSpPr>
-            <a:spLocks noGrp="1"/>
-          </p:cNvSpPr>
-          <p:nvPr>
-            <p:ph type="title"/>
-          </p:nvPr>
-        </p:nvSpPr>
-        <p:spPr/>
-        <p:txBody>
-          <a:bodyPr>
-            <a:normAutofit fontScale="90000"/>
-          </a:bodyPr>
-          <a:lstStyle/>
-          <a:p>
-            <a:r>
-              <a:rPr lang="ko-KR" altLang="en-US" dirty="0"/>
-              <a:t>프로토 타입</a:t>
-            </a:r>
-          </a:p>
-        </p:txBody>
-      </p:sp>
-    </p:spTree>
-    <p:extLst>
-      <p:ext uri="{BB962C8B-B14F-4D97-AF65-F5344CB8AC3E}">
-        <p14:creationId xmlns:p14="http://schemas.microsoft.com/office/powerpoint/2010/main" val="3427766910"/>
-      </p:ext>
-    </p:extLst>
-  </p:cSld>
-  <p:clrMapOvr>
-    <a:masterClrMapping/>
-  </p:clrMapOvr>
-</p:sld>
-</file>
-
-<file path=ppt/slides/slide13.xml><?xml version="1.0" encoding="utf-8"?>
-<p:sld xmlns:a="http://schemas.openxmlformats.org/drawingml/2006/main" xmlns:r="http://schemas.openxmlformats.org/officeDocument/2006/relationships" xmlns:p="http://schemas.openxmlformats.org/presentationml/2006/main">
-  <p:cSld>
-    <p:spTree>
-      <p:nvGrpSpPr>
-        <p:cNvPr id="1" name=""/>
-        <p:cNvGrpSpPr/>
-        <p:nvPr/>
-      </p:nvGrpSpPr>
-      <p:grpSpPr>
-        <a:xfrm>
-          <a:off x="0" y="0"/>
-          <a:ext cx="0" cy="0"/>
-          <a:chOff x="0" y="0"/>
-          <a:chExt cx="0" cy="0"/>
-        </a:xfrm>
-      </p:grpSpPr>
-      <p:sp>
-        <p:nvSpPr>
           <p:cNvPr id="2" name="내용 개체 틀 1"/>
           <p:cNvSpPr>
             <a:spLocks noGrp="1"/>
@@ -6427,7 +5705,7 @@
               <a:pPr lvl="0">
                 <a:defRPr/>
               </a:pPr>
-              <a:t>13</a:t>
+              <a:t>12</a:t>
             </a:fld>
             <a:endParaRPr lang="en-US" altLang="en-US"/>
           </a:p>
@@ -6474,14 +5752,14 @@
     <mc:Choice Requires="p14">
       <p:transition/>
     </mc:Choice>
-    <mc:Fallback xmlns:dsp="http://schemas.microsoft.com/office/drawing/2008/diagram" xmlns:dgm="http://schemas.openxmlformats.org/drawingml/2006/diagram" xmlns:c="http://schemas.openxmlformats.org/drawingml/2006/chart" xmlns="">
+    <mc:Fallback xmlns="" xmlns:c="http://schemas.openxmlformats.org/drawingml/2006/chart" xmlns:dgm="http://schemas.openxmlformats.org/drawingml/2006/diagram" xmlns:dsp="http://schemas.microsoft.com/office/drawing/2008/diagram">
       <p:transition/>
     </mc:Fallback>
   </mc:AlternateContent>
 </p:sld>
 </file>
 
-<file path=ppt/slides/slide14.xml><?xml version="1.0" encoding="utf-8"?>
+<file path=ppt/slides/slide13.xml><?xml version="1.0" encoding="utf-8"?>
 <p:sld xmlns:a="http://schemas.openxmlformats.org/drawingml/2006/main" xmlns:r="http://schemas.openxmlformats.org/officeDocument/2006/relationships" xmlns:p="http://schemas.openxmlformats.org/presentationml/2006/main">
   <p:cSld>
     <p:spTree>
@@ -6752,7 +6030,7 @@
     <mc:Choice Requires="p14">
       <p:transition/>
     </mc:Choice>
-    <mc:Fallback xmlns:dsp="http://schemas.microsoft.com/office/drawing/2008/diagram" xmlns:dgm="http://schemas.openxmlformats.org/drawingml/2006/diagram" xmlns:c="http://schemas.openxmlformats.org/drawingml/2006/chart" xmlns="">
+    <mc:Fallback xmlns="" xmlns:c="http://schemas.openxmlformats.org/drawingml/2006/chart" xmlns:dgm="http://schemas.openxmlformats.org/drawingml/2006/diagram" xmlns:dsp="http://schemas.microsoft.com/office/drawing/2008/diagram">
       <p:transition/>
     </mc:Fallback>
   </mc:AlternateContent>
@@ -6778,452 +6056,6 @@
       </p:grpSpPr>
       <p:sp>
         <p:nvSpPr>
-          <p:cNvPr id="3" name="슬라이드 번호 개체 틀 2"/>
-          <p:cNvSpPr>
-            <a:spLocks noGrp="1"/>
-          </p:cNvSpPr>
-          <p:nvPr>
-            <p:ph type="sldNum" sz="quarter" idx="12"/>
-          </p:nvPr>
-        </p:nvSpPr>
-        <p:spPr/>
-        <p:txBody>
-          <a:bodyPr/>
-          <a:lstStyle/>
-          <a:p>
-            <a:pPr lvl="0">
-              <a:defRPr/>
-            </a:pPr>
-            <a:fld id="{E4B74A00-9250-47C8-AC6A-A9047051EC8E}" type="slidenum">
-              <a:rPr lang="en-US" altLang="en-US"/>
-              <a:pPr lvl="0">
-                <a:defRPr/>
-              </a:pPr>
-              <a:t>3</a:t>
-            </a:fld>
-            <a:endParaRPr lang="en-US" altLang="en-US"/>
-          </a:p>
-        </p:txBody>
-      </p:sp>
-      <p:sp>
-        <p:nvSpPr>
-          <p:cNvPr id="4" name="제목 3"/>
-          <p:cNvSpPr>
-            <a:spLocks noGrp="1"/>
-          </p:cNvSpPr>
-          <p:nvPr>
-            <p:ph type="title"/>
-          </p:nvPr>
-        </p:nvSpPr>
-        <p:spPr/>
-        <p:txBody>
-          <a:bodyPr>
-            <a:normAutofit fontScale="90000"/>
-          </a:bodyPr>
-          <a:lstStyle/>
-          <a:p>
-            <a:pPr lvl="0">
-              <a:defRPr/>
-            </a:pPr>
-            <a:r>
-              <a:rPr lang="ko-KR" altLang="en-US"/>
-              <a:t>팀소개</a:t>
-            </a:r>
-          </a:p>
-        </p:txBody>
-      </p:sp>
-      <p:sp>
-        <p:nvSpPr>
-          <p:cNvPr id="5" name="타원 4"/>
-          <p:cNvSpPr/>
-          <p:nvPr/>
-        </p:nvSpPr>
-        <p:spPr>
-          <a:xfrm>
-            <a:off x="1007538" y="1651000"/>
-            <a:ext cx="1080000" cy="1080000"/>
-          </a:xfrm>
-          <a:prstGeom prst="ellipse">
-            <a:avLst/>
-          </a:prstGeom>
-          <a:blipFill>
-            <a:blip r:embed="rId2"/>
-            <a:stretch>
-              <a:fillRect/>
-            </a:stretch>
-          </a:blipFill>
-        </p:spPr>
-        <p:style>
-          <a:lnRef idx="2">
-            <a:schemeClr val="accent1">
-              <a:shade val="50000"/>
-            </a:schemeClr>
-          </a:lnRef>
-          <a:fillRef idx="1">
-            <a:schemeClr val="accent1"/>
-          </a:fillRef>
-          <a:effectRef idx="0">
-            <a:schemeClr val="accent1"/>
-          </a:effectRef>
-          <a:fontRef idx="minor">
-            <a:schemeClr val="lt1"/>
-          </a:fontRef>
-        </p:style>
-        <p:txBody>
-          <a:bodyPr anchor="ctr"/>
-          <a:lstStyle/>
-          <a:p>
-            <a:pPr algn="ctr">
-              <a:defRPr/>
-            </a:pPr>
-            <a:endParaRPr lang="ko-KR" altLang="en-US"/>
-          </a:p>
-        </p:txBody>
-      </p:sp>
-      <p:sp>
-        <p:nvSpPr>
-          <p:cNvPr id="6" name="타원 5"/>
-          <p:cNvSpPr/>
-          <p:nvPr/>
-        </p:nvSpPr>
-        <p:spPr>
-          <a:xfrm>
-            <a:off x="1007538" y="3178735"/>
-            <a:ext cx="1080000" cy="1080000"/>
-          </a:xfrm>
-          <a:prstGeom prst="ellipse">
-            <a:avLst/>
-          </a:prstGeom>
-          <a:blipFill rotWithShape="1">
-            <a:blip r:embed="rId3">
-              <a:alphaModFix/>
-              <a:lum/>
-            </a:blip>
-            <a:srcRect/>
-            <a:stretch>
-              <a:fillRect/>
-            </a:stretch>
-          </a:blipFill>
-        </p:spPr>
-        <p:style>
-          <a:lnRef idx="2">
-            <a:schemeClr val="accent1">
-              <a:shade val="50000"/>
-            </a:schemeClr>
-          </a:lnRef>
-          <a:fillRef idx="1">
-            <a:schemeClr val="accent1"/>
-          </a:fillRef>
-          <a:effectRef idx="0">
-            <a:schemeClr val="accent1"/>
-          </a:effectRef>
-          <a:fontRef idx="minor">
-            <a:schemeClr val="lt1"/>
-          </a:fontRef>
-        </p:style>
-        <p:txBody>
-          <a:bodyPr anchor="ctr"/>
-          <a:lstStyle/>
-          <a:p>
-            <a:pPr algn="ctr">
-              <a:defRPr/>
-            </a:pPr>
-            <a:endParaRPr lang="ko-KR" altLang="en-US"/>
-          </a:p>
-        </p:txBody>
-      </p:sp>
-      <p:sp>
-        <p:nvSpPr>
-          <p:cNvPr id="7" name="타원 6"/>
-          <p:cNvSpPr/>
-          <p:nvPr/>
-        </p:nvSpPr>
-        <p:spPr>
-          <a:xfrm>
-            <a:off x="995338" y="4706470"/>
-            <a:ext cx="1080000" cy="1080000"/>
-          </a:xfrm>
-          <a:prstGeom prst="ellipse">
-            <a:avLst/>
-          </a:prstGeom>
-          <a:blipFill rotWithShape="1">
-            <a:blip r:embed="rId4"/>
-            <a:stretch>
-              <a:fillRect/>
-            </a:stretch>
-          </a:blipFill>
-        </p:spPr>
-        <p:style>
-          <a:lnRef idx="2">
-            <a:schemeClr val="accent1">
-              <a:shade val="50000"/>
-            </a:schemeClr>
-          </a:lnRef>
-          <a:fillRef idx="1">
-            <a:schemeClr val="accent1"/>
-          </a:fillRef>
-          <a:effectRef idx="0">
-            <a:schemeClr val="accent1"/>
-          </a:effectRef>
-          <a:fontRef idx="minor">
-            <a:schemeClr val="lt1"/>
-          </a:fontRef>
-        </p:style>
-        <p:txBody>
-          <a:bodyPr anchor="ctr"/>
-          <a:lstStyle/>
-          <a:p>
-            <a:pPr algn="ctr">
-              <a:defRPr/>
-            </a:pPr>
-            <a:endParaRPr lang="ko-KR" altLang="en-US"/>
-          </a:p>
-        </p:txBody>
-      </p:sp>
-      <p:sp>
-        <p:nvSpPr>
-          <p:cNvPr id="8" name="TextBox 7"/>
-          <p:cNvSpPr txBox="1"/>
-          <p:nvPr/>
-        </p:nvSpPr>
-        <p:spPr>
-          <a:xfrm>
-            <a:off x="2421472" y="1744133"/>
-            <a:ext cx="3733800" cy="444712"/>
-          </a:xfrm>
-          <a:prstGeom prst="rect">
-            <a:avLst/>
-          </a:prstGeom>
-          <a:noFill/>
-        </p:spPr>
-        <p:txBody>
-          <a:bodyPr wrap="square">
-            <a:spAutoFit/>
-          </a:bodyPr>
-          <a:lstStyle/>
-          <a:p>
-            <a:pPr lvl="0">
-              <a:defRPr/>
-            </a:pPr>
-            <a:r>
-              <a:rPr lang="ko-KR" altLang="en-US" sz="2400"/>
-              <a:t>김장현</a:t>
-            </a:r>
-          </a:p>
-        </p:txBody>
-      </p:sp>
-      <p:sp>
-        <p:nvSpPr>
-          <p:cNvPr id="9" name="TextBox 8"/>
-          <p:cNvSpPr txBox="1"/>
-          <p:nvPr/>
-        </p:nvSpPr>
-        <p:spPr>
-          <a:xfrm>
-            <a:off x="2421472" y="2361668"/>
-            <a:ext cx="3733800" cy="369332"/>
-          </a:xfrm>
-          <a:prstGeom prst="rect">
-            <a:avLst/>
-          </a:prstGeom>
-          <a:noFill/>
-        </p:spPr>
-        <p:txBody>
-          <a:bodyPr wrap="square">
-            <a:spAutoFit/>
-          </a:bodyPr>
-          <a:lstStyle/>
-          <a:p>
-            <a:pPr lvl="0">
-              <a:defRPr/>
-            </a:pPr>
-            <a:r>
-              <a:rPr lang="ko-KR" altLang="en-US"/>
-              <a:t>고정 발표</a:t>
-            </a:r>
-            <a:r>
-              <a:rPr lang="en-US" altLang="ko-KR"/>
-              <a:t>, backend, </a:t>
-            </a:r>
-            <a:r>
-              <a:rPr lang="ko-KR" altLang="en-US"/>
-              <a:t>테스트</a:t>
-            </a:r>
-          </a:p>
-        </p:txBody>
-      </p:sp>
-      <p:sp>
-        <p:nvSpPr>
-          <p:cNvPr id="10" name="TextBox 9"/>
-          <p:cNvSpPr txBox="1"/>
-          <p:nvPr/>
-        </p:nvSpPr>
-        <p:spPr>
-          <a:xfrm>
-            <a:off x="2421472" y="3271868"/>
-            <a:ext cx="3733800" cy="450502"/>
-          </a:xfrm>
-          <a:prstGeom prst="rect">
-            <a:avLst/>
-          </a:prstGeom>
-          <a:noFill/>
-        </p:spPr>
-        <p:txBody>
-          <a:bodyPr wrap="square">
-            <a:spAutoFit/>
-          </a:bodyPr>
-          <a:lstStyle/>
-          <a:p>
-            <a:pPr lvl="0">
-              <a:defRPr/>
-            </a:pPr>
-            <a:r>
-              <a:rPr lang="ko-KR" altLang="en-US" sz="2400"/>
-              <a:t>류다인</a:t>
-            </a:r>
-          </a:p>
-        </p:txBody>
-      </p:sp>
-      <p:sp>
-        <p:nvSpPr>
-          <p:cNvPr id="11" name="TextBox 10"/>
-          <p:cNvSpPr txBox="1"/>
-          <p:nvPr/>
-        </p:nvSpPr>
-        <p:spPr>
-          <a:xfrm>
-            <a:off x="2421472" y="3889403"/>
-            <a:ext cx="3733800" cy="369332"/>
-          </a:xfrm>
-          <a:prstGeom prst="rect">
-            <a:avLst/>
-          </a:prstGeom>
-          <a:noFill/>
-        </p:spPr>
-        <p:txBody>
-          <a:bodyPr wrap="square">
-            <a:spAutoFit/>
-          </a:bodyPr>
-          <a:lstStyle/>
-          <a:p>
-            <a:pPr lvl="0">
-              <a:defRPr/>
-            </a:pPr>
-            <a:r>
-              <a:rPr lang="en-US" altLang="ko-KR"/>
-              <a:t>backend, </a:t>
-            </a:r>
-            <a:r>
-              <a:rPr lang="ko-KR" altLang="en-US"/>
-              <a:t>테스트</a:t>
-            </a:r>
-          </a:p>
-        </p:txBody>
-      </p:sp>
-      <p:sp>
-        <p:nvSpPr>
-          <p:cNvPr id="14" name="TextBox 13"/>
-          <p:cNvSpPr txBox="1"/>
-          <p:nvPr/>
-        </p:nvSpPr>
-        <p:spPr>
-          <a:xfrm>
-            <a:off x="2421472" y="4714405"/>
-            <a:ext cx="3733800" cy="446240"/>
-          </a:xfrm>
-          <a:prstGeom prst="rect">
-            <a:avLst/>
-          </a:prstGeom>
-          <a:noFill/>
-        </p:spPr>
-        <p:txBody>
-          <a:bodyPr wrap="square">
-            <a:spAutoFit/>
-          </a:bodyPr>
-          <a:lstStyle/>
-          <a:p>
-            <a:pPr lvl="0">
-              <a:defRPr/>
-            </a:pPr>
-            <a:r>
-              <a:rPr lang="ko-KR" altLang="en-US" sz="2400"/>
-              <a:t>박은영</a:t>
-            </a:r>
-          </a:p>
-        </p:txBody>
-      </p:sp>
-      <p:sp>
-        <p:nvSpPr>
-          <p:cNvPr id="15" name="TextBox 14"/>
-          <p:cNvSpPr txBox="1"/>
-          <p:nvPr/>
-        </p:nvSpPr>
-        <p:spPr>
-          <a:xfrm>
-            <a:off x="2421472" y="5331940"/>
-            <a:ext cx="3733800" cy="369332"/>
-          </a:xfrm>
-          <a:prstGeom prst="rect">
-            <a:avLst/>
-          </a:prstGeom>
-          <a:noFill/>
-        </p:spPr>
-        <p:txBody>
-          <a:bodyPr wrap="square">
-            <a:spAutoFit/>
-          </a:bodyPr>
-          <a:lstStyle/>
-          <a:p>
-            <a:pPr lvl="0">
-              <a:defRPr/>
-            </a:pPr>
-            <a:r>
-              <a:rPr lang="ko-KR" altLang="en-US"/>
-              <a:t>프로젝트 관리</a:t>
-            </a:r>
-            <a:r>
-              <a:rPr lang="en-US" altLang="ko-KR"/>
-              <a:t>, frontend</a:t>
-            </a:r>
-            <a:endParaRPr lang="ko-KR" altLang="en-US"/>
-          </a:p>
-        </p:txBody>
-      </p:sp>
-    </p:spTree>
-  </p:cSld>
-  <p:clrMapOvr>
-    <a:masterClrMapping/>
-  </p:clrMapOvr>
-  <mc:AlternateContent xmlns:mc="http://schemas.openxmlformats.org/markup-compatibility/2006" xmlns:p14="http://schemas.microsoft.com/office/powerpoint/2010/main">
-    <mc:Choice Requires="p14">
-      <p:transition/>
-    </mc:Choice>
-    <mc:Fallback xmlns:dsp="http://schemas.microsoft.com/office/drawing/2008/diagram" xmlns:dgm="http://schemas.openxmlformats.org/drawingml/2006/diagram" xmlns:c="http://schemas.openxmlformats.org/drawingml/2006/chart" xmlns="">
-      <p:transition/>
-    </mc:Fallback>
-  </mc:AlternateContent>
-</p:sld>
-</file>
-
-<file path=ppt/slides/slide4.xml><?xml version="1.0" encoding="utf-8"?>
-<p:sld xmlns:a="http://schemas.openxmlformats.org/drawingml/2006/main" xmlns:r="http://schemas.openxmlformats.org/officeDocument/2006/relationships" xmlns:p="http://schemas.openxmlformats.org/presentationml/2006/main">
-  <p:cSld>
-    <p:spTree>
-      <p:nvGrpSpPr>
-        <p:cNvPr id="1" name=""/>
-        <p:cNvGrpSpPr/>
-        <p:nvPr/>
-      </p:nvGrpSpPr>
-      <p:grpSpPr>
-        <a:xfrm>
-          <a:off x="0" y="0"/>
-          <a:ext cx="0" cy="0"/>
-          <a:chOff x="0" y="0"/>
-          <a:chExt cx="0" cy="0"/>
-        </a:xfrm>
-      </p:grpSpPr>
-      <p:sp>
-        <p:nvSpPr>
           <p:cNvPr id="3" name="슬라이드 번호 개체 틀 2">
             <a:extLst>
               <a:ext uri="{FF2B5EF4-FFF2-40B4-BE49-F238E27FC236}">
@@ -7246,7 +6078,7 @@
             <a:fld id="{E4B74A00-9250-47C8-AC6A-A9047051EC8E}" type="slidenum">
               <a:rPr lang="ko-KR" altLang="en-US" smtClean="0"/>
               <a:pPr/>
-              <a:t>4</a:t>
+              <a:t>3</a:t>
             </a:fld>
             <a:endParaRPr lang="ko-KR" altLang="en-US" dirty="0"/>
           </a:p>
@@ -8172,7 +7004,7 @@
 </p:sld>
 </file>
 
-<file path=ppt/slides/slide5.xml><?xml version="1.0" encoding="utf-8"?>
+<file path=ppt/slides/slide4.xml><?xml version="1.0" encoding="utf-8"?>
 <p:sld xmlns:a="http://schemas.openxmlformats.org/drawingml/2006/main" xmlns:r="http://schemas.openxmlformats.org/officeDocument/2006/relationships" xmlns:p="http://schemas.openxmlformats.org/presentationml/2006/main">
   <p:cSld>
     <p:spTree>
@@ -8213,7 +7045,7 @@
             <a:fld id="{E4B74A00-9250-47C8-AC6A-A9047051EC8E}" type="slidenum">
               <a:rPr lang="ko-KR" altLang="en-US" smtClean="0"/>
               <a:pPr/>
-              <a:t>5</a:t>
+              <a:t>4</a:t>
             </a:fld>
             <a:endParaRPr lang="ko-KR" altLang="en-US" dirty="0"/>
           </a:p>
@@ -8297,6 +7129,151 @@
 </p:sld>
 </file>
 
+<file path=ppt/slides/slide5.xml><?xml version="1.0" encoding="utf-8"?>
+<p:sld xmlns:a="http://schemas.openxmlformats.org/drawingml/2006/main" xmlns:r="http://schemas.openxmlformats.org/officeDocument/2006/relationships" xmlns:p="http://schemas.openxmlformats.org/presentationml/2006/main">
+  <p:cSld>
+    <p:spTree>
+      <p:nvGrpSpPr>
+        <p:cNvPr id="1" name=""/>
+        <p:cNvGrpSpPr/>
+        <p:nvPr/>
+      </p:nvGrpSpPr>
+      <p:grpSpPr>
+        <a:xfrm>
+          <a:off x="0" y="0"/>
+          <a:ext cx="0" cy="0"/>
+          <a:chOff x="0" y="0"/>
+          <a:chExt cx="0" cy="0"/>
+        </a:xfrm>
+      </p:grpSpPr>
+      <p:sp>
+        <p:nvSpPr>
+          <p:cNvPr id="2" name="내용 개체 틀 1">
+            <a:extLst>
+              <a:ext uri="{FF2B5EF4-FFF2-40B4-BE49-F238E27FC236}">
+                <a16:creationId xmlns:a16="http://schemas.microsoft.com/office/drawing/2014/main" id="{6A34F09D-F2B5-414F-B7A1-01B3FB4BACCB}"/>
+              </a:ext>
+            </a:extLst>
+          </p:cNvPr>
+          <p:cNvSpPr>
+            <a:spLocks noGrp="1"/>
+          </p:cNvSpPr>
+          <p:nvPr>
+            <p:ph idx="1"/>
+          </p:nvPr>
+        </p:nvSpPr>
+        <p:spPr/>
+        <p:txBody>
+          <a:bodyPr/>
+          <a:lstStyle/>
+          <a:p>
+            <a:pPr fontAlgn="base">
+              <a:lnSpc>
+                <a:spcPct val="200000"/>
+              </a:lnSpc>
+            </a:pPr>
+            <a:r>
+              <a:rPr lang="ko-KR" altLang="en-US" dirty="0"/>
+              <a:t>커뮤니티와 채팅을 융합하여 서로의 장단점을 보완해줄 플랫폼</a:t>
+            </a:r>
+          </a:p>
+          <a:p>
+            <a:pPr fontAlgn="base">
+              <a:lnSpc>
+                <a:spcPct val="200000"/>
+              </a:lnSpc>
+            </a:pPr>
+            <a:r>
+              <a:rPr lang="ko-KR" altLang="en-US" dirty="0"/>
+              <a:t>지도의 위치기반 서비스는 사용자들을 더욱 쉽게 연결해 줄 것으로 기대</a:t>
+            </a:r>
+          </a:p>
+          <a:p>
+            <a:endParaRPr lang="ko-KR" altLang="en-US" dirty="0"/>
+          </a:p>
+        </p:txBody>
+      </p:sp>
+      <p:sp>
+        <p:nvSpPr>
+          <p:cNvPr id="3" name="슬라이드 번호 개체 틀 2">
+            <a:extLst>
+              <a:ext uri="{FF2B5EF4-FFF2-40B4-BE49-F238E27FC236}">
+                <a16:creationId xmlns:a16="http://schemas.microsoft.com/office/drawing/2014/main" id="{9D031380-38C8-4B61-9EB4-F07F27115613}"/>
+              </a:ext>
+            </a:extLst>
+          </p:cNvPr>
+          <p:cNvSpPr>
+            <a:spLocks noGrp="1"/>
+          </p:cNvSpPr>
+          <p:nvPr>
+            <p:ph type="sldNum" sz="quarter" idx="12"/>
+          </p:nvPr>
+        </p:nvSpPr>
+        <p:spPr/>
+        <p:txBody>
+          <a:bodyPr/>
+          <a:lstStyle/>
+          <a:p>
+            <a:fld id="{E4B74A00-9250-47C8-AC6A-A9047051EC8E}" type="slidenum">
+              <a:rPr lang="ko-KR" altLang="en-US" smtClean="0"/>
+              <a:pPr/>
+              <a:t>5</a:t>
+            </a:fld>
+            <a:endParaRPr lang="ko-KR" altLang="en-US" dirty="0"/>
+          </a:p>
+        </p:txBody>
+      </p:sp>
+      <p:sp>
+        <p:nvSpPr>
+          <p:cNvPr id="4" name="제목 3">
+            <a:extLst>
+              <a:ext uri="{FF2B5EF4-FFF2-40B4-BE49-F238E27FC236}">
+                <a16:creationId xmlns:a16="http://schemas.microsoft.com/office/drawing/2014/main" id="{04738163-20BE-4088-9CA9-2703D316F808}"/>
+              </a:ext>
+            </a:extLst>
+          </p:cNvPr>
+          <p:cNvSpPr>
+            <a:spLocks noGrp="1"/>
+          </p:cNvSpPr>
+          <p:nvPr>
+            <p:ph type="title"/>
+          </p:nvPr>
+        </p:nvSpPr>
+        <p:spPr/>
+        <p:txBody>
+          <a:bodyPr>
+            <a:normAutofit fontScale="90000"/>
+          </a:bodyPr>
+          <a:lstStyle/>
+          <a:p>
+            <a:r>
+              <a:rPr lang="ko-KR" altLang="en-US" dirty="0"/>
+              <a:t>아이디어 소개 </a:t>
+            </a:r>
+            <a:r>
+              <a:rPr lang="en-US" altLang="ko-KR" dirty="0"/>
+              <a:t>(3) – </a:t>
+            </a:r>
+            <a:r>
+              <a:rPr lang="ko-KR" altLang="en-US" dirty="0"/>
+              <a:t>결과 및 기대 효과</a:t>
+            </a:r>
+          </a:p>
+        </p:txBody>
+      </p:sp>
+    </p:spTree>
+    <p:extLst>
+      <p:ext uri="{BB962C8B-B14F-4D97-AF65-F5344CB8AC3E}">
+        <p14:creationId xmlns:p14="http://schemas.microsoft.com/office/powerpoint/2010/main" val="3982269448"/>
+      </p:ext>
+    </p:extLst>
+  </p:cSld>
+  <p:clrMapOvr>
+    <a:masterClrMapping/>
+  </p:clrMapOvr>
+</p:sld>
+</file>
+
 <file path=ppt/slides/slide6.xml><?xml version="1.0" encoding="utf-8"?>
 <p:sld xmlns:a="http://schemas.openxmlformats.org/drawingml/2006/main" xmlns:r="http://schemas.openxmlformats.org/officeDocument/2006/relationships" xmlns:p="http://schemas.openxmlformats.org/presentationml/2006/main">
   <p:cSld>
@@ -8316,57 +7293,10 @@
       </p:grpSpPr>
       <p:sp>
         <p:nvSpPr>
-          <p:cNvPr id="2" name="내용 개체 틀 1">
-            <a:extLst>
-              <a:ext uri="{FF2B5EF4-FFF2-40B4-BE49-F238E27FC236}">
-                <a16:creationId xmlns:a16="http://schemas.microsoft.com/office/drawing/2014/main" id="{6A34F09D-F2B5-414F-B7A1-01B3FB4BACCB}"/>
-              </a:ext>
-            </a:extLst>
-          </p:cNvPr>
-          <p:cNvSpPr>
-            <a:spLocks noGrp="1"/>
-          </p:cNvSpPr>
-          <p:nvPr>
-            <p:ph idx="1"/>
-          </p:nvPr>
-        </p:nvSpPr>
-        <p:spPr/>
-        <p:txBody>
-          <a:bodyPr/>
-          <a:lstStyle/>
-          <a:p>
-            <a:pPr fontAlgn="base">
-              <a:lnSpc>
-                <a:spcPct val="200000"/>
-              </a:lnSpc>
-            </a:pPr>
-            <a:r>
-              <a:rPr lang="ko-KR" altLang="en-US" dirty="0"/>
-              <a:t>커뮤니티와 채팅을 융합하여 서로의 장단점을 보완해줄 플랫폼</a:t>
-            </a:r>
-          </a:p>
-          <a:p>
-            <a:pPr fontAlgn="base">
-              <a:lnSpc>
-                <a:spcPct val="200000"/>
-              </a:lnSpc>
-            </a:pPr>
-            <a:r>
-              <a:rPr lang="ko-KR" altLang="en-US" dirty="0"/>
-              <a:t>지도의 위치기반 서비스는 사용자들을 더욱 쉽게 연결해 줄 것으로 기대</a:t>
-            </a:r>
-          </a:p>
-          <a:p>
-            <a:endParaRPr lang="ko-KR" altLang="en-US" dirty="0"/>
-          </a:p>
-        </p:txBody>
-      </p:sp>
-      <p:sp>
-        <p:nvSpPr>
           <p:cNvPr id="3" name="슬라이드 번호 개체 틀 2">
             <a:extLst>
               <a:ext uri="{FF2B5EF4-FFF2-40B4-BE49-F238E27FC236}">
-                <a16:creationId xmlns:a16="http://schemas.microsoft.com/office/drawing/2014/main" id="{9D031380-38C8-4B61-9EB4-F07F27115613}"/>
+                <a16:creationId xmlns:a16="http://schemas.microsoft.com/office/drawing/2014/main" id="{41674EDC-5384-4409-ACA4-602B17BBC7F1}"/>
               </a:ext>
             </a:extLst>
           </p:cNvPr>
@@ -8386,104 +7316,6 @@
               <a:rPr lang="ko-KR" altLang="en-US" smtClean="0"/>
               <a:pPr/>
               <a:t>6</a:t>
-            </a:fld>
-            <a:endParaRPr lang="ko-KR" altLang="en-US" dirty="0"/>
-          </a:p>
-        </p:txBody>
-      </p:sp>
-      <p:sp>
-        <p:nvSpPr>
-          <p:cNvPr id="4" name="제목 3">
-            <a:extLst>
-              <a:ext uri="{FF2B5EF4-FFF2-40B4-BE49-F238E27FC236}">
-                <a16:creationId xmlns:a16="http://schemas.microsoft.com/office/drawing/2014/main" id="{04738163-20BE-4088-9CA9-2703D316F808}"/>
-              </a:ext>
-            </a:extLst>
-          </p:cNvPr>
-          <p:cNvSpPr>
-            <a:spLocks noGrp="1"/>
-          </p:cNvSpPr>
-          <p:nvPr>
-            <p:ph type="title"/>
-          </p:nvPr>
-        </p:nvSpPr>
-        <p:spPr/>
-        <p:txBody>
-          <a:bodyPr>
-            <a:normAutofit fontScale="90000"/>
-          </a:bodyPr>
-          <a:lstStyle/>
-          <a:p>
-            <a:r>
-              <a:rPr lang="ko-KR" altLang="en-US" dirty="0"/>
-              <a:t>아이디어 소개 </a:t>
-            </a:r>
-            <a:r>
-              <a:rPr lang="en-US" altLang="ko-KR" dirty="0"/>
-              <a:t>(3) – </a:t>
-            </a:r>
-            <a:r>
-              <a:rPr lang="ko-KR" altLang="en-US" dirty="0"/>
-              <a:t>결과 및 기대 효과</a:t>
-            </a:r>
-          </a:p>
-        </p:txBody>
-      </p:sp>
-    </p:spTree>
-    <p:extLst>
-      <p:ext uri="{BB962C8B-B14F-4D97-AF65-F5344CB8AC3E}">
-        <p14:creationId xmlns:p14="http://schemas.microsoft.com/office/powerpoint/2010/main" val="3982269448"/>
-      </p:ext>
-    </p:extLst>
-  </p:cSld>
-  <p:clrMapOvr>
-    <a:masterClrMapping/>
-  </p:clrMapOvr>
-</p:sld>
-</file>
-
-<file path=ppt/slides/slide7.xml><?xml version="1.0" encoding="utf-8"?>
-<p:sld xmlns:a="http://schemas.openxmlformats.org/drawingml/2006/main" xmlns:r="http://schemas.openxmlformats.org/officeDocument/2006/relationships" xmlns:p="http://schemas.openxmlformats.org/presentationml/2006/main">
-  <p:cSld>
-    <p:spTree>
-      <p:nvGrpSpPr>
-        <p:cNvPr id="1" name=""/>
-        <p:cNvGrpSpPr/>
-        <p:nvPr/>
-      </p:nvGrpSpPr>
-      <p:grpSpPr>
-        <a:xfrm>
-          <a:off x="0" y="0"/>
-          <a:ext cx="0" cy="0"/>
-          <a:chOff x="0" y="0"/>
-          <a:chExt cx="0" cy="0"/>
-        </a:xfrm>
-      </p:grpSpPr>
-      <p:sp>
-        <p:nvSpPr>
-          <p:cNvPr id="3" name="슬라이드 번호 개체 틀 2">
-            <a:extLst>
-              <a:ext uri="{FF2B5EF4-FFF2-40B4-BE49-F238E27FC236}">
-                <a16:creationId xmlns:a16="http://schemas.microsoft.com/office/drawing/2014/main" id="{41674EDC-5384-4409-ACA4-602B17BBC7F1}"/>
-              </a:ext>
-            </a:extLst>
-          </p:cNvPr>
-          <p:cNvSpPr>
-            <a:spLocks noGrp="1"/>
-          </p:cNvSpPr>
-          <p:nvPr>
-            <p:ph type="sldNum" sz="quarter" idx="12"/>
-          </p:nvPr>
-        </p:nvSpPr>
-        <p:spPr/>
-        <p:txBody>
-          <a:bodyPr/>
-          <a:lstStyle/>
-          <a:p>
-            <a:fld id="{E4B74A00-9250-47C8-AC6A-A9047051EC8E}" type="slidenum">
-              <a:rPr lang="ko-KR" altLang="en-US" smtClean="0"/>
-              <a:pPr/>
-              <a:t>7</a:t>
             </a:fld>
             <a:endParaRPr lang="ko-KR" altLang="en-US" dirty="0"/>
           </a:p>
@@ -8639,7 +7471,7 @@
 </p:sld>
 </file>
 
-<file path=ppt/slides/slide8.xml><?xml version="1.0" encoding="utf-8"?>
+<file path=ppt/slides/slide7.xml><?xml version="1.0" encoding="utf-8"?>
 <p:sld xmlns:a="http://schemas.openxmlformats.org/drawingml/2006/main" xmlns:r="http://schemas.openxmlformats.org/officeDocument/2006/relationships" xmlns:p="http://schemas.openxmlformats.org/presentationml/2006/main">
   <p:cSld>
     <p:spTree>
@@ -8680,7 +7512,7 @@
             <a:fld id="{E4B74A00-9250-47C8-AC6A-A9047051EC8E}" type="slidenum">
               <a:rPr lang="ko-KR" altLang="en-US" smtClean="0"/>
               <a:pPr/>
-              <a:t>8</a:t>
+              <a:t>7</a:t>
             </a:fld>
             <a:endParaRPr lang="ko-KR" altLang="en-US" dirty="0"/>
           </a:p>
@@ -8965,7 +7797,7 @@
 </p:sld>
 </file>
 
-<file path=ppt/slides/slide9.xml><?xml version="1.0" encoding="utf-8"?>
+<file path=ppt/slides/slide8.xml><?xml version="1.0" encoding="utf-8"?>
 <p:sld xmlns:a="http://schemas.openxmlformats.org/drawingml/2006/main" xmlns:r="http://schemas.openxmlformats.org/officeDocument/2006/relationships" xmlns:p="http://schemas.openxmlformats.org/presentationml/2006/main">
   <p:cSld>
     <p:spTree>
@@ -9006,7 +7838,7 @@
             <a:fld id="{E4B74A00-9250-47C8-AC6A-A9047051EC8E}" type="slidenum">
               <a:rPr lang="ko-KR" altLang="en-US" smtClean="0"/>
               <a:pPr/>
-              <a:t>9</a:t>
+              <a:t>8</a:t>
             </a:fld>
             <a:endParaRPr lang="ko-KR" altLang="en-US" dirty="0"/>
           </a:p>
@@ -9887,6 +8719,695 @@
     <p:extLst>
       <p:ext uri="{BB962C8B-B14F-4D97-AF65-F5344CB8AC3E}">
         <p14:creationId xmlns:p14="http://schemas.microsoft.com/office/powerpoint/2010/main" val="1642384363"/>
+      </p:ext>
+    </p:extLst>
+  </p:cSld>
+  <p:clrMapOvr>
+    <a:masterClrMapping/>
+  </p:clrMapOvr>
+</p:sld>
+</file>
+
+<file path=ppt/slides/slide9.xml><?xml version="1.0" encoding="utf-8"?>
+<p:sld xmlns:a="http://schemas.openxmlformats.org/drawingml/2006/main" xmlns:r="http://schemas.openxmlformats.org/officeDocument/2006/relationships" xmlns:p="http://schemas.openxmlformats.org/presentationml/2006/main">
+  <p:cSld>
+    <p:spTree>
+      <p:nvGrpSpPr>
+        <p:cNvPr id="1" name=""/>
+        <p:cNvGrpSpPr/>
+        <p:nvPr/>
+      </p:nvGrpSpPr>
+      <p:grpSpPr>
+        <a:xfrm>
+          <a:off x="0" y="0"/>
+          <a:ext cx="0" cy="0"/>
+          <a:chOff x="0" y="0"/>
+          <a:chExt cx="0" cy="0"/>
+        </a:xfrm>
+      </p:grpSpPr>
+      <p:sp>
+        <p:nvSpPr>
+          <p:cNvPr id="3" name="슬라이드 번호 개체 틀 2">
+            <a:extLst>
+              <a:ext uri="{FF2B5EF4-FFF2-40B4-BE49-F238E27FC236}">
+                <a16:creationId xmlns:a16="http://schemas.microsoft.com/office/drawing/2014/main" id="{45C882DC-2F60-4054-BE8E-6C6561F33C12}"/>
+              </a:ext>
+            </a:extLst>
+          </p:cNvPr>
+          <p:cNvSpPr>
+            <a:spLocks noGrp="1"/>
+          </p:cNvSpPr>
+          <p:nvPr>
+            <p:ph type="sldNum" sz="quarter" idx="12"/>
+          </p:nvPr>
+        </p:nvSpPr>
+        <p:spPr/>
+        <p:txBody>
+          <a:bodyPr/>
+          <a:lstStyle/>
+          <a:p>
+            <a:fld id="{E4B74A00-9250-47C8-AC6A-A9047051EC8E}" type="slidenum">
+              <a:rPr lang="ko-KR" altLang="en-US" smtClean="0"/>
+              <a:pPr/>
+              <a:t>9</a:t>
+            </a:fld>
+            <a:endParaRPr lang="ko-KR" altLang="en-US" dirty="0"/>
+          </a:p>
+        </p:txBody>
+      </p:sp>
+      <p:sp>
+        <p:nvSpPr>
+          <p:cNvPr id="4" name="제목 3">
+            <a:extLst>
+              <a:ext uri="{FF2B5EF4-FFF2-40B4-BE49-F238E27FC236}">
+                <a16:creationId xmlns:a16="http://schemas.microsoft.com/office/drawing/2014/main" id="{33791D3E-91A3-49BD-9013-9DA99CAAB8FD}"/>
+              </a:ext>
+            </a:extLst>
+          </p:cNvPr>
+          <p:cNvSpPr>
+            <a:spLocks noGrp="1"/>
+          </p:cNvSpPr>
+          <p:nvPr>
+            <p:ph type="title"/>
+          </p:nvPr>
+        </p:nvSpPr>
+        <p:spPr/>
+        <p:txBody>
+          <a:bodyPr>
+            <a:normAutofit fontScale="90000"/>
+          </a:bodyPr>
+          <a:lstStyle/>
+          <a:p>
+            <a:r>
+              <a:rPr lang="ko-KR" altLang="en-US" dirty="0"/>
+              <a:t>시나리오 </a:t>
+            </a:r>
+            <a:r>
+              <a:rPr lang="en-US" altLang="ko-KR" dirty="0"/>
+              <a:t>(4)</a:t>
+            </a:r>
+            <a:endParaRPr lang="ko-KR" altLang="en-US" dirty="0"/>
+          </a:p>
+        </p:txBody>
+      </p:sp>
+      <p:sp>
+        <p:nvSpPr>
+          <p:cNvPr id="5" name="직사각형 4">
+            <a:extLst>
+              <a:ext uri="{FF2B5EF4-FFF2-40B4-BE49-F238E27FC236}">
+                <a16:creationId xmlns:a16="http://schemas.microsoft.com/office/drawing/2014/main" id="{B54178C6-29BC-4581-B5F6-D81BE5208DB2}"/>
+              </a:ext>
+            </a:extLst>
+          </p:cNvPr>
+          <p:cNvSpPr/>
+          <p:nvPr/>
+        </p:nvSpPr>
+        <p:spPr>
+          <a:xfrm>
+            <a:off x="0" y="1428778"/>
+            <a:ext cx="11125200" cy="4548938"/>
+          </a:xfrm>
+          <a:prstGeom prst="rect">
+            <a:avLst/>
+          </a:prstGeom>
+        </p:spPr>
+        <p:txBody>
+          <a:bodyPr wrap="square">
+            <a:spAutoFit/>
+          </a:bodyPr>
+          <a:lstStyle/>
+          <a:p>
+            <a:pPr marL="1143000" lvl="2" indent="-228600" latinLnBrk="0">
+              <a:lnSpc>
+                <a:spcPct val="150000"/>
+              </a:lnSpc>
+              <a:buFont typeface="Arial" panose="020B0604020202020204" pitchFamily="34" charset="0"/>
+              <a:buChar char="•"/>
+              <a:tabLst>
+                <a:tab pos="1371600" algn="l"/>
+              </a:tabLst>
+            </a:pPr>
+            <a:r>
+              <a:rPr lang="ko-KR" altLang="ko-KR" sz="1500" kern="0" dirty="0">
+                <a:solidFill>
+                  <a:srgbClr val="24292E"/>
+                </a:solidFill>
+                <a:latin typeface="맑은 고딕" panose="020B0503020000020004" pitchFamily="50" charset="-127"/>
+                <a:cs typeface="Segoe UI" panose="020B0502040204020203" pitchFamily="34" charset="0"/>
+              </a:rPr>
+              <a:t>교수님이 서비스 플랫폼 수업</a:t>
+            </a:r>
+            <a:r>
+              <a:rPr lang="en-US" altLang="ko-KR" sz="1500" kern="0" dirty="0">
+                <a:solidFill>
+                  <a:srgbClr val="24292E"/>
+                </a:solidFill>
+                <a:latin typeface="맑은 고딕" panose="020B0503020000020004" pitchFamily="50" charset="-127"/>
+                <a:cs typeface="Segoe UI" panose="020B0502040204020203" pitchFamily="34" charset="0"/>
+              </a:rPr>
+              <a:t>2</a:t>
+            </a:r>
+            <a:r>
+              <a:rPr lang="ko-KR" altLang="ko-KR" sz="1500" kern="0" dirty="0">
+                <a:solidFill>
+                  <a:srgbClr val="24292E"/>
+                </a:solidFill>
+                <a:latin typeface="맑은 고딕" panose="020B0503020000020004" pitchFamily="50" charset="-127"/>
+                <a:cs typeface="Segoe UI" panose="020B0502040204020203" pitchFamily="34" charset="0"/>
+              </a:rPr>
+              <a:t>개를 진행하고 있다</a:t>
+            </a:r>
+            <a:r>
+              <a:rPr lang="en-US" altLang="ko-KR" sz="1500" kern="0" dirty="0">
+                <a:solidFill>
+                  <a:srgbClr val="24292E"/>
+                </a:solidFill>
+                <a:latin typeface="맑은 고딕" panose="020B0503020000020004" pitchFamily="50" charset="-127"/>
+                <a:cs typeface="Segoe UI" panose="020B0502040204020203" pitchFamily="34" charset="0"/>
+              </a:rPr>
+              <a:t>.</a:t>
+            </a:r>
+            <a:endParaRPr lang="ko-KR" altLang="ko-KR" sz="1500" kern="100" dirty="0">
+              <a:latin typeface="맑은 고딕" panose="020B0503020000020004" pitchFamily="50" charset="-127"/>
+              <a:cs typeface="Times New Roman" panose="02020603050405020304" pitchFamily="18" charset="0"/>
+            </a:endParaRPr>
+          </a:p>
+          <a:p>
+            <a:pPr marL="1600200" lvl="3" indent="-228600" latinLnBrk="0">
+              <a:lnSpc>
+                <a:spcPct val="150000"/>
+              </a:lnSpc>
+              <a:buFont typeface="+mj-lt"/>
+              <a:buAutoNum type="arabicPeriod"/>
+              <a:tabLst>
+                <a:tab pos="1828800" algn="l"/>
+              </a:tabLst>
+            </a:pPr>
+            <a:r>
+              <a:rPr lang="ko-KR" altLang="ko-KR" sz="1500" kern="0" dirty="0">
+                <a:solidFill>
+                  <a:srgbClr val="24292E"/>
+                </a:solidFill>
+                <a:latin typeface="맑은 고딕" panose="020B0503020000020004" pitchFamily="50" charset="-127"/>
+                <a:cs typeface="Segoe UI" panose="020B0502040204020203" pitchFamily="34" charset="0"/>
+              </a:rPr>
+              <a:t>첫 수업</a:t>
+            </a:r>
+            <a:r>
+              <a:rPr lang="en-US" altLang="ko-KR" sz="1500" kern="0" dirty="0">
+                <a:solidFill>
+                  <a:srgbClr val="24292E"/>
+                </a:solidFill>
+                <a:latin typeface="맑은 고딕" panose="020B0503020000020004" pitchFamily="50" charset="-127"/>
+                <a:cs typeface="Segoe UI" panose="020B0502040204020203" pitchFamily="34" charset="0"/>
+              </a:rPr>
+              <a:t> </a:t>
+            </a:r>
+            <a:r>
+              <a:rPr lang="ko-KR" altLang="ko-KR" sz="1500" kern="0" dirty="0">
+                <a:solidFill>
+                  <a:srgbClr val="24292E"/>
+                </a:solidFill>
+                <a:latin typeface="맑은 고딕" panose="020B0503020000020004" pitchFamily="50" charset="-127"/>
+                <a:cs typeface="Segoe UI" panose="020B0502040204020203" pitchFamily="34" charset="0"/>
+              </a:rPr>
+              <a:t>때 채팅</a:t>
+            </a:r>
+            <a:r>
+              <a:rPr lang="en-US" altLang="ko-KR" sz="1500" kern="0" dirty="0">
+                <a:solidFill>
+                  <a:srgbClr val="24292E"/>
+                </a:solidFill>
+                <a:latin typeface="맑은 고딕" panose="020B0503020000020004" pitchFamily="50" charset="-127"/>
+                <a:cs typeface="Segoe UI" panose="020B0502040204020203" pitchFamily="34" charset="0"/>
+              </a:rPr>
+              <a:t> </a:t>
+            </a:r>
+            <a:r>
+              <a:rPr lang="ko-KR" altLang="ko-KR" sz="1500" kern="0" dirty="0">
+                <a:solidFill>
+                  <a:srgbClr val="24292E"/>
+                </a:solidFill>
+                <a:latin typeface="맑은 고딕" panose="020B0503020000020004" pitchFamily="50" charset="-127"/>
+                <a:cs typeface="Segoe UI" panose="020B0502040204020203" pitchFamily="34" charset="0"/>
+              </a:rPr>
+              <a:t>방 개설</a:t>
+            </a:r>
+            <a:endParaRPr lang="ko-KR" altLang="ko-KR" sz="1500" kern="100" dirty="0">
+              <a:latin typeface="맑은 고딕" panose="020B0503020000020004" pitchFamily="50" charset="-127"/>
+              <a:cs typeface="Times New Roman" panose="02020603050405020304" pitchFamily="18" charset="0"/>
+            </a:endParaRPr>
+          </a:p>
+          <a:p>
+            <a:pPr marL="1600200" lvl="3" indent="-228600" latinLnBrk="0">
+              <a:lnSpc>
+                <a:spcPct val="150000"/>
+              </a:lnSpc>
+              <a:buFont typeface="+mj-lt"/>
+              <a:buAutoNum type="arabicPeriod"/>
+              <a:tabLst>
+                <a:tab pos="1828800" algn="l"/>
+              </a:tabLst>
+            </a:pPr>
+            <a:r>
+              <a:rPr lang="ko-KR" altLang="ko-KR" sz="1500" kern="0" dirty="0">
+                <a:solidFill>
+                  <a:srgbClr val="24292E"/>
+                </a:solidFill>
+                <a:latin typeface="맑은 고딕" panose="020B0503020000020004" pitchFamily="50" charset="-127"/>
+                <a:cs typeface="Segoe UI" panose="020B0502040204020203" pitchFamily="34" charset="0"/>
+              </a:rPr>
+              <a:t>채팅방의 </a:t>
+            </a:r>
+            <a:r>
+              <a:rPr lang="ko-KR" altLang="en-US" sz="1500" kern="0" dirty="0">
+                <a:solidFill>
+                  <a:srgbClr val="24292E"/>
+                </a:solidFill>
+                <a:latin typeface="맑은 고딕" panose="020B0503020000020004" pitchFamily="50" charset="-127"/>
+                <a:cs typeface="Segoe UI" panose="020B0502040204020203" pitchFamily="34" charset="0"/>
+              </a:rPr>
+              <a:t>위치</a:t>
+            </a:r>
+            <a:r>
+              <a:rPr lang="en-US" altLang="ko-KR" sz="1500" kern="0" dirty="0">
+                <a:solidFill>
+                  <a:srgbClr val="24292E"/>
+                </a:solidFill>
+                <a:latin typeface="맑은 고딕" panose="020B0503020000020004" pitchFamily="50" charset="-127"/>
+                <a:cs typeface="Segoe UI" panose="020B0502040204020203" pitchFamily="34" charset="0"/>
+              </a:rPr>
+              <a:t>&amp;</a:t>
+            </a:r>
+            <a:r>
+              <a:rPr lang="ko-KR" altLang="en-US" sz="1500" kern="0" dirty="0">
+                <a:solidFill>
+                  <a:srgbClr val="24292E"/>
+                </a:solidFill>
+                <a:latin typeface="맑은 고딕" panose="020B0503020000020004" pitchFamily="50" charset="-127"/>
+                <a:cs typeface="Segoe UI" panose="020B0502040204020203" pitchFamily="34" charset="0"/>
+              </a:rPr>
+              <a:t>암호를 </a:t>
+            </a:r>
+            <a:r>
+              <a:rPr lang="ko-KR" altLang="ko-KR" sz="1500" kern="0" dirty="0">
+                <a:solidFill>
+                  <a:srgbClr val="24292E"/>
+                </a:solidFill>
+                <a:latin typeface="맑은 고딕" panose="020B0503020000020004" pitchFamily="50" charset="-127"/>
+                <a:cs typeface="Segoe UI" panose="020B0502040204020203" pitchFamily="34" charset="0"/>
+              </a:rPr>
+              <a:t>학생들에게 공개</a:t>
+            </a:r>
+            <a:endParaRPr lang="ko-KR" altLang="ko-KR" sz="1500" kern="100" dirty="0">
+              <a:latin typeface="맑은 고딕" panose="020B0503020000020004" pitchFamily="50" charset="-127"/>
+              <a:cs typeface="Times New Roman" panose="02020603050405020304" pitchFamily="18" charset="0"/>
+            </a:endParaRPr>
+          </a:p>
+          <a:p>
+            <a:pPr marL="1600200" lvl="3" indent="-228600" latinLnBrk="0">
+              <a:lnSpc>
+                <a:spcPct val="150000"/>
+              </a:lnSpc>
+              <a:buFont typeface="+mj-lt"/>
+              <a:buAutoNum type="arabicPeriod"/>
+              <a:tabLst>
+                <a:tab pos="1828800" algn="l"/>
+              </a:tabLst>
+            </a:pPr>
+            <a:r>
+              <a:rPr lang="ko-KR" altLang="ko-KR" sz="1500" kern="0" dirty="0">
+                <a:solidFill>
+                  <a:srgbClr val="24292E"/>
+                </a:solidFill>
+                <a:latin typeface="맑은 고딕" panose="020B0503020000020004" pitchFamily="50" charset="-127"/>
+                <a:cs typeface="Segoe UI" panose="020B0502040204020203" pitchFamily="34" charset="0"/>
+              </a:rPr>
+              <a:t>채팅에 참여</a:t>
+            </a:r>
+            <a:endParaRPr lang="ko-KR" altLang="ko-KR" sz="1500" kern="100" dirty="0">
+              <a:latin typeface="맑은 고딕" panose="020B0503020000020004" pitchFamily="50" charset="-127"/>
+              <a:cs typeface="Times New Roman" panose="02020603050405020304" pitchFamily="18" charset="0"/>
+            </a:endParaRPr>
+          </a:p>
+          <a:p>
+            <a:pPr marL="1600200" lvl="3" indent="-228600" latinLnBrk="0">
+              <a:lnSpc>
+                <a:spcPct val="150000"/>
+              </a:lnSpc>
+              <a:buFont typeface="+mj-lt"/>
+              <a:buAutoNum type="arabicPeriod"/>
+              <a:tabLst>
+                <a:tab pos="1828800" algn="l"/>
+              </a:tabLst>
+            </a:pPr>
+            <a:r>
+              <a:rPr lang="en-US" altLang="ko-KR" sz="1500" kern="0" dirty="0">
+                <a:solidFill>
+                  <a:srgbClr val="24292E"/>
+                </a:solidFill>
+                <a:latin typeface="맑은 고딕" panose="020B0503020000020004" pitchFamily="50" charset="-127"/>
+                <a:cs typeface="Segoe UI" panose="020B0502040204020203" pitchFamily="34" charset="0"/>
+              </a:rPr>
+              <a:t>A</a:t>
+            </a:r>
+            <a:r>
+              <a:rPr lang="ko-KR" altLang="ko-KR" sz="1500" kern="0" dirty="0">
+                <a:solidFill>
+                  <a:srgbClr val="24292E"/>
+                </a:solidFill>
+                <a:latin typeface="맑은 고딕" panose="020B0503020000020004" pitchFamily="50" charset="-127"/>
+                <a:cs typeface="Segoe UI" panose="020B0502040204020203" pitchFamily="34" charset="0"/>
+              </a:rPr>
+              <a:t>분반과 </a:t>
+            </a:r>
+            <a:r>
+              <a:rPr lang="en-US" altLang="ko-KR" sz="1500" kern="0" dirty="0">
+                <a:solidFill>
+                  <a:srgbClr val="24292E"/>
+                </a:solidFill>
+                <a:latin typeface="맑은 고딕" panose="020B0503020000020004" pitchFamily="50" charset="-127"/>
+                <a:cs typeface="Segoe UI" panose="020B0502040204020203" pitchFamily="34" charset="0"/>
+              </a:rPr>
+              <a:t>B</a:t>
+            </a:r>
+            <a:r>
+              <a:rPr lang="ko-KR" altLang="ko-KR" sz="1500" kern="0" dirty="0">
+                <a:solidFill>
+                  <a:srgbClr val="24292E"/>
+                </a:solidFill>
+                <a:latin typeface="맑은 고딕" panose="020B0503020000020004" pitchFamily="50" charset="-127"/>
+                <a:cs typeface="Segoe UI" panose="020B0502040204020203" pitchFamily="34" charset="0"/>
+              </a:rPr>
+              <a:t>분반으로 그룹화</a:t>
+            </a:r>
+            <a:endParaRPr lang="ko-KR" altLang="ko-KR" sz="1500" kern="100" dirty="0">
+              <a:latin typeface="맑은 고딕" panose="020B0503020000020004" pitchFamily="50" charset="-127"/>
+              <a:cs typeface="Times New Roman" panose="02020603050405020304" pitchFamily="18" charset="0"/>
+            </a:endParaRPr>
+          </a:p>
+          <a:p>
+            <a:pPr marL="1600200" lvl="3" indent="-228600" latinLnBrk="0">
+              <a:lnSpc>
+                <a:spcPct val="150000"/>
+              </a:lnSpc>
+              <a:buFont typeface="+mj-lt"/>
+              <a:buAutoNum type="arabicPeriod"/>
+              <a:tabLst>
+                <a:tab pos="1828800" algn="l"/>
+              </a:tabLst>
+            </a:pPr>
+            <a:r>
+              <a:rPr lang="ko-KR" altLang="ko-KR" sz="1500" kern="0" dirty="0">
+                <a:solidFill>
+                  <a:srgbClr val="24292E"/>
+                </a:solidFill>
+                <a:latin typeface="맑은 고딕" panose="020B0503020000020004" pitchFamily="50" charset="-127"/>
+                <a:cs typeface="Segoe UI" panose="020B0502040204020203" pitchFamily="34" charset="0"/>
+              </a:rPr>
+              <a:t>교수님이 메시지를 보내면 </a:t>
+            </a:r>
+            <a:r>
+              <a:rPr lang="en-US" altLang="ko-KR" sz="1500" kern="0" dirty="0">
+                <a:solidFill>
+                  <a:srgbClr val="24292E"/>
+                </a:solidFill>
+                <a:latin typeface="맑은 고딕" panose="020B0503020000020004" pitchFamily="50" charset="-127"/>
+                <a:cs typeface="Segoe UI" panose="020B0502040204020203" pitchFamily="34" charset="0"/>
+              </a:rPr>
+              <a:t>A</a:t>
+            </a:r>
+            <a:r>
+              <a:rPr lang="ko-KR" altLang="ko-KR" sz="1500" kern="0" dirty="0">
+                <a:solidFill>
+                  <a:srgbClr val="24292E"/>
+                </a:solidFill>
+                <a:latin typeface="맑은 고딕" panose="020B0503020000020004" pitchFamily="50" charset="-127"/>
+                <a:cs typeface="Segoe UI" panose="020B0502040204020203" pitchFamily="34" charset="0"/>
+              </a:rPr>
+              <a:t>분반과 </a:t>
+            </a:r>
+            <a:r>
+              <a:rPr lang="en-US" altLang="ko-KR" sz="1500" kern="0" dirty="0">
+                <a:solidFill>
+                  <a:srgbClr val="24292E"/>
+                </a:solidFill>
+                <a:latin typeface="맑은 고딕" panose="020B0503020000020004" pitchFamily="50" charset="-127"/>
+                <a:cs typeface="Segoe UI" panose="020B0502040204020203" pitchFamily="34" charset="0"/>
+              </a:rPr>
+              <a:t>B</a:t>
+            </a:r>
+            <a:r>
+              <a:rPr lang="ko-KR" altLang="ko-KR" sz="1500" kern="0" dirty="0">
+                <a:solidFill>
+                  <a:srgbClr val="24292E"/>
+                </a:solidFill>
+                <a:latin typeface="맑은 고딕" panose="020B0503020000020004" pitchFamily="50" charset="-127"/>
+                <a:cs typeface="Segoe UI" panose="020B0502040204020203" pitchFamily="34" charset="0"/>
+              </a:rPr>
+              <a:t>분반에 동시에 전달</a:t>
+            </a:r>
+            <a:endParaRPr lang="ko-KR" altLang="ko-KR" sz="1500" kern="100" dirty="0">
+              <a:latin typeface="맑은 고딕" panose="020B0503020000020004" pitchFamily="50" charset="-127"/>
+              <a:cs typeface="Times New Roman" panose="02020603050405020304" pitchFamily="18" charset="0"/>
+            </a:endParaRPr>
+          </a:p>
+          <a:p>
+            <a:pPr marL="1600200" lvl="3" indent="-228600" latinLnBrk="0">
+              <a:lnSpc>
+                <a:spcPct val="150000"/>
+              </a:lnSpc>
+              <a:buFont typeface="+mj-lt"/>
+              <a:buAutoNum type="arabicPeriod"/>
+              <a:tabLst>
+                <a:tab pos="1828800" algn="l"/>
+              </a:tabLst>
+            </a:pPr>
+            <a:r>
+              <a:rPr lang="ko-KR" altLang="ko-KR" sz="1500" kern="0" dirty="0">
+                <a:solidFill>
+                  <a:srgbClr val="24292E"/>
+                </a:solidFill>
+                <a:latin typeface="맑은 고딕" panose="020B0503020000020004" pitchFamily="50" charset="-127"/>
+                <a:cs typeface="Segoe UI" panose="020B0502040204020203" pitchFamily="34" charset="0"/>
+              </a:rPr>
+              <a:t>메시지 입력창에서 </a:t>
+            </a:r>
+            <a:r>
+              <a:rPr lang="en-US" altLang="ko-KR" sz="1500" kern="0" dirty="0">
+                <a:solidFill>
+                  <a:srgbClr val="24292E"/>
+                </a:solidFill>
+                <a:latin typeface="맑은 고딕" panose="020B0503020000020004" pitchFamily="50" charset="-127"/>
+                <a:cs typeface="Segoe UI" panose="020B0502040204020203" pitchFamily="34" charset="0"/>
+              </a:rPr>
+              <a:t>A</a:t>
+            </a:r>
+            <a:r>
+              <a:rPr lang="ko-KR" altLang="ko-KR" sz="1500" kern="0" dirty="0">
+                <a:solidFill>
+                  <a:srgbClr val="24292E"/>
+                </a:solidFill>
+                <a:latin typeface="맑은 고딕" panose="020B0503020000020004" pitchFamily="50" charset="-127"/>
+                <a:cs typeface="Segoe UI" panose="020B0502040204020203" pitchFamily="34" charset="0"/>
+              </a:rPr>
+              <a:t>그룹 체크박스를 선택</a:t>
+            </a:r>
+            <a:r>
+              <a:rPr lang="en-US" altLang="ko-KR" sz="1500" kern="0" dirty="0">
+                <a:solidFill>
+                  <a:srgbClr val="24292E"/>
+                </a:solidFill>
+                <a:latin typeface="맑은 고딕" panose="020B0503020000020004" pitchFamily="50" charset="-127"/>
+                <a:cs typeface="Segoe UI" panose="020B0502040204020203" pitchFamily="34" charset="0"/>
+              </a:rPr>
+              <a:t> </a:t>
+            </a:r>
+            <a:r>
+              <a:rPr lang="ko-KR" altLang="ko-KR" sz="1500" kern="0" dirty="0">
+                <a:solidFill>
+                  <a:srgbClr val="24292E"/>
+                </a:solidFill>
+                <a:latin typeface="맑은 고딕" panose="020B0503020000020004" pitchFamily="50" charset="-127"/>
+                <a:cs typeface="Segoe UI" panose="020B0502040204020203" pitchFamily="34" charset="0"/>
+              </a:rPr>
+              <a:t>시 </a:t>
+            </a:r>
+            <a:r>
+              <a:rPr lang="en-US" altLang="ko-KR" sz="1500" kern="0" dirty="0">
+                <a:solidFill>
+                  <a:srgbClr val="24292E"/>
+                </a:solidFill>
+                <a:latin typeface="맑은 고딕" panose="020B0503020000020004" pitchFamily="50" charset="-127"/>
+                <a:cs typeface="Segoe UI" panose="020B0502040204020203" pitchFamily="34" charset="0"/>
+              </a:rPr>
+              <a:t>A</a:t>
+            </a:r>
+            <a:r>
+              <a:rPr lang="ko-KR" altLang="ko-KR" sz="1500" kern="0" dirty="0">
+                <a:solidFill>
+                  <a:srgbClr val="24292E"/>
+                </a:solidFill>
+                <a:latin typeface="맑은 고딕" panose="020B0503020000020004" pitchFamily="50" charset="-127"/>
+                <a:cs typeface="Segoe UI" panose="020B0502040204020203" pitchFamily="34" charset="0"/>
+              </a:rPr>
+              <a:t>그룹에게만 메시지 전달</a:t>
+            </a:r>
+            <a:endParaRPr lang="en-US" altLang="ko-KR" sz="1500" kern="0" dirty="0">
+              <a:solidFill>
+                <a:srgbClr val="24292E"/>
+              </a:solidFill>
+              <a:latin typeface="맑은 고딕" panose="020B0503020000020004" pitchFamily="50" charset="-127"/>
+              <a:cs typeface="Segoe UI" panose="020B0502040204020203" pitchFamily="34" charset="0"/>
+            </a:endParaRPr>
+          </a:p>
+          <a:p>
+            <a:pPr marL="1600200" lvl="3" indent="-228600" latinLnBrk="0">
+              <a:lnSpc>
+                <a:spcPct val="150000"/>
+              </a:lnSpc>
+              <a:buFont typeface="+mj-lt"/>
+              <a:buAutoNum type="arabicPeriod"/>
+              <a:tabLst>
+                <a:tab pos="1828800" algn="l"/>
+              </a:tabLst>
+            </a:pPr>
+            <a:endParaRPr lang="ko-KR" altLang="ko-KR" sz="1500" kern="100" dirty="0">
+              <a:latin typeface="맑은 고딕" panose="020B0503020000020004" pitchFamily="50" charset="-127"/>
+              <a:cs typeface="Times New Roman" panose="02020603050405020304" pitchFamily="18" charset="0"/>
+            </a:endParaRPr>
+          </a:p>
+          <a:p>
+            <a:pPr marL="1143000" lvl="2" indent="-228600" latinLnBrk="0">
+              <a:lnSpc>
+                <a:spcPct val="150000"/>
+              </a:lnSpc>
+              <a:buFont typeface="Arial" panose="020B0604020202020204" pitchFamily="34" charset="0"/>
+              <a:buChar char="•"/>
+              <a:tabLst>
+                <a:tab pos="1371600" algn="l"/>
+              </a:tabLst>
+            </a:pPr>
+            <a:r>
+              <a:rPr lang="ko-KR" altLang="ko-KR" sz="1500" kern="0" dirty="0">
+                <a:solidFill>
+                  <a:srgbClr val="24292E"/>
+                </a:solidFill>
+                <a:latin typeface="맑은 고딕" panose="020B0503020000020004" pitchFamily="50" charset="-127"/>
+                <a:cs typeface="Segoe UI" panose="020B0502040204020203" pitchFamily="34" charset="0"/>
+              </a:rPr>
+              <a:t>카테고리</a:t>
+            </a:r>
+            <a:endParaRPr lang="ko-KR" altLang="ko-KR" sz="1500" kern="100" dirty="0">
+              <a:latin typeface="맑은 고딕" panose="020B0503020000020004" pitchFamily="50" charset="-127"/>
+              <a:cs typeface="Times New Roman" panose="02020603050405020304" pitchFamily="18" charset="0"/>
+            </a:endParaRPr>
+          </a:p>
+          <a:p>
+            <a:pPr marL="1600200" lvl="3" indent="-228600" latinLnBrk="0">
+              <a:lnSpc>
+                <a:spcPct val="150000"/>
+              </a:lnSpc>
+              <a:buFont typeface="+mj-lt"/>
+              <a:buAutoNum type="arabicPeriod"/>
+              <a:tabLst>
+                <a:tab pos="1828800" algn="l"/>
+              </a:tabLst>
+            </a:pPr>
+            <a:r>
+              <a:rPr lang="ko-KR" altLang="ko-KR" sz="1500" kern="0" dirty="0">
+                <a:solidFill>
+                  <a:srgbClr val="24292E"/>
+                </a:solidFill>
+                <a:latin typeface="맑은 고딕" panose="020B0503020000020004" pitchFamily="50" charset="-127"/>
+                <a:cs typeface="Segoe UI" panose="020B0502040204020203" pitchFamily="34" charset="0"/>
+              </a:rPr>
+              <a:t>명언</a:t>
+            </a:r>
+            <a:endParaRPr lang="ko-KR" altLang="ko-KR" sz="1500" kern="100" dirty="0">
+              <a:latin typeface="맑은 고딕" panose="020B0503020000020004" pitchFamily="50" charset="-127"/>
+              <a:cs typeface="Times New Roman" panose="02020603050405020304" pitchFamily="18" charset="0"/>
+            </a:endParaRPr>
+          </a:p>
+          <a:p>
+            <a:pPr marL="1600200" lvl="3" indent="-228600" latinLnBrk="0">
+              <a:lnSpc>
+                <a:spcPct val="150000"/>
+              </a:lnSpc>
+              <a:buFont typeface="+mj-lt"/>
+              <a:buAutoNum type="arabicPeriod"/>
+              <a:tabLst>
+                <a:tab pos="1828800" algn="l"/>
+              </a:tabLst>
+            </a:pPr>
+            <a:r>
+              <a:rPr lang="ko-KR" altLang="ko-KR" sz="1500" kern="0" dirty="0">
+                <a:solidFill>
+                  <a:srgbClr val="24292E"/>
+                </a:solidFill>
+                <a:latin typeface="맑은 고딕" panose="020B0503020000020004" pitchFamily="50" charset="-127"/>
+                <a:cs typeface="Segoe UI" panose="020B0502040204020203" pitchFamily="34" charset="0"/>
+              </a:rPr>
+              <a:t>수업정보</a:t>
+            </a:r>
+            <a:endParaRPr lang="ko-KR" altLang="ko-KR" sz="1500" kern="100" dirty="0">
+              <a:latin typeface="맑은 고딕" panose="020B0503020000020004" pitchFamily="50" charset="-127"/>
+              <a:cs typeface="Times New Roman" panose="02020603050405020304" pitchFamily="18" charset="0"/>
+            </a:endParaRPr>
+          </a:p>
+          <a:p>
+            <a:pPr marL="1600200" lvl="3" indent="-228600" latinLnBrk="0">
+              <a:lnSpc>
+                <a:spcPct val="150000"/>
+              </a:lnSpc>
+              <a:buFont typeface="+mj-lt"/>
+              <a:buAutoNum type="arabicPeriod"/>
+              <a:tabLst>
+                <a:tab pos="1828800" algn="l"/>
+              </a:tabLst>
+            </a:pPr>
+            <a:r>
+              <a:rPr lang="ko-KR" altLang="ko-KR" sz="1500" kern="0" dirty="0">
+                <a:solidFill>
+                  <a:srgbClr val="24292E"/>
+                </a:solidFill>
+                <a:latin typeface="맑은 고딕" panose="020B0503020000020004" pitchFamily="50" charset="-127"/>
+                <a:cs typeface="Segoe UI" panose="020B0502040204020203" pitchFamily="34" charset="0"/>
+              </a:rPr>
+              <a:t>과제정보</a:t>
+            </a:r>
+            <a:endParaRPr lang="ko-KR" altLang="ko-KR" sz="1500" kern="100" dirty="0">
+              <a:latin typeface="맑은 고딕" panose="020B0503020000020004" pitchFamily="50" charset="-127"/>
+              <a:cs typeface="Times New Roman" panose="02020603050405020304" pitchFamily="18" charset="0"/>
+            </a:endParaRPr>
+          </a:p>
+          <a:p>
+            <a:pPr latinLnBrk="0">
+              <a:lnSpc>
+                <a:spcPct val="150000"/>
+              </a:lnSpc>
+            </a:pPr>
+            <a:r>
+              <a:rPr lang="en-US" altLang="ko-KR" sz="1500" kern="0" dirty="0">
+                <a:solidFill>
+                  <a:srgbClr val="24292E"/>
+                </a:solidFill>
+                <a:latin typeface="맑은 고딕" panose="020B0503020000020004" pitchFamily="50" charset="-127"/>
+                <a:cs typeface="Segoe UI" panose="020B0502040204020203" pitchFamily="34" charset="0"/>
+              </a:rPr>
+              <a:t> </a:t>
+            </a:r>
+            <a:endParaRPr lang="ko-KR" altLang="ko-KR" sz="1500" kern="100" dirty="0">
+              <a:latin typeface="맑은 고딕" panose="020B0503020000020004" pitchFamily="50" charset="-127"/>
+              <a:cs typeface="Times New Roman" panose="02020603050405020304" pitchFamily="18" charset="0"/>
+            </a:endParaRPr>
+          </a:p>
+        </p:txBody>
+      </p:sp>
+    </p:spTree>
+    <p:extLst>
+      <p:ext uri="{BB962C8B-B14F-4D97-AF65-F5344CB8AC3E}">
+        <p14:creationId xmlns:p14="http://schemas.microsoft.com/office/powerpoint/2010/main" val="71482918"/>
       </p:ext>
     </p:extLst>
   </p:cSld>

--- a/0. document/5. PPT/0. 프로젝트 주제.pptx
+++ b/0. document/5. PPT/0. 프로젝트 주제.pptx
@@ -218,7 +218,7 @@
               <a:pPr lvl="0">
                 <a:defRPr/>
               </a:pPr>
-              <a:t>2019-03-24</a:t>
+              <a:t>2019-03-25</a:t>
             </a:fld>
             <a:endParaRPr lang="ko-KR" altLang="en-US"/>
           </a:p>
@@ -1254,6 +1254,96 @@
 </p:notes>
 </file>
 
+<file path=ppt/notesSlides/notesSlide5.xml><?xml version="1.0" encoding="utf-8"?>
+<p:notes xmlns:a="http://schemas.openxmlformats.org/drawingml/2006/main" xmlns:r="http://schemas.openxmlformats.org/officeDocument/2006/relationships" xmlns:p="http://schemas.openxmlformats.org/presentationml/2006/main">
+  <p:cSld>
+    <p:spTree>
+      <p:nvGrpSpPr>
+        <p:cNvPr id="1" name=""/>
+        <p:cNvGrpSpPr/>
+        <p:nvPr/>
+      </p:nvGrpSpPr>
+      <p:grpSpPr>
+        <a:xfrm>
+          <a:off x="0" y="0"/>
+          <a:ext cx="0" cy="0"/>
+          <a:chOff x="0" y="0"/>
+          <a:chExt cx="0" cy="0"/>
+        </a:xfrm>
+      </p:grpSpPr>
+      <p:sp>
+        <p:nvSpPr>
+          <p:cNvPr id="2" name="슬라이드 이미지 개체 틀 1"/>
+          <p:cNvSpPr>
+            <a:spLocks noGrp="1" noRot="1" noChangeAspect="1"/>
+          </p:cNvSpPr>
+          <p:nvPr>
+            <p:ph type="sldImg"/>
+          </p:nvPr>
+        </p:nvSpPr>
+        <p:spPr/>
+      </p:sp>
+      <p:sp>
+        <p:nvSpPr>
+          <p:cNvPr id="3" name="슬라이드 노트 개체 틀 2"/>
+          <p:cNvSpPr>
+            <a:spLocks noGrp="1"/>
+          </p:cNvSpPr>
+          <p:nvPr>
+            <p:ph type="body" idx="1"/>
+          </p:nvPr>
+        </p:nvSpPr>
+        <p:spPr/>
+        <p:txBody>
+          <a:bodyPr/>
+          <a:lstStyle/>
+          <a:p>
+            <a:endParaRPr lang="ko-KR" altLang="en-US" dirty="0"/>
+          </a:p>
+        </p:txBody>
+      </p:sp>
+      <p:sp>
+        <p:nvSpPr>
+          <p:cNvPr id="4" name="슬라이드 번호 개체 틀 3"/>
+          <p:cNvSpPr>
+            <a:spLocks noGrp="1"/>
+          </p:cNvSpPr>
+          <p:nvPr>
+            <p:ph type="sldNum" sz="quarter" idx="5"/>
+          </p:nvPr>
+        </p:nvSpPr>
+        <p:spPr/>
+        <p:txBody>
+          <a:bodyPr/>
+          <a:lstStyle/>
+          <a:p>
+            <a:pPr lvl="0">
+              <a:defRPr/>
+            </a:pPr>
+            <a:fld id="{588939B5-3CF3-460F-B676-D95D40C720BF}" type="slidenum">
+              <a:rPr lang="ko-KR" altLang="en-US" smtClean="0"/>
+              <a:pPr lvl="0">
+                <a:defRPr/>
+              </a:pPr>
+              <a:t>13</a:t>
+            </a:fld>
+            <a:endParaRPr lang="ko-KR" altLang="en-US"/>
+          </a:p>
+        </p:txBody>
+      </p:sp>
+    </p:spTree>
+    <p:extLst>
+      <p:ext uri="{BB962C8B-B14F-4D97-AF65-F5344CB8AC3E}">
+        <p14:creationId xmlns:p14="http://schemas.microsoft.com/office/powerpoint/2010/main" val="843298167"/>
+      </p:ext>
+    </p:extLst>
+  </p:cSld>
+  <p:clrMapOvr>
+    <a:masterClrMapping/>
+  </p:clrMapOvr>
+</p:notes>
+</file>
+
 <file path=ppt/slideLayouts/slideLayout1.xml><?xml version="1.0" encoding="utf-8"?>
 <p:sldLayout xmlns:a="http://schemas.openxmlformats.org/drawingml/2006/main" xmlns:r="http://schemas.openxmlformats.org/officeDocument/2006/relationships" xmlns:p="http://schemas.openxmlformats.org/presentationml/2006/main" type="title" preserve="1">
   <p:cSld name="제목 슬라이드">
@@ -1401,7 +1491,7 @@
           <a:p>
             <a:fld id="{29F15912-DF5E-4479-8ABA-4F9CDA3ED278}" type="datetime1">
               <a:rPr lang="ko-KR" altLang="en-US" smtClean="0"/>
-              <a:t>2019-03-24</a:t>
+              <a:t>2019-03-25</a:t>
             </a:fld>
             <a:endParaRPr lang="ko-KR" altLang="en-US"/>
           </a:p>
@@ -1631,7 +1721,7 @@
           <a:p>
             <a:fld id="{8EFF1178-C9DA-4A17-935F-3345920E04A4}" type="datetime1">
               <a:rPr lang="ko-KR" altLang="en-US" smtClean="0"/>
-              <a:t>2019-03-24</a:t>
+              <a:t>2019-03-25</a:t>
             </a:fld>
             <a:endParaRPr lang="ko-KR" altLang="en-US"/>
           </a:p>
@@ -1839,7 +1929,7 @@
           <a:p>
             <a:fld id="{4FDCB9C2-06B3-41DA-922C-914583460BB4}" type="datetime1">
               <a:rPr lang="ko-KR" altLang="en-US" smtClean="0"/>
-              <a:t>2019-03-24</a:t>
+              <a:t>2019-03-25</a:t>
             </a:fld>
             <a:endParaRPr lang="ko-KR" altLang="en-US"/>
           </a:p>
@@ -2374,7 +2464,7 @@
           <a:p>
             <a:fld id="{04A7FE38-C1AE-4297-8975-73AC936CB7DB}" type="datetime1">
               <a:rPr lang="ko-KR" altLang="en-US" smtClean="0"/>
-              <a:t>2019-03-24</a:t>
+              <a:t>2019-03-25</a:t>
             </a:fld>
             <a:endParaRPr lang="ko-KR" altLang="en-US"/>
           </a:p>
@@ -2639,7 +2729,7 @@
           <a:p>
             <a:fld id="{5C827732-E306-466E-9D6C-0D747ECB1B5A}" type="datetime1">
               <a:rPr lang="ko-KR" altLang="en-US" smtClean="0"/>
-              <a:t>2019-03-24</a:t>
+              <a:t>2019-03-25</a:t>
             </a:fld>
             <a:endParaRPr lang="ko-KR" altLang="en-US"/>
           </a:p>
@@ -3051,7 +3141,7 @@
           <a:p>
             <a:fld id="{4CEC7976-A2BB-4DE3-A696-E4E3541EFEEF}" type="datetime1">
               <a:rPr lang="ko-KR" altLang="en-US" smtClean="0"/>
-              <a:t>2019-03-24</a:t>
+              <a:t>2019-03-25</a:t>
             </a:fld>
             <a:endParaRPr lang="ko-KR" altLang="en-US"/>
           </a:p>
@@ -3192,7 +3282,7 @@
           <a:p>
             <a:fld id="{318AF65D-C257-4286-B463-075C93CF8C96}" type="datetime1">
               <a:rPr lang="ko-KR" altLang="en-US" smtClean="0"/>
-              <a:t>2019-03-24</a:t>
+              <a:t>2019-03-25</a:t>
             </a:fld>
             <a:endParaRPr lang="ko-KR" altLang="en-US"/>
           </a:p>
@@ -3337,7 +3427,7 @@
           <a:p>
             <a:fld id="{0AA42013-848C-4A3F-86D3-B475240CD4F5}" type="datetime1">
               <a:rPr lang="ko-KR" altLang="en-US" smtClean="0"/>
-              <a:t>2019-03-24</a:t>
+              <a:t>2019-03-25</a:t>
             </a:fld>
             <a:endParaRPr lang="ko-KR" altLang="en-US"/>
           </a:p>
@@ -3779,7 +3869,7 @@
           <a:p>
             <a:fld id="{C997F6DB-815A-473E-81D5-DD0145FF2881}" type="datetime1">
               <a:rPr lang="ko-KR" altLang="en-US" smtClean="0"/>
-              <a:t>2019-03-24</a:t>
+              <a:t>2019-03-25</a:t>
             </a:fld>
             <a:endParaRPr lang="ko-KR" altLang="en-US"/>
           </a:p>
@@ -4067,7 +4157,7 @@
           <a:p>
             <a:fld id="{E15BBF43-EF0F-4A85-AEE0-1C2B102823CB}" type="datetime1">
               <a:rPr lang="ko-KR" altLang="en-US" smtClean="0"/>
-              <a:t>2019-03-24</a:t>
+              <a:t>2019-03-25</a:t>
             </a:fld>
             <a:endParaRPr lang="ko-KR" altLang="en-US"/>
           </a:p>
@@ -4308,7 +4398,7 @@
           <a:p>
             <a:fld id="{4041896F-2038-4C9C-A491-E790942C54F5}" type="datetime1">
               <a:rPr lang="ko-KR" altLang="en-US" smtClean="0"/>
-              <a:t>2019-03-24</a:t>
+              <a:t>2019-03-25</a:t>
             </a:fld>
             <a:endParaRPr lang="ko-KR" altLang="en-US"/>
           </a:p>
@@ -4784,6 +4874,11 @@
               <a:rPr lang="en-US" altLang="ko-KR" sz="2000" dirty="0"/>
               <a:t>(32151839)</a:t>
             </a:r>
+          </a:p>
+          <a:p>
+            <a:pPr lvl="0">
+              <a:defRPr/>
+            </a:pPr>
             <a:endParaRPr lang="ko-KR" altLang="en-US" sz="2000" dirty="0"/>
           </a:p>
         </p:txBody>
@@ -4797,7 +4892,7 @@
     <mc:Choice Requires="p14">
       <p:transition/>
     </mc:Choice>
-    <mc:Fallback xmlns="" xmlns:c="http://schemas.openxmlformats.org/drawingml/2006/chart" xmlns:dgm="http://schemas.openxmlformats.org/drawingml/2006/diagram" xmlns:dsp="http://schemas.microsoft.com/office/drawing/2008/diagram">
+    <mc:Fallback xmlns:dsp="http://schemas.microsoft.com/office/drawing/2008/diagram" xmlns:dgm="http://schemas.openxmlformats.org/drawingml/2006/diagram" xmlns:c="http://schemas.openxmlformats.org/drawingml/2006/chart" xmlns="">
       <p:transition/>
     </mc:Fallback>
   </mc:AlternateContent>
@@ -5752,7 +5847,7 @@
     <mc:Choice Requires="p14">
       <p:transition/>
     </mc:Choice>
-    <mc:Fallback xmlns="" xmlns:c="http://schemas.openxmlformats.org/drawingml/2006/chart" xmlns:dgm="http://schemas.openxmlformats.org/drawingml/2006/diagram" xmlns:dsp="http://schemas.microsoft.com/office/drawing/2008/diagram">
+    <mc:Fallback xmlns:dsp="http://schemas.microsoft.com/office/drawing/2008/diagram" xmlns:dgm="http://schemas.openxmlformats.org/drawingml/2006/diagram" xmlns:c="http://schemas.openxmlformats.org/drawingml/2006/chart" xmlns="">
       <p:transition/>
     </mc:Fallback>
   </mc:AlternateContent>
@@ -6030,7 +6125,7 @@
     <mc:Choice Requires="p14">
       <p:transition/>
     </mc:Choice>
-    <mc:Fallback xmlns="" xmlns:c="http://schemas.openxmlformats.org/drawingml/2006/chart" xmlns:dgm="http://schemas.openxmlformats.org/drawingml/2006/diagram" xmlns:dsp="http://schemas.microsoft.com/office/drawing/2008/diagram">
+    <mc:Fallback xmlns:dsp="http://schemas.microsoft.com/office/drawing/2008/diagram" xmlns:dgm="http://schemas.openxmlformats.org/drawingml/2006/diagram" xmlns:c="http://schemas.openxmlformats.org/drawingml/2006/chart" xmlns="">
       <p:transition/>
     </mc:Fallback>
   </mc:AlternateContent>

--- a/0. document/5. PPT/0. 프로젝트 주제.pptx
+++ b/0. document/5. PPT/0. 프로젝트 주제.pptx
@@ -218,7 +218,7 @@
               <a:pPr lvl="0">
                 <a:defRPr/>
               </a:pPr>
-              <a:t>2019-03-24</a:t>
+              <a:t>2019-03-27</a:t>
             </a:fld>
             <a:endParaRPr lang="ko-KR" altLang="en-US"/>
           </a:p>
@@ -1401,7 +1401,7 @@
           <a:p>
             <a:fld id="{29F15912-DF5E-4479-8ABA-4F9CDA3ED278}" type="datetime1">
               <a:rPr lang="ko-KR" altLang="en-US" smtClean="0"/>
-              <a:t>2019-03-24</a:t>
+              <a:t>2019-03-27</a:t>
             </a:fld>
             <a:endParaRPr lang="ko-KR" altLang="en-US"/>
           </a:p>
@@ -1631,7 +1631,7 @@
           <a:p>
             <a:fld id="{8EFF1178-C9DA-4A17-935F-3345920E04A4}" type="datetime1">
               <a:rPr lang="ko-KR" altLang="en-US" smtClean="0"/>
-              <a:t>2019-03-24</a:t>
+              <a:t>2019-03-27</a:t>
             </a:fld>
             <a:endParaRPr lang="ko-KR" altLang="en-US"/>
           </a:p>
@@ -1839,7 +1839,7 @@
           <a:p>
             <a:fld id="{4FDCB9C2-06B3-41DA-922C-914583460BB4}" type="datetime1">
               <a:rPr lang="ko-KR" altLang="en-US" smtClean="0"/>
-              <a:t>2019-03-24</a:t>
+              <a:t>2019-03-27</a:t>
             </a:fld>
             <a:endParaRPr lang="ko-KR" altLang="en-US"/>
           </a:p>
@@ -2374,7 +2374,7 @@
           <a:p>
             <a:fld id="{04A7FE38-C1AE-4297-8975-73AC936CB7DB}" type="datetime1">
               <a:rPr lang="ko-KR" altLang="en-US" smtClean="0"/>
-              <a:t>2019-03-24</a:t>
+              <a:t>2019-03-27</a:t>
             </a:fld>
             <a:endParaRPr lang="ko-KR" altLang="en-US"/>
           </a:p>
@@ -2639,7 +2639,7 @@
           <a:p>
             <a:fld id="{5C827732-E306-466E-9D6C-0D747ECB1B5A}" type="datetime1">
               <a:rPr lang="ko-KR" altLang="en-US" smtClean="0"/>
-              <a:t>2019-03-24</a:t>
+              <a:t>2019-03-27</a:t>
             </a:fld>
             <a:endParaRPr lang="ko-KR" altLang="en-US"/>
           </a:p>
@@ -3051,7 +3051,7 @@
           <a:p>
             <a:fld id="{4CEC7976-A2BB-4DE3-A696-E4E3541EFEEF}" type="datetime1">
               <a:rPr lang="ko-KR" altLang="en-US" smtClean="0"/>
-              <a:t>2019-03-24</a:t>
+              <a:t>2019-03-27</a:t>
             </a:fld>
             <a:endParaRPr lang="ko-KR" altLang="en-US"/>
           </a:p>
@@ -3192,7 +3192,7 @@
           <a:p>
             <a:fld id="{318AF65D-C257-4286-B463-075C93CF8C96}" type="datetime1">
               <a:rPr lang="ko-KR" altLang="en-US" smtClean="0"/>
-              <a:t>2019-03-24</a:t>
+              <a:t>2019-03-27</a:t>
             </a:fld>
             <a:endParaRPr lang="ko-KR" altLang="en-US"/>
           </a:p>
@@ -3337,7 +3337,7 @@
           <a:p>
             <a:fld id="{0AA42013-848C-4A3F-86D3-B475240CD4F5}" type="datetime1">
               <a:rPr lang="ko-KR" altLang="en-US" smtClean="0"/>
-              <a:t>2019-03-24</a:t>
+              <a:t>2019-03-27</a:t>
             </a:fld>
             <a:endParaRPr lang="ko-KR" altLang="en-US"/>
           </a:p>
@@ -3779,7 +3779,7 @@
           <a:p>
             <a:fld id="{C997F6DB-815A-473E-81D5-DD0145FF2881}" type="datetime1">
               <a:rPr lang="ko-KR" altLang="en-US" smtClean="0"/>
-              <a:t>2019-03-24</a:t>
+              <a:t>2019-03-27</a:t>
             </a:fld>
             <a:endParaRPr lang="ko-KR" altLang="en-US"/>
           </a:p>
@@ -4067,7 +4067,7 @@
           <a:p>
             <a:fld id="{E15BBF43-EF0F-4A85-AEE0-1C2B102823CB}" type="datetime1">
               <a:rPr lang="ko-KR" altLang="en-US" smtClean="0"/>
-              <a:t>2019-03-24</a:t>
+              <a:t>2019-03-27</a:t>
             </a:fld>
             <a:endParaRPr lang="ko-KR" altLang="en-US"/>
           </a:p>
@@ -4308,7 +4308,7 @@
           <a:p>
             <a:fld id="{4041896F-2038-4C9C-A491-E790942C54F5}" type="datetime1">
               <a:rPr lang="ko-KR" altLang="en-US" smtClean="0"/>
-              <a:t>2019-03-24</a:t>
+              <a:t>2019-03-27</a:t>
             </a:fld>
             <a:endParaRPr lang="ko-KR" altLang="en-US"/>
           </a:p>
@@ -4784,7 +4784,16 @@
               <a:rPr lang="en-US" altLang="ko-KR" sz="2000" dirty="0"/>
               <a:t>(32151839)</a:t>
             </a:r>
-            <a:endParaRPr lang="ko-KR" altLang="en-US" sz="2000" dirty="0"/>
+          </a:p>
+          <a:p>
+            <a:pPr lvl="0">
+              <a:defRPr/>
+            </a:pPr>
+            <a:r>
+              <a:rPr lang="en-US" altLang="ko-KR" sz="4000" dirty="0"/>
+              <a:t>Team. CEO</a:t>
+            </a:r>
+            <a:endParaRPr lang="ko-KR" altLang="en-US" sz="4000" dirty="0"/>
           </a:p>
         </p:txBody>
       </p:sp>
@@ -4797,7 +4806,7 @@
     <mc:Choice Requires="p14">
       <p:transition/>
     </mc:Choice>
-    <mc:Fallback xmlns="" xmlns:c="http://schemas.openxmlformats.org/drawingml/2006/chart" xmlns:dgm="http://schemas.openxmlformats.org/drawingml/2006/diagram" xmlns:dsp="http://schemas.microsoft.com/office/drawing/2008/diagram">
+    <mc:Fallback xmlns:dsp="http://schemas.microsoft.com/office/drawing/2008/diagram" xmlns:dgm="http://schemas.openxmlformats.org/drawingml/2006/diagram" xmlns:c="http://schemas.openxmlformats.org/drawingml/2006/chart" xmlns="">
       <p:transition/>
     </mc:Fallback>
   </mc:AlternateContent>
@@ -5752,7 +5761,7 @@
     <mc:Choice Requires="p14">
       <p:transition/>
     </mc:Choice>
-    <mc:Fallback xmlns="" xmlns:c="http://schemas.openxmlformats.org/drawingml/2006/chart" xmlns:dgm="http://schemas.openxmlformats.org/drawingml/2006/diagram" xmlns:dsp="http://schemas.microsoft.com/office/drawing/2008/diagram">
+    <mc:Fallback xmlns:dsp="http://schemas.microsoft.com/office/drawing/2008/diagram" xmlns:dgm="http://schemas.openxmlformats.org/drawingml/2006/diagram" xmlns:c="http://schemas.openxmlformats.org/drawingml/2006/chart" xmlns="">
       <p:transition/>
     </mc:Fallback>
   </mc:AlternateContent>
@@ -6030,7 +6039,7 @@
     <mc:Choice Requires="p14">
       <p:transition/>
     </mc:Choice>
-    <mc:Fallback xmlns="" xmlns:c="http://schemas.openxmlformats.org/drawingml/2006/chart" xmlns:dgm="http://schemas.openxmlformats.org/drawingml/2006/diagram" xmlns:dsp="http://schemas.microsoft.com/office/drawing/2008/diagram">
+    <mc:Fallback xmlns:dsp="http://schemas.microsoft.com/office/drawing/2008/diagram" xmlns:dgm="http://schemas.openxmlformats.org/drawingml/2006/diagram" xmlns:c="http://schemas.openxmlformats.org/drawingml/2006/chart" xmlns="">
       <p:transition/>
     </mc:Fallback>
   </mc:AlternateContent>
